--- a/我們呼求.pptx
+++ b/我們呼求.pptx
@@ -2,7 +2,7 @@
 <file path=ppt/presentation.xml><?xml version="1.0" encoding="utf-8"?>
 <p:presentation xmlns:a="http://schemas.openxmlformats.org/drawingml/2006/main" xmlns:r="http://schemas.openxmlformats.org/officeDocument/2006/relationships" xmlns:p="http://schemas.openxmlformats.org/presentationml/2006/main" saveSubsetFonts="1">
   <p:sldMasterIdLst>
-    <p:sldMasterId id="2147483648" r:id="rId1"/>
+    <p:sldMasterId id="2147483660" r:id="rId1"/>
   </p:sldMasterIdLst>
   <p:sldIdLst>
     <p:sldId id="257" r:id="rId2"/>
@@ -14,7 +14,7 @@
     <p:sldId id="263" r:id="rId8"/>
     <p:sldId id="264" r:id="rId9"/>
   </p:sldIdLst>
-  <p:sldSz cx="9144000" cy="6858000" type="screen4x3"/>
+  <p:sldSz cx="12192000" cy="6858000"/>
   <p:notesSz cx="6858000" cy="9144000"/>
   <p:defaultTextStyle>
     <a:defPPr>
@@ -111,6 +111,22 @@
       </a:defRPr>
     </a:lvl9pPr>
   </p:defaultTextStyle>
+  <p:extLst>
+    <p:ext uri="{EFAFB233-063F-42B5-8137-9DF3F51BA10A}">
+      <p15:sldGuideLst xmlns:p15="http://schemas.microsoft.com/office/powerpoint/2012/main">
+        <p15:guide id="1" orient="horz" pos="2160" userDrawn="1">
+          <p15:clr>
+            <a:srgbClr val="A4A3A4"/>
+          </p15:clr>
+        </p15:guide>
+        <p15:guide id="2" pos="3840" userDrawn="1">
+          <p15:clr>
+            <a:srgbClr val="A4A3A4"/>
+          </p15:clr>
+        </p15:guide>
+      </p15:sldGuideLst>
+    </p:ext>
+  </p:extLst>
 </p:presentation>
 </file>
 
@@ -143,8 +159,8 @@
         </p:nvSpPr>
         <p:spPr>
           <a:xfrm>
-            <a:off x="685800" y="2130425"/>
-            <a:ext cx="7772400" cy="1470025"/>
+            <a:off x="914400" y="2130426"/>
+            <a:ext cx="10363200" cy="1470025"/>
           </a:xfrm>
         </p:spPr>
         <p:txBody>
@@ -152,8 +168,8 @@
           <a:lstStyle/>
           <a:p>
             <a:r>
-              <a:rPr lang="zh-TW" altLang="en-US" smtClean="0"/>
-              <a:t>按一下以編輯母片標題樣式</a:t>
+              <a:rPr lang="en-US" altLang="zh-TW" smtClean="0"/>
+              <a:t>Click to edit Master title style</a:t>
             </a:r>
             <a:endParaRPr lang="zh-TW" altLang="en-US"/>
           </a:p>
@@ -171,8 +187,8 @@
         </p:nvSpPr>
         <p:spPr>
           <a:xfrm>
-            <a:off x="1371600" y="3886200"/>
-            <a:ext cx="6400800" cy="1752600"/>
+            <a:off x="1828800" y="3886200"/>
+            <a:ext cx="8534400" cy="1752600"/>
           </a:xfrm>
         </p:spPr>
         <p:txBody>
@@ -188,7 +204,7 @@
                 </a:solidFill>
               </a:defRPr>
             </a:lvl1pPr>
-            <a:lvl2pPr marL="457200" indent="0" algn="ctr">
+            <a:lvl2pPr marL="609585" indent="0" algn="ctr">
               <a:buNone/>
               <a:defRPr>
                 <a:solidFill>
@@ -198,7 +214,7 @@
                 </a:solidFill>
               </a:defRPr>
             </a:lvl2pPr>
-            <a:lvl3pPr marL="914400" indent="0" algn="ctr">
+            <a:lvl3pPr marL="1219170" indent="0" algn="ctr">
               <a:buNone/>
               <a:defRPr>
                 <a:solidFill>
@@ -208,7 +224,7 @@
                 </a:solidFill>
               </a:defRPr>
             </a:lvl3pPr>
-            <a:lvl4pPr marL="1371600" indent="0" algn="ctr">
+            <a:lvl4pPr marL="1828754" indent="0" algn="ctr">
               <a:buNone/>
               <a:defRPr>
                 <a:solidFill>
@@ -218,7 +234,7 @@
                 </a:solidFill>
               </a:defRPr>
             </a:lvl4pPr>
-            <a:lvl5pPr marL="1828800" indent="0" algn="ctr">
+            <a:lvl5pPr marL="2438339" indent="0" algn="ctr">
               <a:buNone/>
               <a:defRPr>
                 <a:solidFill>
@@ -228,7 +244,7 @@
                 </a:solidFill>
               </a:defRPr>
             </a:lvl5pPr>
-            <a:lvl6pPr marL="2286000" indent="0" algn="ctr">
+            <a:lvl6pPr marL="3047924" indent="0" algn="ctr">
               <a:buNone/>
               <a:defRPr>
                 <a:solidFill>
@@ -238,7 +254,7 @@
                 </a:solidFill>
               </a:defRPr>
             </a:lvl6pPr>
-            <a:lvl7pPr marL="2743200" indent="0" algn="ctr">
+            <a:lvl7pPr marL="3657509" indent="0" algn="ctr">
               <a:buNone/>
               <a:defRPr>
                 <a:solidFill>
@@ -248,7 +264,7 @@
                 </a:solidFill>
               </a:defRPr>
             </a:lvl7pPr>
-            <a:lvl8pPr marL="3200400" indent="0" algn="ctr">
+            <a:lvl8pPr marL="4267093" indent="0" algn="ctr">
               <a:buNone/>
               <a:defRPr>
                 <a:solidFill>
@@ -258,7 +274,7 @@
                 </a:solidFill>
               </a:defRPr>
             </a:lvl8pPr>
-            <a:lvl9pPr marL="3657600" indent="0" algn="ctr">
+            <a:lvl9pPr marL="4876678" indent="0" algn="ctr">
               <a:buNone/>
               <a:defRPr>
                 <a:solidFill>
@@ -271,8 +287,8 @@
           </a:lstStyle>
           <a:p>
             <a:r>
-              <a:rPr lang="zh-TW" altLang="en-US" smtClean="0"/>
-              <a:t>按一下以編輯母片副標題樣式</a:t>
+              <a:rPr lang="en-US" altLang="zh-TW" smtClean="0"/>
+              <a:t>Click to edit Master subtitle style</a:t>
             </a:r>
             <a:endParaRPr lang="zh-TW" altLang="en-US"/>
           </a:p>
@@ -295,7 +311,7 @@
           <a:p>
             <a:fld id="{0C929668-19BB-4531-B921-24AC1C4F06E4}" type="datetimeFigureOut">
               <a:rPr lang="zh-TW" altLang="en-US" smtClean="0"/>
-              <a:t>2017/6/20</a:t>
+              <a:t>2020/2/22</a:t>
             </a:fld>
             <a:endParaRPr lang="zh-TW" altLang="en-US"/>
           </a:p>
@@ -344,6 +360,11 @@
         </p:txBody>
       </p:sp>
     </p:spTree>
+    <p:extLst>
+      <p:ext uri="{BB962C8B-B14F-4D97-AF65-F5344CB8AC3E}">
+        <p14:creationId xmlns:p14="http://schemas.microsoft.com/office/powerpoint/2010/main" val="1310781107"/>
+      </p:ext>
+    </p:extLst>
   </p:cSld>
   <p:clrMapOvr>
     <a:masterClrMapping/>
@@ -384,8 +405,8 @@
           <a:lstStyle/>
           <a:p>
             <a:r>
-              <a:rPr lang="zh-TW" altLang="en-US" smtClean="0"/>
-              <a:t>按一下以編輯母片標題樣式</a:t>
+              <a:rPr lang="en-US" altLang="zh-TW" smtClean="0"/>
+              <a:t>Click to edit Master title style</a:t>
             </a:r>
             <a:endParaRPr lang="zh-TW" altLang="en-US"/>
           </a:p>
@@ -408,36 +429,36 @@
           <a:p>
             <a:pPr lvl="0"/>
             <a:r>
-              <a:rPr lang="zh-TW" altLang="en-US" smtClean="0"/>
-              <a:t>按一下以編輯母片文字樣式</a:t>
+              <a:rPr lang="en-US" altLang="zh-TW" smtClean="0"/>
+              <a:t>Edit Master text styles</a:t>
             </a:r>
           </a:p>
           <a:p>
             <a:pPr lvl="1"/>
             <a:r>
-              <a:rPr lang="zh-TW" altLang="en-US" smtClean="0"/>
-              <a:t>第二層</a:t>
+              <a:rPr lang="en-US" altLang="zh-TW" smtClean="0"/>
+              <a:t>Second level</a:t>
             </a:r>
           </a:p>
           <a:p>
             <a:pPr lvl="2"/>
             <a:r>
-              <a:rPr lang="zh-TW" altLang="en-US" smtClean="0"/>
-              <a:t>第三層</a:t>
+              <a:rPr lang="en-US" altLang="zh-TW" smtClean="0"/>
+              <a:t>Third level</a:t>
             </a:r>
           </a:p>
           <a:p>
             <a:pPr lvl="3"/>
             <a:r>
-              <a:rPr lang="zh-TW" altLang="en-US" smtClean="0"/>
-              <a:t>第四層</a:t>
+              <a:rPr lang="en-US" altLang="zh-TW" smtClean="0"/>
+              <a:t>Fourth level</a:t>
             </a:r>
           </a:p>
           <a:p>
             <a:pPr lvl="4"/>
             <a:r>
-              <a:rPr lang="zh-TW" altLang="en-US" smtClean="0"/>
-              <a:t>第五層</a:t>
+              <a:rPr lang="en-US" altLang="zh-TW" smtClean="0"/>
+              <a:t>Fifth level</a:t>
             </a:r>
             <a:endParaRPr lang="zh-TW" altLang="en-US"/>
           </a:p>
@@ -460,7 +481,7 @@
           <a:p>
             <a:fld id="{0C929668-19BB-4531-B921-24AC1C4F06E4}" type="datetimeFigureOut">
               <a:rPr lang="zh-TW" altLang="en-US" smtClean="0"/>
-              <a:t>2017/6/20</a:t>
+              <a:t>2020/2/22</a:t>
             </a:fld>
             <a:endParaRPr lang="zh-TW" altLang="en-US"/>
           </a:p>
@@ -509,6 +530,11 @@
         </p:txBody>
       </p:sp>
     </p:spTree>
+    <p:extLst>
+      <p:ext uri="{BB962C8B-B14F-4D97-AF65-F5344CB8AC3E}">
+        <p14:creationId xmlns:p14="http://schemas.microsoft.com/office/powerpoint/2010/main" val="936482077"/>
+      </p:ext>
+    </p:extLst>
   </p:cSld>
   <p:clrMapOvr>
     <a:masterClrMapping/>
@@ -545,8 +571,8 @@
         </p:nvSpPr>
         <p:spPr>
           <a:xfrm>
-            <a:off x="6629400" y="274638"/>
-            <a:ext cx="2057400" cy="5851525"/>
+            <a:off x="8839200" y="274639"/>
+            <a:ext cx="2743200" cy="5851525"/>
           </a:xfrm>
         </p:spPr>
         <p:txBody>
@@ -554,8 +580,8 @@
           <a:lstStyle/>
           <a:p>
             <a:r>
-              <a:rPr lang="zh-TW" altLang="en-US" smtClean="0"/>
-              <a:t>按一下以編輯母片標題樣式</a:t>
+              <a:rPr lang="en-US" altLang="zh-TW" smtClean="0"/>
+              <a:t>Click to edit Master title style</a:t>
             </a:r>
             <a:endParaRPr lang="zh-TW" altLang="en-US"/>
           </a:p>
@@ -573,8 +599,8 @@
         </p:nvSpPr>
         <p:spPr>
           <a:xfrm>
-            <a:off x="457200" y="274638"/>
-            <a:ext cx="6019800" cy="5851525"/>
+            <a:off x="609600" y="274639"/>
+            <a:ext cx="8026400" cy="5851525"/>
           </a:xfrm>
         </p:spPr>
         <p:txBody>
@@ -583,36 +609,36 @@
           <a:p>
             <a:pPr lvl="0"/>
             <a:r>
-              <a:rPr lang="zh-TW" altLang="en-US" smtClean="0"/>
-              <a:t>按一下以編輯母片文字樣式</a:t>
+              <a:rPr lang="en-US" altLang="zh-TW" smtClean="0"/>
+              <a:t>Edit Master text styles</a:t>
             </a:r>
           </a:p>
           <a:p>
             <a:pPr lvl="1"/>
             <a:r>
-              <a:rPr lang="zh-TW" altLang="en-US" smtClean="0"/>
-              <a:t>第二層</a:t>
+              <a:rPr lang="en-US" altLang="zh-TW" smtClean="0"/>
+              <a:t>Second level</a:t>
             </a:r>
           </a:p>
           <a:p>
             <a:pPr lvl="2"/>
             <a:r>
-              <a:rPr lang="zh-TW" altLang="en-US" smtClean="0"/>
-              <a:t>第三層</a:t>
+              <a:rPr lang="en-US" altLang="zh-TW" smtClean="0"/>
+              <a:t>Third level</a:t>
             </a:r>
           </a:p>
           <a:p>
             <a:pPr lvl="3"/>
             <a:r>
-              <a:rPr lang="zh-TW" altLang="en-US" smtClean="0"/>
-              <a:t>第四層</a:t>
+              <a:rPr lang="en-US" altLang="zh-TW" smtClean="0"/>
+              <a:t>Fourth level</a:t>
             </a:r>
           </a:p>
           <a:p>
             <a:pPr lvl="4"/>
             <a:r>
-              <a:rPr lang="zh-TW" altLang="en-US" smtClean="0"/>
-              <a:t>第五層</a:t>
+              <a:rPr lang="en-US" altLang="zh-TW" smtClean="0"/>
+              <a:t>Fifth level</a:t>
             </a:r>
             <a:endParaRPr lang="zh-TW" altLang="en-US"/>
           </a:p>
@@ -635,7 +661,7 @@
           <a:p>
             <a:fld id="{0C929668-19BB-4531-B921-24AC1C4F06E4}" type="datetimeFigureOut">
               <a:rPr lang="zh-TW" altLang="en-US" smtClean="0"/>
-              <a:t>2017/6/20</a:t>
+              <a:t>2020/2/22</a:t>
             </a:fld>
             <a:endParaRPr lang="zh-TW" altLang="en-US"/>
           </a:p>
@@ -684,6 +710,11 @@
         </p:txBody>
       </p:sp>
     </p:spTree>
+    <p:extLst>
+      <p:ext uri="{BB962C8B-B14F-4D97-AF65-F5344CB8AC3E}">
+        <p14:creationId xmlns:p14="http://schemas.microsoft.com/office/powerpoint/2010/main" val="3626783556"/>
+      </p:ext>
+    </p:extLst>
   </p:cSld>
   <p:clrMapOvr>
     <a:masterClrMapping/>
@@ -724,8 +755,8 @@
           <a:lstStyle/>
           <a:p>
             <a:r>
-              <a:rPr lang="zh-TW" altLang="en-US" smtClean="0"/>
-              <a:t>按一下以編輯母片標題樣式</a:t>
+              <a:rPr lang="en-US" altLang="zh-TW" smtClean="0"/>
+              <a:t>Click to edit Master title style</a:t>
             </a:r>
             <a:endParaRPr lang="zh-TW" altLang="en-US"/>
           </a:p>
@@ -748,36 +779,36 @@
           <a:p>
             <a:pPr lvl="0"/>
             <a:r>
-              <a:rPr lang="zh-TW" altLang="en-US" smtClean="0"/>
-              <a:t>按一下以編輯母片文字樣式</a:t>
+              <a:rPr lang="en-US" altLang="zh-TW" smtClean="0"/>
+              <a:t>Edit Master text styles</a:t>
             </a:r>
           </a:p>
           <a:p>
             <a:pPr lvl="1"/>
             <a:r>
-              <a:rPr lang="zh-TW" altLang="en-US" smtClean="0"/>
-              <a:t>第二層</a:t>
+              <a:rPr lang="en-US" altLang="zh-TW" smtClean="0"/>
+              <a:t>Second level</a:t>
             </a:r>
           </a:p>
           <a:p>
             <a:pPr lvl="2"/>
             <a:r>
-              <a:rPr lang="zh-TW" altLang="en-US" smtClean="0"/>
-              <a:t>第三層</a:t>
+              <a:rPr lang="en-US" altLang="zh-TW" smtClean="0"/>
+              <a:t>Third level</a:t>
             </a:r>
           </a:p>
           <a:p>
             <a:pPr lvl="3"/>
             <a:r>
-              <a:rPr lang="zh-TW" altLang="en-US" smtClean="0"/>
-              <a:t>第四層</a:t>
+              <a:rPr lang="en-US" altLang="zh-TW" smtClean="0"/>
+              <a:t>Fourth level</a:t>
             </a:r>
           </a:p>
           <a:p>
             <a:pPr lvl="4"/>
             <a:r>
-              <a:rPr lang="zh-TW" altLang="en-US" smtClean="0"/>
-              <a:t>第五層</a:t>
+              <a:rPr lang="en-US" altLang="zh-TW" smtClean="0"/>
+              <a:t>Fifth level</a:t>
             </a:r>
             <a:endParaRPr lang="zh-TW" altLang="en-US"/>
           </a:p>
@@ -800,7 +831,7 @@
           <a:p>
             <a:fld id="{0C929668-19BB-4531-B921-24AC1C4F06E4}" type="datetimeFigureOut">
               <a:rPr lang="zh-TW" altLang="en-US" smtClean="0"/>
-              <a:t>2017/6/20</a:t>
+              <a:t>2020/2/22</a:t>
             </a:fld>
             <a:endParaRPr lang="zh-TW" altLang="en-US"/>
           </a:p>
@@ -849,6 +880,11 @@
         </p:txBody>
       </p:sp>
     </p:spTree>
+    <p:extLst>
+      <p:ext uri="{BB962C8B-B14F-4D97-AF65-F5344CB8AC3E}">
+        <p14:creationId xmlns:p14="http://schemas.microsoft.com/office/powerpoint/2010/main" val="3550568806"/>
+      </p:ext>
+    </p:extLst>
   </p:cSld>
   <p:clrMapOvr>
     <a:masterClrMapping/>
@@ -885,21 +921,21 @@
         </p:nvSpPr>
         <p:spPr>
           <a:xfrm>
-            <a:off x="722313" y="4406900"/>
-            <a:ext cx="7772400" cy="1362075"/>
+            <a:off x="963084" y="4406901"/>
+            <a:ext cx="10363200" cy="1362075"/>
           </a:xfrm>
         </p:spPr>
         <p:txBody>
           <a:bodyPr anchor="t"/>
           <a:lstStyle>
             <a:lvl1pPr algn="l">
-              <a:defRPr sz="4000" b="1" cap="all"/>
+              <a:defRPr sz="5333" b="1" cap="all"/>
             </a:lvl1pPr>
           </a:lstStyle>
           <a:p>
             <a:r>
-              <a:rPr lang="zh-TW" altLang="en-US" smtClean="0"/>
-              <a:t>按一下以編輯母片標題樣式</a:t>
+              <a:rPr lang="en-US" altLang="zh-TW" smtClean="0"/>
+              <a:t>Click to edit Master title style</a:t>
             </a:r>
             <a:endParaRPr lang="zh-TW" altLang="en-US"/>
           </a:p>
@@ -917,8 +953,8 @@
         </p:nvSpPr>
         <p:spPr>
           <a:xfrm>
-            <a:off x="722313" y="2906713"/>
-            <a:ext cx="7772400" cy="1500187"/>
+            <a:off x="963084" y="2906713"/>
+            <a:ext cx="10363200" cy="1500187"/>
           </a:xfrm>
         </p:spPr>
         <p:txBody>
@@ -926,7 +962,7 @@
           <a:lstStyle>
             <a:lvl1pPr marL="0" indent="0">
               <a:buNone/>
-              <a:defRPr sz="2000">
+              <a:defRPr sz="2667">
                 <a:solidFill>
                   <a:schemeClr val="tx1">
                     <a:tint val="75000"/>
@@ -934,9 +970,9 @@
                 </a:solidFill>
               </a:defRPr>
             </a:lvl1pPr>
-            <a:lvl2pPr marL="457200" indent="0">
-              <a:buNone/>
-              <a:defRPr sz="1800">
+            <a:lvl2pPr marL="609585" indent="0">
+              <a:buNone/>
+              <a:defRPr sz="2400">
                 <a:solidFill>
                   <a:schemeClr val="tx1">
                     <a:tint val="75000"/>
@@ -944,9 +980,9 @@
                 </a:solidFill>
               </a:defRPr>
             </a:lvl2pPr>
-            <a:lvl3pPr marL="914400" indent="0">
-              <a:buNone/>
-              <a:defRPr sz="1600">
+            <a:lvl3pPr marL="1219170" indent="0">
+              <a:buNone/>
+              <a:defRPr sz="2133">
                 <a:solidFill>
                   <a:schemeClr val="tx1">
                     <a:tint val="75000"/>
@@ -954,9 +990,9 @@
                 </a:solidFill>
               </a:defRPr>
             </a:lvl3pPr>
-            <a:lvl4pPr marL="1371600" indent="0">
-              <a:buNone/>
-              <a:defRPr sz="1400">
+            <a:lvl4pPr marL="1828754" indent="0">
+              <a:buNone/>
+              <a:defRPr sz="1867">
                 <a:solidFill>
                   <a:schemeClr val="tx1">
                     <a:tint val="75000"/>
@@ -964,9 +1000,9 @@
                 </a:solidFill>
               </a:defRPr>
             </a:lvl4pPr>
-            <a:lvl5pPr marL="1828800" indent="0">
-              <a:buNone/>
-              <a:defRPr sz="1400">
+            <a:lvl5pPr marL="2438339" indent="0">
+              <a:buNone/>
+              <a:defRPr sz="1867">
                 <a:solidFill>
                   <a:schemeClr val="tx1">
                     <a:tint val="75000"/>
@@ -974,9 +1010,9 @@
                 </a:solidFill>
               </a:defRPr>
             </a:lvl5pPr>
-            <a:lvl6pPr marL="2286000" indent="0">
-              <a:buNone/>
-              <a:defRPr sz="1400">
+            <a:lvl6pPr marL="3047924" indent="0">
+              <a:buNone/>
+              <a:defRPr sz="1867">
                 <a:solidFill>
                   <a:schemeClr val="tx1">
                     <a:tint val="75000"/>
@@ -984,9 +1020,9 @@
                 </a:solidFill>
               </a:defRPr>
             </a:lvl6pPr>
-            <a:lvl7pPr marL="2743200" indent="0">
-              <a:buNone/>
-              <a:defRPr sz="1400">
+            <a:lvl7pPr marL="3657509" indent="0">
+              <a:buNone/>
+              <a:defRPr sz="1867">
                 <a:solidFill>
                   <a:schemeClr val="tx1">
                     <a:tint val="75000"/>
@@ -994,9 +1030,9 @@
                 </a:solidFill>
               </a:defRPr>
             </a:lvl7pPr>
-            <a:lvl8pPr marL="3200400" indent="0">
-              <a:buNone/>
-              <a:defRPr sz="1400">
+            <a:lvl8pPr marL="4267093" indent="0">
+              <a:buNone/>
+              <a:defRPr sz="1867">
                 <a:solidFill>
                   <a:schemeClr val="tx1">
                     <a:tint val="75000"/>
@@ -1004,9 +1040,9 @@
                 </a:solidFill>
               </a:defRPr>
             </a:lvl8pPr>
-            <a:lvl9pPr marL="3657600" indent="0">
-              <a:buNone/>
-              <a:defRPr sz="1400">
+            <a:lvl9pPr marL="4876678" indent="0">
+              <a:buNone/>
+              <a:defRPr sz="1867">
                 <a:solidFill>
                   <a:schemeClr val="tx1">
                     <a:tint val="75000"/>
@@ -1018,8 +1054,8 @@
           <a:p>
             <a:pPr lvl="0"/>
             <a:r>
-              <a:rPr lang="zh-TW" altLang="en-US" smtClean="0"/>
-              <a:t>按一下以編輯母片文字樣式</a:t>
+              <a:rPr lang="en-US" altLang="zh-TW" smtClean="0"/>
+              <a:t>Edit Master text styles</a:t>
             </a:r>
           </a:p>
         </p:txBody>
@@ -1041,7 +1077,7 @@
           <a:p>
             <a:fld id="{0C929668-19BB-4531-B921-24AC1C4F06E4}" type="datetimeFigureOut">
               <a:rPr lang="zh-TW" altLang="en-US" smtClean="0"/>
-              <a:t>2017/6/20</a:t>
+              <a:t>2020/2/22</a:t>
             </a:fld>
             <a:endParaRPr lang="zh-TW" altLang="en-US"/>
           </a:p>
@@ -1090,6 +1126,11 @@
         </p:txBody>
       </p:sp>
     </p:spTree>
+    <p:extLst>
+      <p:ext uri="{BB962C8B-B14F-4D97-AF65-F5344CB8AC3E}">
+        <p14:creationId xmlns:p14="http://schemas.microsoft.com/office/powerpoint/2010/main" val="3579430757"/>
+      </p:ext>
+    </p:extLst>
   </p:cSld>
   <p:clrMapOvr>
     <a:masterClrMapping/>
@@ -1130,8 +1171,8 @@
           <a:lstStyle/>
           <a:p>
             <a:r>
-              <a:rPr lang="zh-TW" altLang="en-US" smtClean="0"/>
-              <a:t>按一下以編輯母片標題樣式</a:t>
+              <a:rPr lang="en-US" altLang="zh-TW" smtClean="0"/>
+              <a:t>Click to edit Master title style</a:t>
             </a:r>
             <a:endParaRPr lang="zh-TW" altLang="en-US"/>
           </a:p>
@@ -1149,74 +1190,74 @@
         </p:nvSpPr>
         <p:spPr>
           <a:xfrm>
-            <a:off x="457200" y="1600200"/>
-            <a:ext cx="4038600" cy="4525963"/>
+            <a:off x="609600" y="1600201"/>
+            <a:ext cx="5384800" cy="4525963"/>
           </a:xfrm>
         </p:spPr>
         <p:txBody>
           <a:bodyPr/>
           <a:lstStyle>
             <a:lvl1pPr>
-              <a:defRPr sz="2800"/>
+              <a:defRPr sz="3733"/>
             </a:lvl1pPr>
             <a:lvl2pPr>
-              <a:defRPr sz="2400"/>
+              <a:defRPr sz="3200"/>
             </a:lvl2pPr>
             <a:lvl3pPr>
-              <a:defRPr sz="2000"/>
+              <a:defRPr sz="2667"/>
             </a:lvl3pPr>
             <a:lvl4pPr>
-              <a:defRPr sz="1800"/>
+              <a:defRPr sz="2400"/>
             </a:lvl4pPr>
             <a:lvl5pPr>
-              <a:defRPr sz="1800"/>
+              <a:defRPr sz="2400"/>
             </a:lvl5pPr>
             <a:lvl6pPr>
-              <a:defRPr sz="1800"/>
+              <a:defRPr sz="2400"/>
             </a:lvl6pPr>
             <a:lvl7pPr>
-              <a:defRPr sz="1800"/>
+              <a:defRPr sz="2400"/>
             </a:lvl7pPr>
             <a:lvl8pPr>
-              <a:defRPr sz="1800"/>
+              <a:defRPr sz="2400"/>
             </a:lvl8pPr>
             <a:lvl9pPr>
-              <a:defRPr sz="1800"/>
+              <a:defRPr sz="2400"/>
             </a:lvl9pPr>
           </a:lstStyle>
           <a:p>
             <a:pPr lvl="0"/>
             <a:r>
-              <a:rPr lang="zh-TW" altLang="en-US" smtClean="0"/>
-              <a:t>按一下以編輯母片文字樣式</a:t>
+              <a:rPr lang="en-US" altLang="zh-TW" smtClean="0"/>
+              <a:t>Edit Master text styles</a:t>
             </a:r>
           </a:p>
           <a:p>
             <a:pPr lvl="1"/>
             <a:r>
-              <a:rPr lang="zh-TW" altLang="en-US" smtClean="0"/>
-              <a:t>第二層</a:t>
+              <a:rPr lang="en-US" altLang="zh-TW" smtClean="0"/>
+              <a:t>Second level</a:t>
             </a:r>
           </a:p>
           <a:p>
             <a:pPr lvl="2"/>
             <a:r>
-              <a:rPr lang="zh-TW" altLang="en-US" smtClean="0"/>
-              <a:t>第三層</a:t>
+              <a:rPr lang="en-US" altLang="zh-TW" smtClean="0"/>
+              <a:t>Third level</a:t>
             </a:r>
           </a:p>
           <a:p>
             <a:pPr lvl="3"/>
             <a:r>
-              <a:rPr lang="zh-TW" altLang="en-US" smtClean="0"/>
-              <a:t>第四層</a:t>
+              <a:rPr lang="en-US" altLang="zh-TW" smtClean="0"/>
+              <a:t>Fourth level</a:t>
             </a:r>
           </a:p>
           <a:p>
             <a:pPr lvl="4"/>
             <a:r>
-              <a:rPr lang="zh-TW" altLang="en-US" smtClean="0"/>
-              <a:t>第五層</a:t>
+              <a:rPr lang="en-US" altLang="zh-TW" smtClean="0"/>
+              <a:t>Fifth level</a:t>
             </a:r>
             <a:endParaRPr lang="zh-TW" altLang="en-US"/>
           </a:p>
@@ -1234,74 +1275,74 @@
         </p:nvSpPr>
         <p:spPr>
           <a:xfrm>
-            <a:off x="4648200" y="1600200"/>
-            <a:ext cx="4038600" cy="4525963"/>
+            <a:off x="6197600" y="1600201"/>
+            <a:ext cx="5384800" cy="4525963"/>
           </a:xfrm>
         </p:spPr>
         <p:txBody>
           <a:bodyPr/>
           <a:lstStyle>
             <a:lvl1pPr>
-              <a:defRPr sz="2800"/>
+              <a:defRPr sz="3733"/>
             </a:lvl1pPr>
             <a:lvl2pPr>
-              <a:defRPr sz="2400"/>
+              <a:defRPr sz="3200"/>
             </a:lvl2pPr>
             <a:lvl3pPr>
-              <a:defRPr sz="2000"/>
+              <a:defRPr sz="2667"/>
             </a:lvl3pPr>
             <a:lvl4pPr>
-              <a:defRPr sz="1800"/>
+              <a:defRPr sz="2400"/>
             </a:lvl4pPr>
             <a:lvl5pPr>
-              <a:defRPr sz="1800"/>
+              <a:defRPr sz="2400"/>
             </a:lvl5pPr>
             <a:lvl6pPr>
-              <a:defRPr sz="1800"/>
+              <a:defRPr sz="2400"/>
             </a:lvl6pPr>
             <a:lvl7pPr>
-              <a:defRPr sz="1800"/>
+              <a:defRPr sz="2400"/>
             </a:lvl7pPr>
             <a:lvl8pPr>
-              <a:defRPr sz="1800"/>
+              <a:defRPr sz="2400"/>
             </a:lvl8pPr>
             <a:lvl9pPr>
-              <a:defRPr sz="1800"/>
+              <a:defRPr sz="2400"/>
             </a:lvl9pPr>
           </a:lstStyle>
           <a:p>
             <a:pPr lvl="0"/>
             <a:r>
-              <a:rPr lang="zh-TW" altLang="en-US" smtClean="0"/>
-              <a:t>按一下以編輯母片文字樣式</a:t>
+              <a:rPr lang="en-US" altLang="zh-TW" smtClean="0"/>
+              <a:t>Edit Master text styles</a:t>
             </a:r>
           </a:p>
           <a:p>
             <a:pPr lvl="1"/>
             <a:r>
-              <a:rPr lang="zh-TW" altLang="en-US" smtClean="0"/>
-              <a:t>第二層</a:t>
+              <a:rPr lang="en-US" altLang="zh-TW" smtClean="0"/>
+              <a:t>Second level</a:t>
             </a:r>
           </a:p>
           <a:p>
             <a:pPr lvl="2"/>
             <a:r>
-              <a:rPr lang="zh-TW" altLang="en-US" smtClean="0"/>
-              <a:t>第三層</a:t>
+              <a:rPr lang="en-US" altLang="zh-TW" smtClean="0"/>
+              <a:t>Third level</a:t>
             </a:r>
           </a:p>
           <a:p>
             <a:pPr lvl="3"/>
             <a:r>
-              <a:rPr lang="zh-TW" altLang="en-US" smtClean="0"/>
-              <a:t>第四層</a:t>
+              <a:rPr lang="en-US" altLang="zh-TW" smtClean="0"/>
+              <a:t>Fourth level</a:t>
             </a:r>
           </a:p>
           <a:p>
             <a:pPr lvl="4"/>
             <a:r>
-              <a:rPr lang="zh-TW" altLang="en-US" smtClean="0"/>
-              <a:t>第五層</a:t>
+              <a:rPr lang="en-US" altLang="zh-TW" smtClean="0"/>
+              <a:t>Fifth level</a:t>
             </a:r>
             <a:endParaRPr lang="zh-TW" altLang="en-US"/>
           </a:p>
@@ -1324,7 +1365,7 @@
           <a:p>
             <a:fld id="{0C929668-19BB-4531-B921-24AC1C4F06E4}" type="datetimeFigureOut">
               <a:rPr lang="zh-TW" altLang="en-US" smtClean="0"/>
-              <a:t>2017/6/20</a:t>
+              <a:t>2020/2/22</a:t>
             </a:fld>
             <a:endParaRPr lang="zh-TW" altLang="en-US"/>
           </a:p>
@@ -1373,6 +1414,11 @@
         </p:txBody>
       </p:sp>
     </p:spTree>
+    <p:extLst>
+      <p:ext uri="{BB962C8B-B14F-4D97-AF65-F5344CB8AC3E}">
+        <p14:creationId xmlns:p14="http://schemas.microsoft.com/office/powerpoint/2010/main" val="25941535"/>
+      </p:ext>
+    </p:extLst>
   </p:cSld>
   <p:clrMapOvr>
     <a:masterClrMapping/>
@@ -1417,8 +1463,8 @@
           </a:lstStyle>
           <a:p>
             <a:r>
-              <a:rPr lang="zh-TW" altLang="en-US" smtClean="0"/>
-              <a:t>按一下以編輯母片標題樣式</a:t>
+              <a:rPr lang="en-US" altLang="zh-TW" smtClean="0"/>
+              <a:t>Click to edit Master title style</a:t>
             </a:r>
             <a:endParaRPr lang="zh-TW" altLang="en-US"/>
           </a:p>
@@ -1436,8 +1482,8 @@
         </p:nvSpPr>
         <p:spPr>
           <a:xfrm>
-            <a:off x="457200" y="1535113"/>
-            <a:ext cx="4040188" cy="639762"/>
+            <a:off x="609600" y="1535113"/>
+            <a:ext cx="5386917" cy="639763"/>
           </a:xfrm>
         </p:spPr>
         <p:txBody>
@@ -1445,46 +1491,46 @@
           <a:lstStyle>
             <a:lvl1pPr marL="0" indent="0">
               <a:buNone/>
+              <a:defRPr sz="3200" b="1"/>
+            </a:lvl1pPr>
+            <a:lvl2pPr marL="609585" indent="0">
+              <a:buNone/>
+              <a:defRPr sz="2667" b="1"/>
+            </a:lvl2pPr>
+            <a:lvl3pPr marL="1219170" indent="0">
+              <a:buNone/>
               <a:defRPr sz="2400" b="1"/>
-            </a:lvl1pPr>
-            <a:lvl2pPr marL="457200" indent="0">
-              <a:buNone/>
-              <a:defRPr sz="2000" b="1"/>
-            </a:lvl2pPr>
-            <a:lvl3pPr marL="914400" indent="0">
-              <a:buNone/>
-              <a:defRPr sz="1800" b="1"/>
             </a:lvl3pPr>
-            <a:lvl4pPr marL="1371600" indent="0">
-              <a:buNone/>
-              <a:defRPr sz="1600" b="1"/>
+            <a:lvl4pPr marL="1828754" indent="0">
+              <a:buNone/>
+              <a:defRPr sz="2133" b="1"/>
             </a:lvl4pPr>
-            <a:lvl5pPr marL="1828800" indent="0">
-              <a:buNone/>
-              <a:defRPr sz="1600" b="1"/>
+            <a:lvl5pPr marL="2438339" indent="0">
+              <a:buNone/>
+              <a:defRPr sz="2133" b="1"/>
             </a:lvl5pPr>
-            <a:lvl6pPr marL="2286000" indent="0">
-              <a:buNone/>
-              <a:defRPr sz="1600" b="1"/>
+            <a:lvl6pPr marL="3047924" indent="0">
+              <a:buNone/>
+              <a:defRPr sz="2133" b="1"/>
             </a:lvl6pPr>
-            <a:lvl7pPr marL="2743200" indent="0">
-              <a:buNone/>
-              <a:defRPr sz="1600" b="1"/>
+            <a:lvl7pPr marL="3657509" indent="0">
+              <a:buNone/>
+              <a:defRPr sz="2133" b="1"/>
             </a:lvl7pPr>
-            <a:lvl8pPr marL="3200400" indent="0">
-              <a:buNone/>
-              <a:defRPr sz="1600" b="1"/>
+            <a:lvl8pPr marL="4267093" indent="0">
+              <a:buNone/>
+              <a:defRPr sz="2133" b="1"/>
             </a:lvl8pPr>
-            <a:lvl9pPr marL="3657600" indent="0">
-              <a:buNone/>
-              <a:defRPr sz="1600" b="1"/>
+            <a:lvl9pPr marL="4876678" indent="0">
+              <a:buNone/>
+              <a:defRPr sz="2133" b="1"/>
             </a:lvl9pPr>
           </a:lstStyle>
           <a:p>
             <a:pPr lvl="0"/>
             <a:r>
-              <a:rPr lang="zh-TW" altLang="en-US" smtClean="0"/>
-              <a:t>按一下以編輯母片文字樣式</a:t>
+              <a:rPr lang="en-US" altLang="zh-TW" smtClean="0"/>
+              <a:t>Edit Master text styles</a:t>
             </a:r>
           </a:p>
         </p:txBody>
@@ -1501,74 +1547,74 @@
         </p:nvSpPr>
         <p:spPr>
           <a:xfrm>
-            <a:off x="457200" y="2174875"/>
-            <a:ext cx="4040188" cy="3951288"/>
+            <a:off x="609600" y="2174875"/>
+            <a:ext cx="5386917" cy="3951288"/>
           </a:xfrm>
         </p:spPr>
         <p:txBody>
           <a:bodyPr/>
           <a:lstStyle>
             <a:lvl1pPr>
-              <a:defRPr sz="2400"/>
+              <a:defRPr sz="3200"/>
             </a:lvl1pPr>
             <a:lvl2pPr>
-              <a:defRPr sz="2000"/>
+              <a:defRPr sz="2667"/>
             </a:lvl2pPr>
             <a:lvl3pPr>
-              <a:defRPr sz="1800"/>
+              <a:defRPr sz="2400"/>
             </a:lvl3pPr>
             <a:lvl4pPr>
-              <a:defRPr sz="1600"/>
+              <a:defRPr sz="2133"/>
             </a:lvl4pPr>
             <a:lvl5pPr>
-              <a:defRPr sz="1600"/>
+              <a:defRPr sz="2133"/>
             </a:lvl5pPr>
             <a:lvl6pPr>
-              <a:defRPr sz="1600"/>
+              <a:defRPr sz="2133"/>
             </a:lvl6pPr>
             <a:lvl7pPr>
-              <a:defRPr sz="1600"/>
+              <a:defRPr sz="2133"/>
             </a:lvl7pPr>
             <a:lvl8pPr>
-              <a:defRPr sz="1600"/>
+              <a:defRPr sz="2133"/>
             </a:lvl8pPr>
             <a:lvl9pPr>
-              <a:defRPr sz="1600"/>
+              <a:defRPr sz="2133"/>
             </a:lvl9pPr>
           </a:lstStyle>
           <a:p>
             <a:pPr lvl="0"/>
             <a:r>
-              <a:rPr lang="zh-TW" altLang="en-US" smtClean="0"/>
-              <a:t>按一下以編輯母片文字樣式</a:t>
+              <a:rPr lang="en-US" altLang="zh-TW" smtClean="0"/>
+              <a:t>Edit Master text styles</a:t>
             </a:r>
           </a:p>
           <a:p>
             <a:pPr lvl="1"/>
             <a:r>
-              <a:rPr lang="zh-TW" altLang="en-US" smtClean="0"/>
-              <a:t>第二層</a:t>
+              <a:rPr lang="en-US" altLang="zh-TW" smtClean="0"/>
+              <a:t>Second level</a:t>
             </a:r>
           </a:p>
           <a:p>
             <a:pPr lvl="2"/>
             <a:r>
-              <a:rPr lang="zh-TW" altLang="en-US" smtClean="0"/>
-              <a:t>第三層</a:t>
+              <a:rPr lang="en-US" altLang="zh-TW" smtClean="0"/>
+              <a:t>Third level</a:t>
             </a:r>
           </a:p>
           <a:p>
             <a:pPr lvl="3"/>
             <a:r>
-              <a:rPr lang="zh-TW" altLang="en-US" smtClean="0"/>
-              <a:t>第四層</a:t>
+              <a:rPr lang="en-US" altLang="zh-TW" smtClean="0"/>
+              <a:t>Fourth level</a:t>
             </a:r>
           </a:p>
           <a:p>
             <a:pPr lvl="4"/>
             <a:r>
-              <a:rPr lang="zh-TW" altLang="en-US" smtClean="0"/>
-              <a:t>第五層</a:t>
+              <a:rPr lang="en-US" altLang="zh-TW" smtClean="0"/>
+              <a:t>Fifth level</a:t>
             </a:r>
             <a:endParaRPr lang="zh-TW" altLang="en-US"/>
           </a:p>
@@ -1586,8 +1632,8 @@
         </p:nvSpPr>
         <p:spPr>
           <a:xfrm>
-            <a:off x="4645025" y="1535113"/>
-            <a:ext cx="4041775" cy="639762"/>
+            <a:off x="6193369" y="1535113"/>
+            <a:ext cx="5389033" cy="639763"/>
           </a:xfrm>
         </p:spPr>
         <p:txBody>
@@ -1595,46 +1641,46 @@
           <a:lstStyle>
             <a:lvl1pPr marL="0" indent="0">
               <a:buNone/>
+              <a:defRPr sz="3200" b="1"/>
+            </a:lvl1pPr>
+            <a:lvl2pPr marL="609585" indent="0">
+              <a:buNone/>
+              <a:defRPr sz="2667" b="1"/>
+            </a:lvl2pPr>
+            <a:lvl3pPr marL="1219170" indent="0">
+              <a:buNone/>
               <a:defRPr sz="2400" b="1"/>
-            </a:lvl1pPr>
-            <a:lvl2pPr marL="457200" indent="0">
-              <a:buNone/>
-              <a:defRPr sz="2000" b="1"/>
-            </a:lvl2pPr>
-            <a:lvl3pPr marL="914400" indent="0">
-              <a:buNone/>
-              <a:defRPr sz="1800" b="1"/>
             </a:lvl3pPr>
-            <a:lvl4pPr marL="1371600" indent="0">
-              <a:buNone/>
-              <a:defRPr sz="1600" b="1"/>
+            <a:lvl4pPr marL="1828754" indent="0">
+              <a:buNone/>
+              <a:defRPr sz="2133" b="1"/>
             </a:lvl4pPr>
-            <a:lvl5pPr marL="1828800" indent="0">
-              <a:buNone/>
-              <a:defRPr sz="1600" b="1"/>
+            <a:lvl5pPr marL="2438339" indent="0">
+              <a:buNone/>
+              <a:defRPr sz="2133" b="1"/>
             </a:lvl5pPr>
-            <a:lvl6pPr marL="2286000" indent="0">
-              <a:buNone/>
-              <a:defRPr sz="1600" b="1"/>
+            <a:lvl6pPr marL="3047924" indent="0">
+              <a:buNone/>
+              <a:defRPr sz="2133" b="1"/>
             </a:lvl6pPr>
-            <a:lvl7pPr marL="2743200" indent="0">
-              <a:buNone/>
-              <a:defRPr sz="1600" b="1"/>
+            <a:lvl7pPr marL="3657509" indent="0">
+              <a:buNone/>
+              <a:defRPr sz="2133" b="1"/>
             </a:lvl7pPr>
-            <a:lvl8pPr marL="3200400" indent="0">
-              <a:buNone/>
-              <a:defRPr sz="1600" b="1"/>
+            <a:lvl8pPr marL="4267093" indent="0">
+              <a:buNone/>
+              <a:defRPr sz="2133" b="1"/>
             </a:lvl8pPr>
-            <a:lvl9pPr marL="3657600" indent="0">
-              <a:buNone/>
-              <a:defRPr sz="1600" b="1"/>
+            <a:lvl9pPr marL="4876678" indent="0">
+              <a:buNone/>
+              <a:defRPr sz="2133" b="1"/>
             </a:lvl9pPr>
           </a:lstStyle>
           <a:p>
             <a:pPr lvl="0"/>
             <a:r>
-              <a:rPr lang="zh-TW" altLang="en-US" smtClean="0"/>
-              <a:t>按一下以編輯母片文字樣式</a:t>
+              <a:rPr lang="en-US" altLang="zh-TW" smtClean="0"/>
+              <a:t>Edit Master text styles</a:t>
             </a:r>
           </a:p>
         </p:txBody>
@@ -1651,74 +1697,74 @@
         </p:nvSpPr>
         <p:spPr>
           <a:xfrm>
-            <a:off x="4645025" y="2174875"/>
-            <a:ext cx="4041775" cy="3951288"/>
+            <a:off x="6193369" y="2174875"/>
+            <a:ext cx="5389033" cy="3951288"/>
           </a:xfrm>
         </p:spPr>
         <p:txBody>
           <a:bodyPr/>
           <a:lstStyle>
             <a:lvl1pPr>
-              <a:defRPr sz="2400"/>
+              <a:defRPr sz="3200"/>
             </a:lvl1pPr>
             <a:lvl2pPr>
-              <a:defRPr sz="2000"/>
+              <a:defRPr sz="2667"/>
             </a:lvl2pPr>
             <a:lvl3pPr>
-              <a:defRPr sz="1800"/>
+              <a:defRPr sz="2400"/>
             </a:lvl3pPr>
             <a:lvl4pPr>
-              <a:defRPr sz="1600"/>
+              <a:defRPr sz="2133"/>
             </a:lvl4pPr>
             <a:lvl5pPr>
-              <a:defRPr sz="1600"/>
+              <a:defRPr sz="2133"/>
             </a:lvl5pPr>
             <a:lvl6pPr>
-              <a:defRPr sz="1600"/>
+              <a:defRPr sz="2133"/>
             </a:lvl6pPr>
             <a:lvl7pPr>
-              <a:defRPr sz="1600"/>
+              <a:defRPr sz="2133"/>
             </a:lvl7pPr>
             <a:lvl8pPr>
-              <a:defRPr sz="1600"/>
+              <a:defRPr sz="2133"/>
             </a:lvl8pPr>
             <a:lvl9pPr>
-              <a:defRPr sz="1600"/>
+              <a:defRPr sz="2133"/>
             </a:lvl9pPr>
           </a:lstStyle>
           <a:p>
             <a:pPr lvl="0"/>
             <a:r>
-              <a:rPr lang="zh-TW" altLang="en-US" smtClean="0"/>
-              <a:t>按一下以編輯母片文字樣式</a:t>
+              <a:rPr lang="en-US" altLang="zh-TW" smtClean="0"/>
+              <a:t>Edit Master text styles</a:t>
             </a:r>
           </a:p>
           <a:p>
             <a:pPr lvl="1"/>
             <a:r>
-              <a:rPr lang="zh-TW" altLang="en-US" smtClean="0"/>
-              <a:t>第二層</a:t>
+              <a:rPr lang="en-US" altLang="zh-TW" smtClean="0"/>
+              <a:t>Second level</a:t>
             </a:r>
           </a:p>
           <a:p>
             <a:pPr lvl="2"/>
             <a:r>
-              <a:rPr lang="zh-TW" altLang="en-US" smtClean="0"/>
-              <a:t>第三層</a:t>
+              <a:rPr lang="en-US" altLang="zh-TW" smtClean="0"/>
+              <a:t>Third level</a:t>
             </a:r>
           </a:p>
           <a:p>
             <a:pPr lvl="3"/>
             <a:r>
-              <a:rPr lang="zh-TW" altLang="en-US" smtClean="0"/>
-              <a:t>第四層</a:t>
+              <a:rPr lang="en-US" altLang="zh-TW" smtClean="0"/>
+              <a:t>Fourth level</a:t>
             </a:r>
           </a:p>
           <a:p>
             <a:pPr lvl="4"/>
             <a:r>
-              <a:rPr lang="zh-TW" altLang="en-US" smtClean="0"/>
-              <a:t>第五層</a:t>
+              <a:rPr lang="en-US" altLang="zh-TW" smtClean="0"/>
+              <a:t>Fifth level</a:t>
             </a:r>
             <a:endParaRPr lang="zh-TW" altLang="en-US"/>
           </a:p>
@@ -1741,7 +1787,7 @@
           <a:p>
             <a:fld id="{0C929668-19BB-4531-B921-24AC1C4F06E4}" type="datetimeFigureOut">
               <a:rPr lang="zh-TW" altLang="en-US" smtClean="0"/>
-              <a:t>2017/6/20</a:t>
+              <a:t>2020/2/22</a:t>
             </a:fld>
             <a:endParaRPr lang="zh-TW" altLang="en-US"/>
           </a:p>
@@ -1790,6 +1836,11 @@
         </p:txBody>
       </p:sp>
     </p:spTree>
+    <p:extLst>
+      <p:ext uri="{BB962C8B-B14F-4D97-AF65-F5344CB8AC3E}">
+        <p14:creationId xmlns:p14="http://schemas.microsoft.com/office/powerpoint/2010/main" val="1830040394"/>
+      </p:ext>
+    </p:extLst>
   </p:cSld>
   <p:clrMapOvr>
     <a:masterClrMapping/>
@@ -1830,8 +1881,8 @@
           <a:lstStyle/>
           <a:p>
             <a:r>
-              <a:rPr lang="zh-TW" altLang="en-US" smtClean="0"/>
-              <a:t>按一下以編輯母片標題樣式</a:t>
+              <a:rPr lang="en-US" altLang="zh-TW" smtClean="0"/>
+              <a:t>Click to edit Master title style</a:t>
             </a:r>
             <a:endParaRPr lang="zh-TW" altLang="en-US"/>
           </a:p>
@@ -1854,7 +1905,7 @@
           <a:p>
             <a:fld id="{0C929668-19BB-4531-B921-24AC1C4F06E4}" type="datetimeFigureOut">
               <a:rPr lang="zh-TW" altLang="en-US" smtClean="0"/>
-              <a:t>2017/6/20</a:t>
+              <a:t>2020/2/22</a:t>
             </a:fld>
             <a:endParaRPr lang="zh-TW" altLang="en-US"/>
           </a:p>
@@ -1903,6 +1954,11 @@
         </p:txBody>
       </p:sp>
     </p:spTree>
+    <p:extLst>
+      <p:ext uri="{BB962C8B-B14F-4D97-AF65-F5344CB8AC3E}">
+        <p14:creationId xmlns:p14="http://schemas.microsoft.com/office/powerpoint/2010/main" val="3290023634"/>
+      </p:ext>
+    </p:extLst>
   </p:cSld>
   <p:clrMapOvr>
     <a:masterClrMapping/>
@@ -1944,7 +2000,7 @@
           <a:p>
             <a:fld id="{0C929668-19BB-4531-B921-24AC1C4F06E4}" type="datetimeFigureOut">
               <a:rPr lang="zh-TW" altLang="en-US" smtClean="0"/>
-              <a:t>2017/6/20</a:t>
+              <a:t>2020/2/22</a:t>
             </a:fld>
             <a:endParaRPr lang="zh-TW" altLang="en-US"/>
           </a:p>
@@ -1993,6 +2049,11 @@
         </p:txBody>
       </p:sp>
     </p:spTree>
+    <p:extLst>
+      <p:ext uri="{BB962C8B-B14F-4D97-AF65-F5344CB8AC3E}">
+        <p14:creationId xmlns:p14="http://schemas.microsoft.com/office/powerpoint/2010/main" val="1622582170"/>
+      </p:ext>
+    </p:extLst>
   </p:cSld>
   <p:clrMapOvr>
     <a:masterClrMapping/>
@@ -2029,21 +2090,21 @@
         </p:nvSpPr>
         <p:spPr>
           <a:xfrm>
-            <a:off x="457200" y="273050"/>
-            <a:ext cx="3008313" cy="1162050"/>
+            <a:off x="609602" y="273049"/>
+            <a:ext cx="4011084" cy="1162051"/>
           </a:xfrm>
         </p:spPr>
         <p:txBody>
           <a:bodyPr anchor="b"/>
           <a:lstStyle>
             <a:lvl1pPr algn="l">
-              <a:defRPr sz="2000" b="1"/>
+              <a:defRPr sz="2667" b="1"/>
             </a:lvl1pPr>
           </a:lstStyle>
           <a:p>
             <a:r>
-              <a:rPr lang="zh-TW" altLang="en-US" smtClean="0"/>
-              <a:t>按一下以編輯母片標題樣式</a:t>
+              <a:rPr lang="en-US" altLang="zh-TW" smtClean="0"/>
+              <a:t>Click to edit Master title style</a:t>
             </a:r>
             <a:endParaRPr lang="zh-TW" altLang="en-US"/>
           </a:p>
@@ -2061,74 +2122,74 @@
         </p:nvSpPr>
         <p:spPr>
           <a:xfrm>
-            <a:off x="3575050" y="273050"/>
-            <a:ext cx="5111750" cy="5853113"/>
+            <a:off x="4766733" y="273052"/>
+            <a:ext cx="6815667" cy="5853113"/>
           </a:xfrm>
         </p:spPr>
         <p:txBody>
           <a:bodyPr/>
           <a:lstStyle>
             <a:lvl1pPr>
-              <a:defRPr sz="3200"/>
+              <a:defRPr sz="4267"/>
             </a:lvl1pPr>
             <a:lvl2pPr>
-              <a:defRPr sz="2800"/>
+              <a:defRPr sz="3733"/>
             </a:lvl2pPr>
             <a:lvl3pPr>
-              <a:defRPr sz="2400"/>
+              <a:defRPr sz="3200"/>
             </a:lvl3pPr>
             <a:lvl4pPr>
-              <a:defRPr sz="2000"/>
+              <a:defRPr sz="2667"/>
             </a:lvl4pPr>
             <a:lvl5pPr>
-              <a:defRPr sz="2000"/>
+              <a:defRPr sz="2667"/>
             </a:lvl5pPr>
             <a:lvl6pPr>
-              <a:defRPr sz="2000"/>
+              <a:defRPr sz="2667"/>
             </a:lvl6pPr>
             <a:lvl7pPr>
-              <a:defRPr sz="2000"/>
+              <a:defRPr sz="2667"/>
             </a:lvl7pPr>
             <a:lvl8pPr>
-              <a:defRPr sz="2000"/>
+              <a:defRPr sz="2667"/>
             </a:lvl8pPr>
             <a:lvl9pPr>
-              <a:defRPr sz="2000"/>
+              <a:defRPr sz="2667"/>
             </a:lvl9pPr>
           </a:lstStyle>
           <a:p>
             <a:pPr lvl="0"/>
             <a:r>
-              <a:rPr lang="zh-TW" altLang="en-US" smtClean="0"/>
-              <a:t>按一下以編輯母片文字樣式</a:t>
+              <a:rPr lang="en-US" altLang="zh-TW" smtClean="0"/>
+              <a:t>Edit Master text styles</a:t>
             </a:r>
           </a:p>
           <a:p>
             <a:pPr lvl="1"/>
             <a:r>
-              <a:rPr lang="zh-TW" altLang="en-US" smtClean="0"/>
-              <a:t>第二層</a:t>
+              <a:rPr lang="en-US" altLang="zh-TW" smtClean="0"/>
+              <a:t>Second level</a:t>
             </a:r>
           </a:p>
           <a:p>
             <a:pPr lvl="2"/>
             <a:r>
-              <a:rPr lang="zh-TW" altLang="en-US" smtClean="0"/>
-              <a:t>第三層</a:t>
+              <a:rPr lang="en-US" altLang="zh-TW" smtClean="0"/>
+              <a:t>Third level</a:t>
             </a:r>
           </a:p>
           <a:p>
             <a:pPr lvl="3"/>
             <a:r>
-              <a:rPr lang="zh-TW" altLang="en-US" smtClean="0"/>
-              <a:t>第四層</a:t>
+              <a:rPr lang="en-US" altLang="zh-TW" smtClean="0"/>
+              <a:t>Fourth level</a:t>
             </a:r>
           </a:p>
           <a:p>
             <a:pPr lvl="4"/>
             <a:r>
-              <a:rPr lang="zh-TW" altLang="en-US" smtClean="0"/>
-              <a:t>第五層</a:t>
+              <a:rPr lang="en-US" altLang="zh-TW" smtClean="0"/>
+              <a:t>Fifth level</a:t>
             </a:r>
             <a:endParaRPr lang="zh-TW" altLang="en-US"/>
           </a:p>
@@ -2146,8 +2207,8 @@
         </p:nvSpPr>
         <p:spPr>
           <a:xfrm>
-            <a:off x="457200" y="1435100"/>
-            <a:ext cx="3008313" cy="4691063"/>
+            <a:off x="609602" y="1435102"/>
+            <a:ext cx="4011084" cy="4691063"/>
           </a:xfrm>
         </p:spPr>
         <p:txBody>
@@ -2155,46 +2216,46 @@
           <a:lstStyle>
             <a:lvl1pPr marL="0" indent="0">
               <a:buNone/>
-              <a:defRPr sz="1400"/>
+              <a:defRPr sz="1867"/>
             </a:lvl1pPr>
-            <a:lvl2pPr marL="457200" indent="0">
+            <a:lvl2pPr marL="609585" indent="0">
+              <a:buNone/>
+              <a:defRPr sz="1600"/>
+            </a:lvl2pPr>
+            <a:lvl3pPr marL="1219170" indent="0">
+              <a:buNone/>
+              <a:defRPr sz="1333"/>
+            </a:lvl3pPr>
+            <a:lvl4pPr marL="1828754" indent="0">
               <a:buNone/>
               <a:defRPr sz="1200"/>
-            </a:lvl2pPr>
-            <a:lvl3pPr marL="914400" indent="0">
-              <a:buNone/>
-              <a:defRPr sz="1000"/>
-            </a:lvl3pPr>
-            <a:lvl4pPr marL="1371600" indent="0">
-              <a:buNone/>
-              <a:defRPr sz="900"/>
             </a:lvl4pPr>
-            <a:lvl5pPr marL="1828800" indent="0">
-              <a:buNone/>
-              <a:defRPr sz="900"/>
+            <a:lvl5pPr marL="2438339" indent="0">
+              <a:buNone/>
+              <a:defRPr sz="1200"/>
             </a:lvl5pPr>
-            <a:lvl6pPr marL="2286000" indent="0">
-              <a:buNone/>
-              <a:defRPr sz="900"/>
+            <a:lvl6pPr marL="3047924" indent="0">
+              <a:buNone/>
+              <a:defRPr sz="1200"/>
             </a:lvl6pPr>
-            <a:lvl7pPr marL="2743200" indent="0">
-              <a:buNone/>
-              <a:defRPr sz="900"/>
+            <a:lvl7pPr marL="3657509" indent="0">
+              <a:buNone/>
+              <a:defRPr sz="1200"/>
             </a:lvl7pPr>
-            <a:lvl8pPr marL="3200400" indent="0">
-              <a:buNone/>
-              <a:defRPr sz="900"/>
+            <a:lvl8pPr marL="4267093" indent="0">
+              <a:buNone/>
+              <a:defRPr sz="1200"/>
             </a:lvl8pPr>
-            <a:lvl9pPr marL="3657600" indent="0">
-              <a:buNone/>
-              <a:defRPr sz="900"/>
+            <a:lvl9pPr marL="4876678" indent="0">
+              <a:buNone/>
+              <a:defRPr sz="1200"/>
             </a:lvl9pPr>
           </a:lstStyle>
           <a:p>
             <a:pPr lvl="0"/>
             <a:r>
-              <a:rPr lang="zh-TW" altLang="en-US" smtClean="0"/>
-              <a:t>按一下以編輯母片文字樣式</a:t>
+              <a:rPr lang="en-US" altLang="zh-TW" smtClean="0"/>
+              <a:t>Edit Master text styles</a:t>
             </a:r>
           </a:p>
         </p:txBody>
@@ -2216,7 +2277,7 @@
           <a:p>
             <a:fld id="{0C929668-19BB-4531-B921-24AC1C4F06E4}" type="datetimeFigureOut">
               <a:rPr lang="zh-TW" altLang="en-US" smtClean="0"/>
-              <a:t>2017/6/20</a:t>
+              <a:t>2020/2/22</a:t>
             </a:fld>
             <a:endParaRPr lang="zh-TW" altLang="en-US"/>
           </a:p>
@@ -2265,6 +2326,11 @@
         </p:txBody>
       </p:sp>
     </p:spTree>
+    <p:extLst>
+      <p:ext uri="{BB962C8B-B14F-4D97-AF65-F5344CB8AC3E}">
+        <p14:creationId xmlns:p14="http://schemas.microsoft.com/office/powerpoint/2010/main" val="525491104"/>
+      </p:ext>
+    </p:extLst>
   </p:cSld>
   <p:clrMapOvr>
     <a:masterClrMapping/>
@@ -2301,21 +2367,21 @@
         </p:nvSpPr>
         <p:spPr>
           <a:xfrm>
-            <a:off x="1792288" y="4800600"/>
-            <a:ext cx="5486400" cy="566738"/>
+            <a:off x="2389717" y="4800600"/>
+            <a:ext cx="7315200" cy="566739"/>
           </a:xfrm>
         </p:spPr>
         <p:txBody>
           <a:bodyPr anchor="b"/>
           <a:lstStyle>
             <a:lvl1pPr algn="l">
-              <a:defRPr sz="2000" b="1"/>
+              <a:defRPr sz="2667" b="1"/>
             </a:lvl1pPr>
           </a:lstStyle>
           <a:p>
             <a:r>
-              <a:rPr lang="zh-TW" altLang="en-US" smtClean="0"/>
-              <a:t>按一下以編輯母片標題樣式</a:t>
+              <a:rPr lang="en-US" altLang="zh-TW" smtClean="0"/>
+              <a:t>Click to edit Master title style</a:t>
             </a:r>
             <a:endParaRPr lang="zh-TW" altLang="en-US"/>
           </a:p>
@@ -2333,8 +2399,8 @@
         </p:nvSpPr>
         <p:spPr>
           <a:xfrm>
-            <a:off x="1792288" y="612775"/>
-            <a:ext cx="5486400" cy="4114800"/>
+            <a:off x="2389717" y="612775"/>
+            <a:ext cx="7315200" cy="4114800"/>
           </a:xfrm>
         </p:spPr>
         <p:txBody>
@@ -2342,42 +2408,46 @@
           <a:lstStyle>
             <a:lvl1pPr marL="0" indent="0">
               <a:buNone/>
+              <a:defRPr sz="4267"/>
+            </a:lvl1pPr>
+            <a:lvl2pPr marL="609585" indent="0">
+              <a:buNone/>
+              <a:defRPr sz="3733"/>
+            </a:lvl2pPr>
+            <a:lvl3pPr marL="1219170" indent="0">
+              <a:buNone/>
               <a:defRPr sz="3200"/>
-            </a:lvl1pPr>
-            <a:lvl2pPr marL="457200" indent="0">
-              <a:buNone/>
-              <a:defRPr sz="2800"/>
-            </a:lvl2pPr>
-            <a:lvl3pPr marL="914400" indent="0">
-              <a:buNone/>
-              <a:defRPr sz="2400"/>
             </a:lvl3pPr>
-            <a:lvl4pPr marL="1371600" indent="0">
-              <a:buNone/>
-              <a:defRPr sz="2000"/>
+            <a:lvl4pPr marL="1828754" indent="0">
+              <a:buNone/>
+              <a:defRPr sz="2667"/>
             </a:lvl4pPr>
-            <a:lvl5pPr marL="1828800" indent="0">
-              <a:buNone/>
-              <a:defRPr sz="2000"/>
+            <a:lvl5pPr marL="2438339" indent="0">
+              <a:buNone/>
+              <a:defRPr sz="2667"/>
             </a:lvl5pPr>
-            <a:lvl6pPr marL="2286000" indent="0">
-              <a:buNone/>
-              <a:defRPr sz="2000"/>
+            <a:lvl6pPr marL="3047924" indent="0">
+              <a:buNone/>
+              <a:defRPr sz="2667"/>
             </a:lvl6pPr>
-            <a:lvl7pPr marL="2743200" indent="0">
-              <a:buNone/>
-              <a:defRPr sz="2000"/>
+            <a:lvl7pPr marL="3657509" indent="0">
+              <a:buNone/>
+              <a:defRPr sz="2667"/>
             </a:lvl7pPr>
-            <a:lvl8pPr marL="3200400" indent="0">
-              <a:buNone/>
-              <a:defRPr sz="2000"/>
+            <a:lvl8pPr marL="4267093" indent="0">
+              <a:buNone/>
+              <a:defRPr sz="2667"/>
             </a:lvl8pPr>
-            <a:lvl9pPr marL="3657600" indent="0">
-              <a:buNone/>
-              <a:defRPr sz="2000"/>
+            <a:lvl9pPr marL="4876678" indent="0">
+              <a:buNone/>
+              <a:defRPr sz="2667"/>
             </a:lvl9pPr>
           </a:lstStyle>
           <a:p>
+            <a:r>
+              <a:rPr lang="en-US" altLang="zh-TW" smtClean="0"/>
+              <a:t>Click icon to add picture</a:t>
+            </a:r>
             <a:endParaRPr lang="zh-TW" altLang="en-US"/>
           </a:p>
         </p:txBody>
@@ -2394,8 +2464,8 @@
         </p:nvSpPr>
         <p:spPr>
           <a:xfrm>
-            <a:off x="1792288" y="5367338"/>
-            <a:ext cx="5486400" cy="804862"/>
+            <a:off x="2389717" y="5367338"/>
+            <a:ext cx="7315200" cy="804863"/>
           </a:xfrm>
         </p:spPr>
         <p:txBody>
@@ -2403,46 +2473,46 @@
           <a:lstStyle>
             <a:lvl1pPr marL="0" indent="0">
               <a:buNone/>
-              <a:defRPr sz="1400"/>
+              <a:defRPr sz="1867"/>
             </a:lvl1pPr>
-            <a:lvl2pPr marL="457200" indent="0">
+            <a:lvl2pPr marL="609585" indent="0">
+              <a:buNone/>
+              <a:defRPr sz="1600"/>
+            </a:lvl2pPr>
+            <a:lvl3pPr marL="1219170" indent="0">
+              <a:buNone/>
+              <a:defRPr sz="1333"/>
+            </a:lvl3pPr>
+            <a:lvl4pPr marL="1828754" indent="0">
               <a:buNone/>
               <a:defRPr sz="1200"/>
-            </a:lvl2pPr>
-            <a:lvl3pPr marL="914400" indent="0">
-              <a:buNone/>
-              <a:defRPr sz="1000"/>
-            </a:lvl3pPr>
-            <a:lvl4pPr marL="1371600" indent="0">
-              <a:buNone/>
-              <a:defRPr sz="900"/>
             </a:lvl4pPr>
-            <a:lvl5pPr marL="1828800" indent="0">
-              <a:buNone/>
-              <a:defRPr sz="900"/>
+            <a:lvl5pPr marL="2438339" indent="0">
+              <a:buNone/>
+              <a:defRPr sz="1200"/>
             </a:lvl5pPr>
-            <a:lvl6pPr marL="2286000" indent="0">
-              <a:buNone/>
-              <a:defRPr sz="900"/>
+            <a:lvl6pPr marL="3047924" indent="0">
+              <a:buNone/>
+              <a:defRPr sz="1200"/>
             </a:lvl6pPr>
-            <a:lvl7pPr marL="2743200" indent="0">
-              <a:buNone/>
-              <a:defRPr sz="900"/>
+            <a:lvl7pPr marL="3657509" indent="0">
+              <a:buNone/>
+              <a:defRPr sz="1200"/>
             </a:lvl7pPr>
-            <a:lvl8pPr marL="3200400" indent="0">
-              <a:buNone/>
-              <a:defRPr sz="900"/>
+            <a:lvl8pPr marL="4267093" indent="0">
+              <a:buNone/>
+              <a:defRPr sz="1200"/>
             </a:lvl8pPr>
-            <a:lvl9pPr marL="3657600" indent="0">
-              <a:buNone/>
-              <a:defRPr sz="900"/>
+            <a:lvl9pPr marL="4876678" indent="0">
+              <a:buNone/>
+              <a:defRPr sz="1200"/>
             </a:lvl9pPr>
           </a:lstStyle>
           <a:p>
             <a:pPr lvl="0"/>
             <a:r>
-              <a:rPr lang="zh-TW" altLang="en-US" smtClean="0"/>
-              <a:t>按一下以編輯母片文字樣式</a:t>
+              <a:rPr lang="en-US" altLang="zh-TW" smtClean="0"/>
+              <a:t>Edit Master text styles</a:t>
             </a:r>
           </a:p>
         </p:txBody>
@@ -2464,7 +2534,7 @@
           <a:p>
             <a:fld id="{0C929668-19BB-4531-B921-24AC1C4F06E4}" type="datetimeFigureOut">
               <a:rPr lang="zh-TW" altLang="en-US" smtClean="0"/>
-              <a:t>2017/6/20</a:t>
+              <a:t>2020/2/22</a:t>
             </a:fld>
             <a:endParaRPr lang="zh-TW" altLang="en-US"/>
           </a:p>
@@ -2513,6 +2583,11 @@
         </p:txBody>
       </p:sp>
     </p:spTree>
+    <p:extLst>
+      <p:ext uri="{BB962C8B-B14F-4D97-AF65-F5344CB8AC3E}">
+        <p14:creationId xmlns:p14="http://schemas.microsoft.com/office/powerpoint/2010/main" val="3560218096"/>
+      </p:ext>
+    </p:extLst>
   </p:cSld>
   <p:clrMapOvr>
     <a:masterClrMapping/>
@@ -2524,9 +2599,14 @@
 <p:sldMaster xmlns:a="http://schemas.openxmlformats.org/drawingml/2006/main" xmlns:r="http://schemas.openxmlformats.org/officeDocument/2006/relationships" xmlns:p="http://schemas.openxmlformats.org/presentationml/2006/main">
   <p:cSld>
     <p:bg>
-      <p:bgRef idx="1001">
-        <a:schemeClr val="bg1"/>
-      </p:bgRef>
+      <p:bgPr>
+        <a:blipFill dpi="0" rotWithShape="1">
+          <a:blip r:embed="rId13"/>
+          <a:srcRect/>
+          <a:tile tx="0" ty="0" sx="100000" sy="100000" flip="none" algn="tl"/>
+        </a:blipFill>
+        <a:effectLst/>
+      </p:bgPr>
     </p:bg>
     <p:spTree>
       <p:nvGrpSpPr>
@@ -2554,8 +2634,8 @@
         </p:nvSpPr>
         <p:spPr>
           <a:xfrm>
-            <a:off x="457200" y="274638"/>
-            <a:ext cx="8229600" cy="1143000"/>
+            <a:off x="609600" y="274639"/>
+            <a:ext cx="10972800" cy="1143000"/>
           </a:xfrm>
           <a:prstGeom prst="rect">
             <a:avLst/>
@@ -2587,8 +2667,8 @@
         </p:nvSpPr>
         <p:spPr>
           <a:xfrm>
-            <a:off x="457200" y="1600200"/>
-            <a:ext cx="8229600" cy="4525963"/>
+            <a:off x="609600" y="1600201"/>
+            <a:ext cx="10972800" cy="4525963"/>
           </a:xfrm>
           <a:prstGeom prst="rect">
             <a:avLst/>
@@ -2649,8 +2729,8 @@
         </p:nvSpPr>
         <p:spPr>
           <a:xfrm>
-            <a:off x="457200" y="6356350"/>
-            <a:ext cx="2133600" cy="365125"/>
+            <a:off x="609600" y="6356351"/>
+            <a:ext cx="2844800" cy="365125"/>
           </a:xfrm>
           <a:prstGeom prst="rect">
             <a:avLst/>
@@ -2660,7 +2740,7 @@
           <a:bodyPr vert="horz" lIns="91440" tIns="45720" rIns="91440" bIns="45720" rtlCol="0" anchor="ctr"/>
           <a:lstStyle>
             <a:lvl1pPr algn="l">
-              <a:defRPr sz="1200">
+              <a:defRPr sz="1600">
                 <a:solidFill>
                   <a:schemeClr val="tx1">
                     <a:tint val="75000"/>
@@ -2672,7 +2752,7 @@
           <a:p>
             <a:fld id="{0C929668-19BB-4531-B921-24AC1C4F06E4}" type="datetimeFigureOut">
               <a:rPr lang="zh-TW" altLang="en-US" smtClean="0"/>
-              <a:t>2017/6/20</a:t>
+              <a:t>2020/2/22</a:t>
             </a:fld>
             <a:endParaRPr lang="zh-TW" altLang="en-US"/>
           </a:p>
@@ -2690,8 +2770,8 @@
         </p:nvSpPr>
         <p:spPr>
           <a:xfrm>
-            <a:off x="3124200" y="6356350"/>
-            <a:ext cx="2895600" cy="365125"/>
+            <a:off x="4165600" y="6356351"/>
+            <a:ext cx="3860800" cy="365125"/>
           </a:xfrm>
           <a:prstGeom prst="rect">
             <a:avLst/>
@@ -2701,7 +2781,7 @@
           <a:bodyPr vert="horz" lIns="91440" tIns="45720" rIns="91440" bIns="45720" rtlCol="0" anchor="ctr"/>
           <a:lstStyle>
             <a:lvl1pPr algn="ctr">
-              <a:defRPr sz="1200">
+              <a:defRPr sz="1600">
                 <a:solidFill>
                   <a:schemeClr val="tx1">
                     <a:tint val="75000"/>
@@ -2727,8 +2807,8 @@
         </p:nvSpPr>
         <p:spPr>
           <a:xfrm>
-            <a:off x="6553200" y="6356350"/>
-            <a:ext cx="2133600" cy="365125"/>
+            <a:off x="8737600" y="6356351"/>
+            <a:ext cx="2844800" cy="365125"/>
           </a:xfrm>
           <a:prstGeom prst="rect">
             <a:avLst/>
@@ -2738,7 +2818,7 @@
           <a:bodyPr vert="horz" lIns="91440" tIns="45720" rIns="91440" bIns="45720" rtlCol="0" anchor="ctr"/>
           <a:lstStyle>
             <a:lvl1pPr algn="r">
-              <a:defRPr sz="1200">
+              <a:defRPr sz="1600">
                 <a:solidFill>
                   <a:schemeClr val="tx1">
                     <a:tint val="75000"/>
@@ -2757,29 +2837,34 @@
         </p:txBody>
       </p:sp>
     </p:spTree>
+    <p:extLst>
+      <p:ext uri="{BB962C8B-B14F-4D97-AF65-F5344CB8AC3E}">
+        <p14:creationId xmlns:p14="http://schemas.microsoft.com/office/powerpoint/2010/main" val="3833021510"/>
+      </p:ext>
+    </p:extLst>
   </p:cSld>
   <p:clrMap bg1="lt1" tx1="dk1" bg2="lt2" tx2="dk2" accent1="accent1" accent2="accent2" accent3="accent3" accent4="accent4" accent5="accent5" accent6="accent6" hlink="hlink" folHlink="folHlink"/>
   <p:sldLayoutIdLst>
-    <p:sldLayoutId id="2147483649" r:id="rId1"/>
-    <p:sldLayoutId id="2147483650" r:id="rId2"/>
-    <p:sldLayoutId id="2147483651" r:id="rId3"/>
-    <p:sldLayoutId id="2147483652" r:id="rId4"/>
-    <p:sldLayoutId id="2147483653" r:id="rId5"/>
-    <p:sldLayoutId id="2147483654" r:id="rId6"/>
-    <p:sldLayoutId id="2147483655" r:id="rId7"/>
-    <p:sldLayoutId id="2147483656" r:id="rId8"/>
-    <p:sldLayoutId id="2147483657" r:id="rId9"/>
-    <p:sldLayoutId id="2147483658" r:id="rId10"/>
-    <p:sldLayoutId id="2147483659" r:id="rId11"/>
+    <p:sldLayoutId id="2147483661" r:id="rId1"/>
+    <p:sldLayoutId id="2147483662" r:id="rId2"/>
+    <p:sldLayoutId id="2147483663" r:id="rId3"/>
+    <p:sldLayoutId id="2147483664" r:id="rId4"/>
+    <p:sldLayoutId id="2147483665" r:id="rId5"/>
+    <p:sldLayoutId id="2147483666" r:id="rId6"/>
+    <p:sldLayoutId id="2147483667" r:id="rId7"/>
+    <p:sldLayoutId id="2147483668" r:id="rId8"/>
+    <p:sldLayoutId id="2147483669" r:id="rId9"/>
+    <p:sldLayoutId id="2147483670" r:id="rId10"/>
+    <p:sldLayoutId id="2147483671" r:id="rId11"/>
   </p:sldLayoutIdLst>
   <p:txStyles>
     <p:titleStyle>
-      <a:lvl1pPr algn="ctr" defTabSz="914400" rtl="0" eaLnBrk="1" latinLnBrk="0" hangingPunct="1">
+      <a:lvl1pPr algn="ctr" defTabSz="1219170" rtl="0" eaLnBrk="1" latinLnBrk="0" hangingPunct="1">
         <a:spcBef>
           <a:spcPct val="0"/>
         </a:spcBef>
         <a:buNone/>
-        <a:defRPr sz="4400" kern="1200">
+        <a:defRPr sz="5867" kern="1200">
           <a:solidFill>
             <a:schemeClr val="tx1"/>
           </a:solidFill>
@@ -2790,7 +2875,37 @@
       </a:lvl1pPr>
     </p:titleStyle>
     <p:bodyStyle>
-      <a:lvl1pPr marL="342900" indent="-342900" algn="l" defTabSz="914400" rtl="0" eaLnBrk="1" latinLnBrk="0" hangingPunct="1">
+      <a:lvl1pPr marL="457189" indent="-457189" algn="l" defTabSz="1219170" rtl="0" eaLnBrk="1" latinLnBrk="0" hangingPunct="1">
+        <a:spcBef>
+          <a:spcPct val="20000"/>
+        </a:spcBef>
+        <a:buFont typeface="Arial" pitchFamily="34" charset="0"/>
+        <a:buChar char="•"/>
+        <a:defRPr sz="4267" kern="1200">
+          <a:solidFill>
+            <a:schemeClr val="tx1"/>
+          </a:solidFill>
+          <a:latin typeface="+mn-lt"/>
+          <a:ea typeface="+mn-ea"/>
+          <a:cs typeface="+mn-cs"/>
+        </a:defRPr>
+      </a:lvl1pPr>
+      <a:lvl2pPr marL="990575" indent="-380990" algn="l" defTabSz="1219170" rtl="0" eaLnBrk="1" latinLnBrk="0" hangingPunct="1">
+        <a:spcBef>
+          <a:spcPct val="20000"/>
+        </a:spcBef>
+        <a:buFont typeface="Arial" pitchFamily="34" charset="0"/>
+        <a:buChar char="–"/>
+        <a:defRPr sz="3733" kern="1200">
+          <a:solidFill>
+            <a:schemeClr val="tx1"/>
+          </a:solidFill>
+          <a:latin typeface="+mn-lt"/>
+          <a:ea typeface="+mn-ea"/>
+          <a:cs typeface="+mn-cs"/>
+        </a:defRPr>
+      </a:lvl2pPr>
+      <a:lvl3pPr marL="1523962" indent="-304792" algn="l" defTabSz="1219170" rtl="0" eaLnBrk="1" latinLnBrk="0" hangingPunct="1">
         <a:spcBef>
           <a:spcPct val="20000"/>
         </a:spcBef>
@@ -2804,44 +2919,14 @@
           <a:ea typeface="+mn-ea"/>
           <a:cs typeface="+mn-cs"/>
         </a:defRPr>
-      </a:lvl1pPr>
-      <a:lvl2pPr marL="742950" indent="-285750" algn="l" defTabSz="914400" rtl="0" eaLnBrk="1" latinLnBrk="0" hangingPunct="1">
+      </a:lvl3pPr>
+      <a:lvl4pPr marL="2133547" indent="-304792" algn="l" defTabSz="1219170" rtl="0" eaLnBrk="1" latinLnBrk="0" hangingPunct="1">
         <a:spcBef>
           <a:spcPct val="20000"/>
         </a:spcBef>
         <a:buFont typeface="Arial" pitchFamily="34" charset="0"/>
         <a:buChar char="–"/>
-        <a:defRPr sz="2800" kern="1200">
-          <a:solidFill>
-            <a:schemeClr val="tx1"/>
-          </a:solidFill>
-          <a:latin typeface="+mn-lt"/>
-          <a:ea typeface="+mn-ea"/>
-          <a:cs typeface="+mn-cs"/>
-        </a:defRPr>
-      </a:lvl2pPr>
-      <a:lvl3pPr marL="1143000" indent="-228600" algn="l" defTabSz="914400" rtl="0" eaLnBrk="1" latinLnBrk="0" hangingPunct="1">
-        <a:spcBef>
-          <a:spcPct val="20000"/>
-        </a:spcBef>
-        <a:buFont typeface="Arial" pitchFamily="34" charset="0"/>
-        <a:buChar char="•"/>
-        <a:defRPr sz="2400" kern="1200">
-          <a:solidFill>
-            <a:schemeClr val="tx1"/>
-          </a:solidFill>
-          <a:latin typeface="+mn-lt"/>
-          <a:ea typeface="+mn-ea"/>
-          <a:cs typeface="+mn-cs"/>
-        </a:defRPr>
-      </a:lvl3pPr>
-      <a:lvl4pPr marL="1600200" indent="-228600" algn="l" defTabSz="914400" rtl="0" eaLnBrk="1" latinLnBrk="0" hangingPunct="1">
-        <a:spcBef>
-          <a:spcPct val="20000"/>
-        </a:spcBef>
-        <a:buFont typeface="Arial" pitchFamily="34" charset="0"/>
-        <a:buChar char="–"/>
-        <a:defRPr sz="2000" kern="1200">
+        <a:defRPr sz="2667" kern="1200">
           <a:solidFill>
             <a:schemeClr val="tx1"/>
           </a:solidFill>
@@ -2850,13 +2935,13 @@
           <a:cs typeface="+mn-cs"/>
         </a:defRPr>
       </a:lvl4pPr>
-      <a:lvl5pPr marL="2057400" indent="-228600" algn="l" defTabSz="914400" rtl="0" eaLnBrk="1" latinLnBrk="0" hangingPunct="1">
+      <a:lvl5pPr marL="2743131" indent="-304792" algn="l" defTabSz="1219170" rtl="0" eaLnBrk="1" latinLnBrk="0" hangingPunct="1">
         <a:spcBef>
           <a:spcPct val="20000"/>
         </a:spcBef>
         <a:buFont typeface="Arial" pitchFamily="34" charset="0"/>
         <a:buChar char="»"/>
-        <a:defRPr sz="2000" kern="1200">
+        <a:defRPr sz="2667" kern="1200">
           <a:solidFill>
             <a:schemeClr val="tx1"/>
           </a:solidFill>
@@ -2865,13 +2950,13 @@
           <a:cs typeface="+mn-cs"/>
         </a:defRPr>
       </a:lvl5pPr>
-      <a:lvl6pPr marL="2514600" indent="-228600" algn="l" defTabSz="914400" rtl="0" eaLnBrk="1" latinLnBrk="0" hangingPunct="1">
+      <a:lvl6pPr marL="3352716" indent="-304792" algn="l" defTabSz="1219170" rtl="0" eaLnBrk="1" latinLnBrk="0" hangingPunct="1">
         <a:spcBef>
           <a:spcPct val="20000"/>
         </a:spcBef>
         <a:buFont typeface="Arial" pitchFamily="34" charset="0"/>
         <a:buChar char="•"/>
-        <a:defRPr sz="2000" kern="1200">
+        <a:defRPr sz="2667" kern="1200">
           <a:solidFill>
             <a:schemeClr val="tx1"/>
           </a:solidFill>
@@ -2880,13 +2965,13 @@
           <a:cs typeface="+mn-cs"/>
         </a:defRPr>
       </a:lvl6pPr>
-      <a:lvl7pPr marL="2971800" indent="-228600" algn="l" defTabSz="914400" rtl="0" eaLnBrk="1" latinLnBrk="0" hangingPunct="1">
+      <a:lvl7pPr marL="3962301" indent="-304792" algn="l" defTabSz="1219170" rtl="0" eaLnBrk="1" latinLnBrk="0" hangingPunct="1">
         <a:spcBef>
           <a:spcPct val="20000"/>
         </a:spcBef>
         <a:buFont typeface="Arial" pitchFamily="34" charset="0"/>
         <a:buChar char="•"/>
-        <a:defRPr sz="2000" kern="1200">
+        <a:defRPr sz="2667" kern="1200">
           <a:solidFill>
             <a:schemeClr val="tx1"/>
           </a:solidFill>
@@ -2895,13 +2980,13 @@
           <a:cs typeface="+mn-cs"/>
         </a:defRPr>
       </a:lvl7pPr>
-      <a:lvl8pPr marL="3429000" indent="-228600" algn="l" defTabSz="914400" rtl="0" eaLnBrk="1" latinLnBrk="0" hangingPunct="1">
+      <a:lvl8pPr marL="4571886" indent="-304792" algn="l" defTabSz="1219170" rtl="0" eaLnBrk="1" latinLnBrk="0" hangingPunct="1">
         <a:spcBef>
           <a:spcPct val="20000"/>
         </a:spcBef>
         <a:buFont typeface="Arial" pitchFamily="34" charset="0"/>
         <a:buChar char="•"/>
-        <a:defRPr sz="2000" kern="1200">
+        <a:defRPr sz="2667" kern="1200">
           <a:solidFill>
             <a:schemeClr val="tx1"/>
           </a:solidFill>
@@ -2910,13 +2995,13 @@
           <a:cs typeface="+mn-cs"/>
         </a:defRPr>
       </a:lvl8pPr>
-      <a:lvl9pPr marL="3886200" indent="-228600" algn="l" defTabSz="914400" rtl="0" eaLnBrk="1" latinLnBrk="0" hangingPunct="1">
+      <a:lvl9pPr marL="5181470" indent="-304792" algn="l" defTabSz="1219170" rtl="0" eaLnBrk="1" latinLnBrk="0" hangingPunct="1">
         <a:spcBef>
           <a:spcPct val="20000"/>
         </a:spcBef>
         <a:buFont typeface="Arial" pitchFamily="34" charset="0"/>
         <a:buChar char="•"/>
-        <a:defRPr sz="2000" kern="1200">
+        <a:defRPr sz="2667" kern="1200">
           <a:solidFill>
             <a:schemeClr val="tx1"/>
           </a:solidFill>
@@ -2930,8 +3015,8 @@
       <a:defPPr>
         <a:defRPr lang="zh-TW"/>
       </a:defPPr>
-      <a:lvl1pPr marL="0" algn="l" defTabSz="914400" rtl="0" eaLnBrk="1" latinLnBrk="0" hangingPunct="1">
-        <a:defRPr sz="1800" kern="1200">
+      <a:lvl1pPr marL="0" algn="l" defTabSz="1219170" rtl="0" eaLnBrk="1" latinLnBrk="0" hangingPunct="1">
+        <a:defRPr sz="2400" kern="1200">
           <a:solidFill>
             <a:schemeClr val="tx1"/>
           </a:solidFill>
@@ -2940,8 +3025,8 @@
           <a:cs typeface="+mn-cs"/>
         </a:defRPr>
       </a:lvl1pPr>
-      <a:lvl2pPr marL="457200" algn="l" defTabSz="914400" rtl="0" eaLnBrk="1" latinLnBrk="0" hangingPunct="1">
-        <a:defRPr sz="1800" kern="1200">
+      <a:lvl2pPr marL="609585" algn="l" defTabSz="1219170" rtl="0" eaLnBrk="1" latinLnBrk="0" hangingPunct="1">
+        <a:defRPr sz="2400" kern="1200">
           <a:solidFill>
             <a:schemeClr val="tx1"/>
           </a:solidFill>
@@ -2950,8 +3035,8 @@
           <a:cs typeface="+mn-cs"/>
         </a:defRPr>
       </a:lvl2pPr>
-      <a:lvl3pPr marL="914400" algn="l" defTabSz="914400" rtl="0" eaLnBrk="1" latinLnBrk="0" hangingPunct="1">
-        <a:defRPr sz="1800" kern="1200">
+      <a:lvl3pPr marL="1219170" algn="l" defTabSz="1219170" rtl="0" eaLnBrk="1" latinLnBrk="0" hangingPunct="1">
+        <a:defRPr sz="2400" kern="1200">
           <a:solidFill>
             <a:schemeClr val="tx1"/>
           </a:solidFill>
@@ -2960,8 +3045,8 @@
           <a:cs typeface="+mn-cs"/>
         </a:defRPr>
       </a:lvl3pPr>
-      <a:lvl4pPr marL="1371600" algn="l" defTabSz="914400" rtl="0" eaLnBrk="1" latinLnBrk="0" hangingPunct="1">
-        <a:defRPr sz="1800" kern="1200">
+      <a:lvl4pPr marL="1828754" algn="l" defTabSz="1219170" rtl="0" eaLnBrk="1" latinLnBrk="0" hangingPunct="1">
+        <a:defRPr sz="2400" kern="1200">
           <a:solidFill>
             <a:schemeClr val="tx1"/>
           </a:solidFill>
@@ -2970,8 +3055,8 @@
           <a:cs typeface="+mn-cs"/>
         </a:defRPr>
       </a:lvl4pPr>
-      <a:lvl5pPr marL="1828800" algn="l" defTabSz="914400" rtl="0" eaLnBrk="1" latinLnBrk="0" hangingPunct="1">
-        <a:defRPr sz="1800" kern="1200">
+      <a:lvl5pPr marL="2438339" algn="l" defTabSz="1219170" rtl="0" eaLnBrk="1" latinLnBrk="0" hangingPunct="1">
+        <a:defRPr sz="2400" kern="1200">
           <a:solidFill>
             <a:schemeClr val="tx1"/>
           </a:solidFill>
@@ -2980,8 +3065,8 @@
           <a:cs typeface="+mn-cs"/>
         </a:defRPr>
       </a:lvl5pPr>
-      <a:lvl6pPr marL="2286000" algn="l" defTabSz="914400" rtl="0" eaLnBrk="1" latinLnBrk="0" hangingPunct="1">
-        <a:defRPr sz="1800" kern="1200">
+      <a:lvl6pPr marL="3047924" algn="l" defTabSz="1219170" rtl="0" eaLnBrk="1" latinLnBrk="0" hangingPunct="1">
+        <a:defRPr sz="2400" kern="1200">
           <a:solidFill>
             <a:schemeClr val="tx1"/>
           </a:solidFill>
@@ -2990,8 +3075,8 @@
           <a:cs typeface="+mn-cs"/>
         </a:defRPr>
       </a:lvl6pPr>
-      <a:lvl7pPr marL="2743200" algn="l" defTabSz="914400" rtl="0" eaLnBrk="1" latinLnBrk="0" hangingPunct="1">
-        <a:defRPr sz="1800" kern="1200">
+      <a:lvl7pPr marL="3657509" algn="l" defTabSz="1219170" rtl="0" eaLnBrk="1" latinLnBrk="0" hangingPunct="1">
+        <a:defRPr sz="2400" kern="1200">
           <a:solidFill>
             <a:schemeClr val="tx1"/>
           </a:solidFill>
@@ -3000,8 +3085,8 @@
           <a:cs typeface="+mn-cs"/>
         </a:defRPr>
       </a:lvl7pPr>
-      <a:lvl8pPr marL="3200400" algn="l" defTabSz="914400" rtl="0" eaLnBrk="1" latinLnBrk="0" hangingPunct="1">
-        <a:defRPr sz="1800" kern="1200">
+      <a:lvl8pPr marL="4267093" algn="l" defTabSz="1219170" rtl="0" eaLnBrk="1" latinLnBrk="0" hangingPunct="1">
+        <a:defRPr sz="2400" kern="1200">
           <a:solidFill>
             <a:schemeClr val="tx1"/>
           </a:solidFill>
@@ -3010,8 +3095,8 @@
           <a:cs typeface="+mn-cs"/>
         </a:defRPr>
       </a:lvl8pPr>
-      <a:lvl9pPr marL="3657600" algn="l" defTabSz="914400" rtl="0" eaLnBrk="1" latinLnBrk="0" hangingPunct="1">
-        <a:defRPr sz="1800" kern="1200">
+      <a:lvl9pPr marL="4876678" algn="l" defTabSz="1219170" rtl="0" eaLnBrk="1" latinLnBrk="0" hangingPunct="1">
+        <a:defRPr sz="2400" kern="1200">
           <a:solidFill>
             <a:schemeClr val="tx1"/>
           </a:solidFill>
@@ -3054,11 +3139,13 @@
         </p:nvSpPr>
         <p:spPr/>
         <p:txBody>
-          <a:bodyPr/>
-          <a:lstStyle/>
-          <a:p>
-            <a:r>
-              <a:rPr lang="zh-TW" altLang="en-US" b="1" dirty="0">
+          <a:bodyPr>
+            <a:normAutofit/>
+          </a:bodyPr>
+          <a:lstStyle/>
+          <a:p>
+            <a:r>
+              <a:rPr lang="zh-TW" altLang="en-US" sz="4800" b="1" dirty="0">
                 <a:solidFill>
                   <a:srgbClr val="660066"/>
                 </a:solidFill>
@@ -3091,7 +3178,7 @@
               <a:buNone/>
             </a:pPr>
             <a:r>
-              <a:rPr lang="zh-TW" altLang="en-US" sz="5400" b="1" dirty="0">
+              <a:rPr lang="zh-TW" altLang="en-US" sz="6000" b="1" dirty="0">
                 <a:solidFill>
                   <a:srgbClr val="660066"/>
                 </a:solidFill>
@@ -3100,7 +3187,7 @@
               </a:rPr>
               <a:t>主我們同心在祢面前 </a:t>
             </a:r>
-            <a:endParaRPr lang="en-US" altLang="zh-TW" sz="5400" b="1" dirty="0" smtClean="0">
+            <a:endParaRPr lang="en-US" altLang="zh-TW" sz="6000" b="1" dirty="0">
               <a:solidFill>
                 <a:srgbClr val="660066"/>
               </a:solidFill>
@@ -3113,7 +3200,7 @@
               <a:buNone/>
             </a:pPr>
             <a:r>
-              <a:rPr lang="zh-TW" altLang="en-US" sz="5400" b="1" dirty="0" smtClean="0">
+              <a:rPr lang="zh-TW" altLang="en-US" sz="6000" b="1" dirty="0">
                 <a:solidFill>
                   <a:srgbClr val="660066"/>
                 </a:solidFill>
@@ -3123,16 +3210,26 @@
               <a:t>以</a:t>
             </a:r>
             <a:r>
-              <a:rPr lang="zh-TW" altLang="en-US" sz="5400" b="1" dirty="0">
-                <a:solidFill>
-                  <a:srgbClr val="660066"/>
-                </a:solidFill>
-                <a:latin typeface="微軟正黑體" pitchFamily="34" charset="-120"/>
-                <a:ea typeface="微軟正黑體" pitchFamily="34" charset="-120"/>
-              </a:rPr>
-              <a:t>禱告尋求祢面 </a:t>
-            </a:r>
-            <a:endParaRPr lang="en-US" altLang="zh-TW" sz="5400" b="1" dirty="0">
+              <a:rPr lang="zh-TW" altLang="en-US" sz="6000" b="1" dirty="0">
+                <a:solidFill>
+                  <a:srgbClr val="660066"/>
+                </a:solidFill>
+                <a:latin typeface="微軟正黑體" pitchFamily="34" charset="-120"/>
+                <a:ea typeface="微軟正黑體" pitchFamily="34" charset="-120"/>
+              </a:rPr>
+              <a:t>禱告尋求祢</a:t>
+            </a:r>
+            <a:r>
+              <a:rPr lang="zh-TW" altLang="en-US" sz="6000" b="1" dirty="0" smtClean="0">
+                <a:solidFill>
+                  <a:srgbClr val="660066"/>
+                </a:solidFill>
+                <a:latin typeface="微軟正黑體" pitchFamily="34" charset="-120"/>
+                <a:ea typeface="微軟正黑體" pitchFamily="34" charset="-120"/>
+              </a:rPr>
+              <a:t>面</a:t>
+            </a:r>
+            <a:endParaRPr lang="en-US" altLang="zh-TW" sz="6000" b="1" dirty="0">
               <a:solidFill>
                 <a:srgbClr val="660066"/>
               </a:solidFill>
@@ -3145,7 +3242,7 @@
               <a:buNone/>
             </a:pPr>
             <a:r>
-              <a:rPr lang="zh-TW" altLang="en-US" sz="5400" b="1" dirty="0" smtClean="0">
+              <a:rPr lang="zh-TW" altLang="en-US" sz="6000" b="1" dirty="0">
                 <a:solidFill>
                   <a:srgbClr val="660066"/>
                 </a:solidFill>
@@ -3155,7 +3252,7 @@
               <a:t>我們</a:t>
             </a:r>
             <a:r>
-              <a:rPr lang="zh-TW" altLang="en-US" sz="5400" b="1" dirty="0">
+              <a:rPr lang="zh-TW" altLang="en-US" sz="6000" b="1" dirty="0">
                 <a:solidFill>
                   <a:srgbClr val="660066"/>
                 </a:solidFill>
@@ -3164,7 +3261,7 @@
               </a:rPr>
               <a:t>轉離所有的惡行 </a:t>
             </a:r>
-            <a:endParaRPr lang="en-US" altLang="zh-TW" sz="5400" b="1" dirty="0" smtClean="0">
+            <a:endParaRPr lang="en-US" altLang="zh-TW" sz="6000" b="1" dirty="0">
               <a:solidFill>
                 <a:srgbClr val="660066"/>
               </a:solidFill>
@@ -3177,7 +3274,7 @@
               <a:buNone/>
             </a:pPr>
             <a:r>
-              <a:rPr lang="zh-TW" altLang="en-US" sz="5400" b="1" dirty="0" smtClean="0">
+              <a:rPr lang="zh-TW" altLang="en-US" sz="6000" b="1" dirty="0">
                 <a:solidFill>
                   <a:srgbClr val="660066"/>
                 </a:solidFill>
@@ -3187,15 +3284,32 @@
               <a:t>定</a:t>
             </a:r>
             <a:r>
-              <a:rPr lang="zh-TW" altLang="en-US" sz="5400" b="1" dirty="0">
-                <a:solidFill>
-                  <a:srgbClr val="660066"/>
-                </a:solidFill>
-                <a:latin typeface="微軟正黑體" pitchFamily="34" charset="-120"/>
-                <a:ea typeface="微軟正黑體" pitchFamily="34" charset="-120"/>
-              </a:rPr>
-              <a:t>意單單跟隨祢 </a:t>
-            </a:r>
+              <a:rPr lang="zh-TW" altLang="en-US" sz="6000" b="1" dirty="0">
+                <a:solidFill>
+                  <a:srgbClr val="660066"/>
+                </a:solidFill>
+                <a:latin typeface="微軟正黑體" pitchFamily="34" charset="-120"/>
+                <a:ea typeface="微軟正黑體" pitchFamily="34" charset="-120"/>
+              </a:rPr>
+              <a:t>意單單跟隨</a:t>
+            </a:r>
+            <a:r>
+              <a:rPr lang="zh-TW" altLang="en-US" sz="6000" b="1" dirty="0" smtClean="0">
+                <a:solidFill>
+                  <a:srgbClr val="660066"/>
+                </a:solidFill>
+                <a:latin typeface="微軟正黑體" pitchFamily="34" charset="-120"/>
+                <a:ea typeface="微軟正黑體" pitchFamily="34" charset="-120"/>
+              </a:rPr>
+              <a:t>祢</a:t>
+            </a:r>
+            <a:endParaRPr lang="zh-TW" altLang="en-US" sz="6000" b="1" dirty="0">
+              <a:solidFill>
+                <a:srgbClr val="660066"/>
+              </a:solidFill>
+              <a:latin typeface="微軟正黑體" pitchFamily="34" charset="-120"/>
+              <a:ea typeface="微軟正黑體" pitchFamily="34" charset="-120"/>
+            </a:endParaRPr>
           </a:p>
         </p:txBody>
       </p:sp>
@@ -3236,11 +3350,13 @@
         </p:nvSpPr>
         <p:spPr/>
         <p:txBody>
-          <a:bodyPr/>
-          <a:lstStyle/>
-          <a:p>
-            <a:r>
-              <a:rPr lang="zh-TW" altLang="en-US" b="1" dirty="0">
+          <a:bodyPr>
+            <a:normAutofit/>
+          </a:bodyPr>
+          <a:lstStyle/>
+          <a:p>
+            <a:r>
+              <a:rPr lang="zh-TW" altLang="en-US" sz="4800" b="1" dirty="0">
                 <a:solidFill>
                   <a:srgbClr val="660066"/>
                 </a:solidFill>
@@ -3273,7 +3389,7 @@
               <a:buNone/>
             </a:pPr>
             <a:r>
-              <a:rPr lang="zh-TW" altLang="en-US" sz="5400" b="1" dirty="0">
+              <a:rPr lang="zh-TW" altLang="en-US" sz="6000" b="1" dirty="0">
                 <a:solidFill>
                   <a:srgbClr val="660066"/>
                 </a:solidFill>
@@ -3282,7 +3398,7 @@
               </a:rPr>
               <a:t>主我們是屬祢的子民 </a:t>
             </a:r>
-            <a:endParaRPr lang="en-US" altLang="zh-TW" sz="5400" b="1" dirty="0" smtClean="0">
+            <a:endParaRPr lang="en-US" altLang="zh-TW" sz="6000" b="1" dirty="0">
               <a:solidFill>
                 <a:srgbClr val="660066"/>
               </a:solidFill>
@@ -3295,26 +3411,26 @@
               <a:buNone/>
             </a:pPr>
             <a:r>
-              <a:rPr lang="zh-TW" altLang="en-US" sz="5400" b="1" dirty="0" smtClean="0">
-                <a:solidFill>
-                  <a:srgbClr val="660066"/>
-                </a:solidFill>
-                <a:latin typeface="微軟正黑體" pitchFamily="34" charset="-120"/>
-                <a:ea typeface="微軟正黑體" pitchFamily="34" charset="-120"/>
-              </a:rPr>
-              <a:t>求</a:t>
-            </a:r>
-            <a:r>
-              <a:rPr lang="zh-TW" altLang="en-US" sz="5400" b="1" dirty="0">
-                <a:solidFill>
-                  <a:srgbClr val="660066"/>
-                </a:solidFill>
-                <a:latin typeface="微軟正黑體" pitchFamily="34" charset="-120"/>
-                <a:ea typeface="微軟正黑體" pitchFamily="34" charset="-120"/>
-              </a:rPr>
-              <a:t>賜下父神的心 </a:t>
-            </a:r>
-            <a:endParaRPr lang="en-US" altLang="zh-TW" sz="5400" b="1" dirty="0">
+              <a:rPr lang="zh-TW" altLang="en-US" sz="6000" b="1" dirty="0">
+                <a:solidFill>
+                  <a:srgbClr val="660066"/>
+                </a:solidFill>
+                <a:latin typeface="微軟正黑體" pitchFamily="34" charset="-120"/>
+                <a:ea typeface="微軟正黑體" pitchFamily="34" charset="-120"/>
+              </a:rPr>
+              <a:t>求賜下父神的</a:t>
+            </a:r>
+            <a:r>
+              <a:rPr lang="zh-TW" altLang="en-US" sz="6000" b="1" dirty="0" smtClean="0">
+                <a:solidFill>
+                  <a:srgbClr val="660066"/>
+                </a:solidFill>
+                <a:latin typeface="微軟正黑體" pitchFamily="34" charset="-120"/>
+                <a:ea typeface="微軟正黑體" pitchFamily="34" charset="-120"/>
+              </a:rPr>
+              <a:t>心</a:t>
+            </a:r>
+            <a:endParaRPr lang="en-US" altLang="zh-TW" sz="6000" b="1" dirty="0">
               <a:solidFill>
                 <a:srgbClr val="660066"/>
               </a:solidFill>
@@ -3327,26 +3443,16 @@
               <a:buNone/>
             </a:pPr>
             <a:r>
-              <a:rPr lang="zh-TW" altLang="en-US" sz="5400" b="1" dirty="0" smtClean="0">
-                <a:solidFill>
-                  <a:srgbClr val="660066"/>
-                </a:solidFill>
-                <a:latin typeface="微軟正黑體" pitchFamily="34" charset="-120"/>
-                <a:ea typeface="微軟正黑體" pitchFamily="34" charset="-120"/>
-              </a:rPr>
-              <a:t>我們</a:t>
-            </a:r>
-            <a:r>
-              <a:rPr lang="zh-TW" altLang="en-US" sz="5400" b="1" dirty="0">
-                <a:solidFill>
-                  <a:srgbClr val="660066"/>
-                </a:solidFill>
-                <a:latin typeface="微軟正黑體" pitchFamily="34" charset="-120"/>
-                <a:ea typeface="微軟正黑體" pitchFamily="34" charset="-120"/>
-              </a:rPr>
-              <a:t>要回轉向祢父神 </a:t>
-            </a:r>
-            <a:endParaRPr lang="en-US" altLang="zh-TW" sz="5400" b="1" dirty="0" smtClean="0">
+              <a:rPr lang="zh-TW" altLang="en-US" sz="6000" b="1" dirty="0">
+                <a:solidFill>
+                  <a:srgbClr val="660066"/>
+                </a:solidFill>
+                <a:latin typeface="微軟正黑體" pitchFamily="34" charset="-120"/>
+                <a:ea typeface="微軟正黑體" pitchFamily="34" charset="-120"/>
+              </a:rPr>
+              <a:t>我們要回轉向祢父神 </a:t>
+            </a:r>
+            <a:endParaRPr lang="en-US" altLang="zh-TW" sz="6000" b="1" dirty="0">
               <a:solidFill>
                 <a:srgbClr val="660066"/>
               </a:solidFill>
@@ -3359,25 +3465,32 @@
               <a:buNone/>
             </a:pPr>
             <a:r>
-              <a:rPr lang="zh-TW" altLang="en-US" sz="5400" b="1" dirty="0" smtClean="0">
-                <a:solidFill>
-                  <a:srgbClr val="660066"/>
-                </a:solidFill>
-                <a:latin typeface="微軟正黑體" pitchFamily="34" charset="-120"/>
-                <a:ea typeface="微軟正黑體" pitchFamily="34" charset="-120"/>
-              </a:rPr>
-              <a:t>也</a:t>
-            </a:r>
-            <a:r>
-              <a:rPr lang="zh-TW" altLang="en-US" sz="5400" b="1" dirty="0">
-                <a:solidFill>
-                  <a:srgbClr val="660066"/>
-                </a:solidFill>
-                <a:latin typeface="微軟正黑體" pitchFamily="34" charset="-120"/>
-                <a:ea typeface="微軟正黑體" pitchFamily="34" charset="-120"/>
-              </a:rPr>
-              <a:t>要看見復興 </a:t>
-            </a:r>
+              <a:rPr lang="zh-TW" altLang="en-US" sz="6000" b="1" dirty="0">
+                <a:solidFill>
+                  <a:srgbClr val="660066"/>
+                </a:solidFill>
+                <a:latin typeface="微軟正黑體" pitchFamily="34" charset="-120"/>
+                <a:ea typeface="微軟正黑體" pitchFamily="34" charset="-120"/>
+              </a:rPr>
+              <a:t>也要看見復</a:t>
+            </a:r>
+            <a:r>
+              <a:rPr lang="zh-TW" altLang="en-US" sz="6000" b="1" dirty="0" smtClean="0">
+                <a:solidFill>
+                  <a:srgbClr val="660066"/>
+                </a:solidFill>
+                <a:latin typeface="微軟正黑體" pitchFamily="34" charset="-120"/>
+                <a:ea typeface="微軟正黑體" pitchFamily="34" charset="-120"/>
+              </a:rPr>
+              <a:t>興</a:t>
+            </a:r>
+            <a:endParaRPr lang="zh-TW" altLang="en-US" sz="6000" b="1" dirty="0">
+              <a:solidFill>
+                <a:srgbClr val="660066"/>
+              </a:solidFill>
+              <a:latin typeface="微軟正黑體" pitchFamily="34" charset="-120"/>
+              <a:ea typeface="微軟正黑體" pitchFamily="34" charset="-120"/>
+            </a:endParaRPr>
           </a:p>
         </p:txBody>
       </p:sp>
@@ -3418,11 +3531,13 @@
         </p:nvSpPr>
         <p:spPr/>
         <p:txBody>
-          <a:bodyPr/>
-          <a:lstStyle/>
-          <a:p>
-            <a:r>
-              <a:rPr lang="zh-TW" altLang="en-US" b="1" dirty="0">
+          <a:bodyPr>
+            <a:normAutofit/>
+          </a:bodyPr>
+          <a:lstStyle/>
+          <a:p>
+            <a:r>
+              <a:rPr lang="zh-TW" altLang="en-US" sz="4800" b="1" dirty="0">
                 <a:solidFill>
                   <a:srgbClr val="660066"/>
                 </a:solidFill>
@@ -3455,16 +3570,26 @@
               <a:buNone/>
             </a:pPr>
             <a:r>
-              <a:rPr lang="zh-TW" altLang="en-US" sz="5400" b="1" dirty="0">
-                <a:solidFill>
-                  <a:srgbClr val="660066"/>
-                </a:solidFill>
-                <a:latin typeface="微軟正黑體" pitchFamily="34" charset="-120"/>
-                <a:ea typeface="微軟正黑體" pitchFamily="34" charset="-120"/>
-              </a:rPr>
-              <a:t>我們呼求祢阿爸父 </a:t>
-            </a:r>
-            <a:endParaRPr lang="en-US" altLang="zh-TW" sz="5400" b="1" dirty="0">
+              <a:rPr lang="zh-TW" altLang="en-US" sz="6000" b="1" dirty="0">
+                <a:solidFill>
+                  <a:srgbClr val="660066"/>
+                </a:solidFill>
+                <a:latin typeface="微軟正黑體" pitchFamily="34" charset="-120"/>
+                <a:ea typeface="微軟正黑體" pitchFamily="34" charset="-120"/>
+              </a:rPr>
+              <a:t>我們呼求祢阿爸</a:t>
+            </a:r>
+            <a:r>
+              <a:rPr lang="zh-TW" altLang="en-US" sz="6000" b="1" dirty="0" smtClean="0">
+                <a:solidFill>
+                  <a:srgbClr val="660066"/>
+                </a:solidFill>
+                <a:latin typeface="微軟正黑體" pitchFamily="34" charset="-120"/>
+                <a:ea typeface="微軟正黑體" pitchFamily="34" charset="-120"/>
+              </a:rPr>
+              <a:t>父</a:t>
+            </a:r>
+            <a:endParaRPr lang="en-US" altLang="zh-TW" sz="6000" b="1" dirty="0">
               <a:solidFill>
                 <a:srgbClr val="660066"/>
               </a:solidFill>
@@ -3477,26 +3602,26 @@
               <a:buNone/>
             </a:pPr>
             <a:r>
-              <a:rPr lang="zh-TW" altLang="en-US" sz="5400" b="1" dirty="0" smtClean="0">
-                <a:solidFill>
-                  <a:srgbClr val="660066"/>
-                </a:solidFill>
-                <a:latin typeface="微軟正黑體" pitchFamily="34" charset="-120"/>
-                <a:ea typeface="微軟正黑體" pitchFamily="34" charset="-120"/>
-              </a:rPr>
-              <a:t>設立</a:t>
-            </a:r>
-            <a:r>
-              <a:rPr lang="zh-TW" altLang="en-US" sz="5400" b="1" dirty="0">
-                <a:solidFill>
-                  <a:srgbClr val="660066"/>
-                </a:solidFill>
-                <a:latin typeface="微軟正黑體" pitchFamily="34" charset="-120"/>
-                <a:ea typeface="微軟正黑體" pitchFamily="34" charset="-120"/>
-              </a:rPr>
-              <a:t>祢寶座在這地 </a:t>
-            </a:r>
-            <a:endParaRPr lang="en-US" altLang="zh-TW" sz="5400" b="1" dirty="0">
+              <a:rPr lang="zh-TW" altLang="en-US" sz="6000" b="1" dirty="0">
+                <a:solidFill>
+                  <a:srgbClr val="660066"/>
+                </a:solidFill>
+                <a:latin typeface="微軟正黑體" pitchFamily="34" charset="-120"/>
+                <a:ea typeface="微軟正黑體" pitchFamily="34" charset="-120"/>
+              </a:rPr>
+              <a:t>設立祢寶座在這</a:t>
+            </a:r>
+            <a:r>
+              <a:rPr lang="zh-TW" altLang="en-US" sz="6000" b="1" dirty="0" smtClean="0">
+                <a:solidFill>
+                  <a:srgbClr val="660066"/>
+                </a:solidFill>
+                <a:latin typeface="微軟正黑體" pitchFamily="34" charset="-120"/>
+                <a:ea typeface="微軟正黑體" pitchFamily="34" charset="-120"/>
+              </a:rPr>
+              <a:t>地</a:t>
+            </a:r>
+            <a:endParaRPr lang="en-US" altLang="zh-TW" sz="6000" b="1" dirty="0">
               <a:solidFill>
                 <a:srgbClr val="660066"/>
               </a:solidFill>
@@ -3509,26 +3634,26 @@
               <a:buNone/>
             </a:pPr>
             <a:r>
-              <a:rPr lang="zh-TW" altLang="en-US" sz="5400" b="1" dirty="0" smtClean="0">
-                <a:solidFill>
-                  <a:srgbClr val="660066"/>
-                </a:solidFill>
-                <a:latin typeface="微軟正黑體" pitchFamily="34" charset="-120"/>
-                <a:ea typeface="微軟正黑體" pitchFamily="34" charset="-120"/>
-              </a:rPr>
-              <a:t>祢</a:t>
-            </a:r>
-            <a:r>
-              <a:rPr lang="zh-TW" altLang="en-US" sz="5400" b="1" dirty="0">
-                <a:solidFill>
-                  <a:srgbClr val="660066"/>
-                </a:solidFill>
-                <a:latin typeface="微軟正黑體" pitchFamily="34" charset="-120"/>
-                <a:ea typeface="微軟正黑體" pitchFamily="34" charset="-120"/>
-              </a:rPr>
-              <a:t>必睜眼看側耳垂聽 </a:t>
-            </a:r>
-            <a:endParaRPr lang="en-US" altLang="zh-TW" sz="5400" b="1" dirty="0">
+              <a:rPr lang="zh-TW" altLang="en-US" sz="6000" b="1" dirty="0">
+                <a:solidFill>
+                  <a:srgbClr val="660066"/>
+                </a:solidFill>
+                <a:latin typeface="微軟正黑體" pitchFamily="34" charset="-120"/>
+                <a:ea typeface="微軟正黑體" pitchFamily="34" charset="-120"/>
+              </a:rPr>
+              <a:t>祢必睜眼看側耳垂</a:t>
+            </a:r>
+            <a:r>
+              <a:rPr lang="zh-TW" altLang="en-US" sz="6000" b="1" dirty="0" smtClean="0">
+                <a:solidFill>
+                  <a:srgbClr val="660066"/>
+                </a:solidFill>
+                <a:latin typeface="微軟正黑體" pitchFamily="34" charset="-120"/>
+                <a:ea typeface="微軟正黑體" pitchFamily="34" charset="-120"/>
+              </a:rPr>
+              <a:t>聽</a:t>
+            </a:r>
+            <a:endParaRPr lang="en-US" altLang="zh-TW" sz="6000" b="1" dirty="0">
               <a:solidFill>
                 <a:srgbClr val="660066"/>
               </a:solidFill>
@@ -3541,25 +3666,32 @@
               <a:buNone/>
             </a:pPr>
             <a:r>
-              <a:rPr lang="zh-TW" altLang="en-US" sz="5400" b="1" dirty="0" smtClean="0">
-                <a:solidFill>
-                  <a:srgbClr val="660066"/>
-                </a:solidFill>
-                <a:latin typeface="微軟正黑體" pitchFamily="34" charset="-120"/>
-                <a:ea typeface="微軟正黑體" pitchFamily="34" charset="-120"/>
-              </a:rPr>
-              <a:t>奉</a:t>
-            </a:r>
-            <a:r>
-              <a:rPr lang="zh-TW" altLang="en-US" sz="5400" b="1" dirty="0">
-                <a:solidFill>
-                  <a:srgbClr val="660066"/>
-                </a:solidFill>
-                <a:latin typeface="微軟正黑體" pitchFamily="34" charset="-120"/>
-                <a:ea typeface="微軟正黑體" pitchFamily="34" charset="-120"/>
-              </a:rPr>
-              <a:t>主名的呼求 </a:t>
-            </a:r>
+              <a:rPr lang="zh-TW" altLang="en-US" sz="6000" b="1" dirty="0">
+                <a:solidFill>
+                  <a:srgbClr val="660066"/>
+                </a:solidFill>
+                <a:latin typeface="微軟正黑體" pitchFamily="34" charset="-120"/>
+                <a:ea typeface="微軟正黑體" pitchFamily="34" charset="-120"/>
+              </a:rPr>
+              <a:t>奉主名的呼</a:t>
+            </a:r>
+            <a:r>
+              <a:rPr lang="zh-TW" altLang="en-US" sz="6000" b="1" dirty="0" smtClean="0">
+                <a:solidFill>
+                  <a:srgbClr val="660066"/>
+                </a:solidFill>
+                <a:latin typeface="微軟正黑體" pitchFamily="34" charset="-120"/>
+                <a:ea typeface="微軟正黑體" pitchFamily="34" charset="-120"/>
+              </a:rPr>
+              <a:t>求</a:t>
+            </a:r>
+            <a:endParaRPr lang="zh-TW" altLang="en-US" sz="6000" b="1" dirty="0">
+              <a:solidFill>
+                <a:srgbClr val="660066"/>
+              </a:solidFill>
+              <a:latin typeface="微軟正黑體" pitchFamily="34" charset="-120"/>
+              <a:ea typeface="微軟正黑體" pitchFamily="34" charset="-120"/>
+            </a:endParaRPr>
           </a:p>
         </p:txBody>
       </p:sp>
@@ -3600,11 +3732,13 @@
         </p:nvSpPr>
         <p:spPr/>
         <p:txBody>
-          <a:bodyPr/>
-          <a:lstStyle/>
-          <a:p>
-            <a:r>
-              <a:rPr lang="zh-TW" altLang="en-US" b="1" dirty="0">
+          <a:bodyPr>
+            <a:normAutofit/>
+          </a:bodyPr>
+          <a:lstStyle/>
+          <a:p>
+            <a:r>
+              <a:rPr lang="zh-TW" altLang="en-US" sz="4800" b="1" dirty="0">
                 <a:solidFill>
                   <a:srgbClr val="660066"/>
                 </a:solidFill>
@@ -3637,16 +3771,26 @@
               <a:buNone/>
             </a:pPr>
             <a:r>
-              <a:rPr lang="zh-TW" altLang="en-US" sz="5400" b="1" dirty="0">
-                <a:solidFill>
-                  <a:srgbClr val="660066"/>
-                </a:solidFill>
-                <a:latin typeface="微軟正黑體" pitchFamily="34" charset="-120"/>
-                <a:ea typeface="微軟正黑體" pitchFamily="34" charset="-120"/>
-              </a:rPr>
-              <a:t>萬民都要來敬拜祢 </a:t>
-            </a:r>
-            <a:endParaRPr lang="en-US" altLang="zh-TW" sz="5400" b="1" dirty="0">
+              <a:rPr lang="zh-TW" altLang="en-US" sz="6000" b="1" dirty="0">
+                <a:solidFill>
+                  <a:srgbClr val="660066"/>
+                </a:solidFill>
+                <a:latin typeface="微軟正黑體" pitchFamily="34" charset="-120"/>
+                <a:ea typeface="微軟正黑體" pitchFamily="34" charset="-120"/>
+              </a:rPr>
+              <a:t>萬民都要來敬拜</a:t>
+            </a:r>
+            <a:r>
+              <a:rPr lang="zh-TW" altLang="en-US" sz="6000" b="1" dirty="0" smtClean="0">
+                <a:solidFill>
+                  <a:srgbClr val="660066"/>
+                </a:solidFill>
+                <a:latin typeface="微軟正黑體" pitchFamily="34" charset="-120"/>
+                <a:ea typeface="微軟正黑體" pitchFamily="34" charset="-120"/>
+              </a:rPr>
+              <a:t>祢</a:t>
+            </a:r>
+            <a:endParaRPr lang="en-US" altLang="zh-TW" sz="6000" b="1" dirty="0">
               <a:solidFill>
                 <a:srgbClr val="660066"/>
               </a:solidFill>
@@ -3659,26 +3803,26 @@
               <a:buNone/>
             </a:pPr>
             <a:r>
-              <a:rPr lang="zh-TW" altLang="en-US" sz="5400" b="1" dirty="0" smtClean="0">
-                <a:solidFill>
-                  <a:srgbClr val="660066"/>
-                </a:solidFill>
-                <a:latin typeface="微軟正黑體" pitchFamily="34" charset="-120"/>
-                <a:ea typeface="微軟正黑體" pitchFamily="34" charset="-120"/>
-              </a:rPr>
-              <a:t>榮耀</a:t>
-            </a:r>
-            <a:r>
-              <a:rPr lang="zh-TW" altLang="en-US" sz="5400" b="1" dirty="0">
-                <a:solidFill>
-                  <a:srgbClr val="660066"/>
-                </a:solidFill>
-                <a:latin typeface="微軟正黑體" pitchFamily="34" charset="-120"/>
-                <a:ea typeface="微軟正黑體" pitchFamily="34" charset="-120"/>
-              </a:rPr>
-              <a:t>高舉祢的聖名 </a:t>
-            </a:r>
-            <a:endParaRPr lang="en-US" altLang="zh-TW" sz="5400" b="1" dirty="0">
+              <a:rPr lang="zh-TW" altLang="en-US" sz="6000" b="1" dirty="0">
+                <a:solidFill>
+                  <a:srgbClr val="660066"/>
+                </a:solidFill>
+                <a:latin typeface="微軟正黑體" pitchFamily="34" charset="-120"/>
+                <a:ea typeface="微軟正黑體" pitchFamily="34" charset="-120"/>
+              </a:rPr>
+              <a:t>榮耀高舉祢的聖</a:t>
+            </a:r>
+            <a:r>
+              <a:rPr lang="zh-TW" altLang="en-US" sz="6000" b="1" dirty="0" smtClean="0">
+                <a:solidFill>
+                  <a:srgbClr val="660066"/>
+                </a:solidFill>
+                <a:latin typeface="微軟正黑體" pitchFamily="34" charset="-120"/>
+                <a:ea typeface="微軟正黑體" pitchFamily="34" charset="-120"/>
+              </a:rPr>
+              <a:t>名</a:t>
+            </a:r>
+            <a:endParaRPr lang="en-US" altLang="zh-TW" sz="6000" b="1" dirty="0">
               <a:solidFill>
                 <a:srgbClr val="660066"/>
               </a:solidFill>
@@ -3691,26 +3835,26 @@
               <a:buNone/>
             </a:pPr>
             <a:r>
-              <a:rPr lang="zh-TW" altLang="en-US" sz="5400" b="1" dirty="0" smtClean="0">
-                <a:solidFill>
-                  <a:srgbClr val="660066"/>
-                </a:solidFill>
-                <a:latin typeface="微軟正黑體" pitchFamily="34" charset="-120"/>
-                <a:ea typeface="微軟正黑體" pitchFamily="34" charset="-120"/>
-              </a:rPr>
-              <a:t>復興</a:t>
-            </a:r>
-            <a:r>
-              <a:rPr lang="zh-TW" altLang="en-US" sz="5400" b="1" dirty="0">
-                <a:solidFill>
-                  <a:srgbClr val="660066"/>
-                </a:solidFill>
-                <a:latin typeface="微軟正黑體" pitchFamily="34" charset="-120"/>
-                <a:ea typeface="微軟正黑體" pitchFamily="34" charset="-120"/>
-              </a:rPr>
-              <a:t>這地 全能的君王 </a:t>
-            </a:r>
-            <a:endParaRPr lang="en-US" altLang="zh-TW" sz="5400" b="1" dirty="0">
+              <a:rPr lang="zh-TW" altLang="en-US" sz="6000" b="1" dirty="0">
+                <a:solidFill>
+                  <a:srgbClr val="660066"/>
+                </a:solidFill>
+                <a:latin typeface="微軟正黑體" pitchFamily="34" charset="-120"/>
+                <a:ea typeface="微軟正黑體" pitchFamily="34" charset="-120"/>
+              </a:rPr>
+              <a:t>復興這地 全能的君</a:t>
+            </a:r>
+            <a:r>
+              <a:rPr lang="zh-TW" altLang="en-US" sz="6000" b="1" dirty="0" smtClean="0">
+                <a:solidFill>
+                  <a:srgbClr val="660066"/>
+                </a:solidFill>
+                <a:latin typeface="微軟正黑體" pitchFamily="34" charset="-120"/>
+                <a:ea typeface="微軟正黑體" pitchFamily="34" charset="-120"/>
+              </a:rPr>
+              <a:t>王</a:t>
+            </a:r>
+            <a:endParaRPr lang="en-US" altLang="zh-TW" sz="6000" b="1" dirty="0">
               <a:solidFill>
                 <a:srgbClr val="660066"/>
               </a:solidFill>
@@ -3723,25 +3867,32 @@
               <a:buNone/>
             </a:pPr>
             <a:r>
-              <a:rPr lang="zh-TW" altLang="en-US" sz="5400" b="1" dirty="0" smtClean="0">
-                <a:solidFill>
-                  <a:srgbClr val="660066"/>
-                </a:solidFill>
-                <a:latin typeface="微軟正黑體" pitchFamily="34" charset="-120"/>
-                <a:ea typeface="微軟正黑體" pitchFamily="34" charset="-120"/>
-              </a:rPr>
-              <a:t>我們</a:t>
-            </a:r>
-            <a:r>
-              <a:rPr lang="zh-TW" altLang="en-US" sz="5400" b="1" dirty="0">
-                <a:solidFill>
-                  <a:srgbClr val="660066"/>
-                </a:solidFill>
-                <a:latin typeface="微軟正黑體" pitchFamily="34" charset="-120"/>
-                <a:ea typeface="微軟正黑體" pitchFamily="34" charset="-120"/>
-              </a:rPr>
-              <a:t>歡迎祢</a:t>
-            </a:r>
+              <a:rPr lang="zh-TW" altLang="en-US" sz="6000" b="1" dirty="0">
+                <a:solidFill>
+                  <a:srgbClr val="660066"/>
+                </a:solidFill>
+                <a:latin typeface="微軟正黑體" pitchFamily="34" charset="-120"/>
+                <a:ea typeface="微軟正黑體" pitchFamily="34" charset="-120"/>
+              </a:rPr>
+              <a:t>我們歡</a:t>
+            </a:r>
+            <a:r>
+              <a:rPr lang="zh-TW" altLang="en-US" sz="6000" b="1" dirty="0" smtClean="0">
+                <a:solidFill>
+                  <a:srgbClr val="660066"/>
+                </a:solidFill>
+                <a:latin typeface="微軟正黑體" pitchFamily="34" charset="-120"/>
+                <a:ea typeface="微軟正黑體" pitchFamily="34" charset="-120"/>
+              </a:rPr>
+              <a:t>迎祢</a:t>
+            </a:r>
+            <a:endParaRPr lang="zh-TW" altLang="en-US" sz="6000" b="1" dirty="0">
+              <a:solidFill>
+                <a:srgbClr val="660066"/>
+              </a:solidFill>
+              <a:latin typeface="微軟正黑體" pitchFamily="34" charset="-120"/>
+              <a:ea typeface="微軟正黑體" pitchFamily="34" charset="-120"/>
+            </a:endParaRPr>
           </a:p>
         </p:txBody>
       </p:sp>
@@ -3782,11 +3933,13 @@
         </p:nvSpPr>
         <p:spPr/>
         <p:txBody>
-          <a:bodyPr/>
-          <a:lstStyle/>
-          <a:p>
-            <a:r>
-              <a:rPr lang="zh-TW" altLang="en-US" b="1" dirty="0">
+          <a:bodyPr>
+            <a:normAutofit/>
+          </a:bodyPr>
+          <a:lstStyle/>
+          <a:p>
+            <a:r>
+              <a:rPr lang="zh-TW" altLang="en-US" sz="4800" b="1" dirty="0">
                 <a:solidFill>
                   <a:srgbClr val="660066"/>
                 </a:solidFill>
@@ -3819,7 +3972,7 @@
               <a:buNone/>
             </a:pPr>
             <a:r>
-              <a:rPr lang="zh-TW" altLang="en-US" sz="5400" b="1" dirty="0">
+              <a:rPr lang="zh-TW" altLang="en-US" sz="6000" b="1" dirty="0">
                 <a:solidFill>
                   <a:srgbClr val="660066"/>
                 </a:solidFill>
@@ -3828,7 +3981,7 @@
               </a:rPr>
               <a:t>主我們同心在祢面前 </a:t>
             </a:r>
-            <a:endParaRPr lang="en-US" altLang="zh-TW" sz="5400" b="1" dirty="0" smtClean="0">
+            <a:endParaRPr lang="en-US" altLang="zh-TW" sz="6000" b="1" dirty="0">
               <a:solidFill>
                 <a:srgbClr val="660066"/>
               </a:solidFill>
@@ -3841,26 +3994,26 @@
               <a:buNone/>
             </a:pPr>
             <a:r>
-              <a:rPr lang="zh-TW" altLang="en-US" sz="5400" b="1" dirty="0" smtClean="0">
-                <a:solidFill>
-                  <a:srgbClr val="660066"/>
-                </a:solidFill>
-                <a:latin typeface="微軟正黑體" pitchFamily="34" charset="-120"/>
-                <a:ea typeface="微軟正黑體" pitchFamily="34" charset="-120"/>
-              </a:rPr>
-              <a:t>以</a:t>
-            </a:r>
-            <a:r>
-              <a:rPr lang="zh-TW" altLang="en-US" sz="5400" b="1" dirty="0">
-                <a:solidFill>
-                  <a:srgbClr val="660066"/>
-                </a:solidFill>
-                <a:latin typeface="微軟正黑體" pitchFamily="34" charset="-120"/>
-                <a:ea typeface="微軟正黑體" pitchFamily="34" charset="-120"/>
-              </a:rPr>
-              <a:t>禱告尋求祢面 </a:t>
-            </a:r>
-            <a:endParaRPr lang="en-US" altLang="zh-TW" sz="5400" b="1" dirty="0">
+              <a:rPr lang="zh-TW" altLang="en-US" sz="6000" b="1" dirty="0">
+                <a:solidFill>
+                  <a:srgbClr val="660066"/>
+                </a:solidFill>
+                <a:latin typeface="微軟正黑體" pitchFamily="34" charset="-120"/>
+                <a:ea typeface="微軟正黑體" pitchFamily="34" charset="-120"/>
+              </a:rPr>
+              <a:t>以禱告尋求祢</a:t>
+            </a:r>
+            <a:r>
+              <a:rPr lang="zh-TW" altLang="en-US" sz="6000" b="1" dirty="0" smtClean="0">
+                <a:solidFill>
+                  <a:srgbClr val="660066"/>
+                </a:solidFill>
+                <a:latin typeface="微軟正黑體" pitchFamily="34" charset="-120"/>
+                <a:ea typeface="微軟正黑體" pitchFamily="34" charset="-120"/>
+              </a:rPr>
+              <a:t>面</a:t>
+            </a:r>
+            <a:endParaRPr lang="en-US" altLang="zh-TW" sz="6000" b="1" dirty="0">
               <a:solidFill>
                 <a:srgbClr val="660066"/>
               </a:solidFill>
@@ -3873,26 +4026,26 @@
               <a:buNone/>
             </a:pPr>
             <a:r>
-              <a:rPr lang="zh-TW" altLang="en-US" sz="5400" b="1" dirty="0" smtClean="0">
-                <a:solidFill>
-                  <a:srgbClr val="660066"/>
-                </a:solidFill>
-                <a:latin typeface="微軟正黑體" pitchFamily="34" charset="-120"/>
-                <a:ea typeface="微軟正黑體" pitchFamily="34" charset="-120"/>
-              </a:rPr>
-              <a:t>我們</a:t>
-            </a:r>
-            <a:r>
-              <a:rPr lang="zh-TW" altLang="en-US" sz="5400" b="1" dirty="0">
-                <a:solidFill>
-                  <a:srgbClr val="660066"/>
-                </a:solidFill>
-                <a:latin typeface="微軟正黑體" pitchFamily="34" charset="-120"/>
-                <a:ea typeface="微軟正黑體" pitchFamily="34" charset="-120"/>
-              </a:rPr>
-              <a:t>轉離所有的惡行 </a:t>
-            </a:r>
-            <a:endParaRPr lang="en-US" altLang="zh-TW" sz="5400" b="1" dirty="0" smtClean="0">
+              <a:rPr lang="zh-TW" altLang="en-US" sz="6000" b="1" dirty="0">
+                <a:solidFill>
+                  <a:srgbClr val="660066"/>
+                </a:solidFill>
+                <a:latin typeface="微軟正黑體" pitchFamily="34" charset="-120"/>
+                <a:ea typeface="微軟正黑體" pitchFamily="34" charset="-120"/>
+              </a:rPr>
+              <a:t>我們轉離所有的惡</a:t>
+            </a:r>
+            <a:r>
+              <a:rPr lang="zh-TW" altLang="en-US" sz="6000" b="1" dirty="0" smtClean="0">
+                <a:solidFill>
+                  <a:srgbClr val="660066"/>
+                </a:solidFill>
+                <a:latin typeface="微軟正黑體" pitchFamily="34" charset="-120"/>
+                <a:ea typeface="微軟正黑體" pitchFamily="34" charset="-120"/>
+              </a:rPr>
+              <a:t>行</a:t>
+            </a:r>
+            <a:endParaRPr lang="en-US" altLang="zh-TW" sz="6000" b="1" dirty="0">
               <a:solidFill>
                 <a:srgbClr val="660066"/>
               </a:solidFill>
@@ -3905,25 +4058,32 @@
               <a:buNone/>
             </a:pPr>
             <a:r>
-              <a:rPr lang="zh-TW" altLang="en-US" sz="5400" b="1" dirty="0" smtClean="0">
-                <a:solidFill>
-                  <a:srgbClr val="660066"/>
-                </a:solidFill>
-                <a:latin typeface="微軟正黑體" pitchFamily="34" charset="-120"/>
-                <a:ea typeface="微軟正黑體" pitchFamily="34" charset="-120"/>
-              </a:rPr>
-              <a:t>定</a:t>
-            </a:r>
-            <a:r>
-              <a:rPr lang="zh-TW" altLang="en-US" sz="5400" b="1" dirty="0">
-                <a:solidFill>
-                  <a:srgbClr val="660066"/>
-                </a:solidFill>
-                <a:latin typeface="微軟正黑體" pitchFamily="34" charset="-120"/>
-                <a:ea typeface="微軟正黑體" pitchFamily="34" charset="-120"/>
-              </a:rPr>
-              <a:t>意單單跟隨祢 </a:t>
-            </a:r>
+              <a:rPr lang="zh-TW" altLang="en-US" sz="6000" b="1" dirty="0">
+                <a:solidFill>
+                  <a:srgbClr val="660066"/>
+                </a:solidFill>
+                <a:latin typeface="微軟正黑體" pitchFamily="34" charset="-120"/>
+                <a:ea typeface="微軟正黑體" pitchFamily="34" charset="-120"/>
+              </a:rPr>
+              <a:t>定意單單跟隨</a:t>
+            </a:r>
+            <a:r>
+              <a:rPr lang="zh-TW" altLang="en-US" sz="6000" b="1" dirty="0" smtClean="0">
+                <a:solidFill>
+                  <a:srgbClr val="660066"/>
+                </a:solidFill>
+                <a:latin typeface="微軟正黑體" pitchFamily="34" charset="-120"/>
+                <a:ea typeface="微軟正黑體" pitchFamily="34" charset="-120"/>
+              </a:rPr>
+              <a:t>祢</a:t>
+            </a:r>
+            <a:endParaRPr lang="zh-TW" altLang="en-US" sz="6000" b="1" dirty="0">
+              <a:solidFill>
+                <a:srgbClr val="660066"/>
+              </a:solidFill>
+              <a:latin typeface="微軟正黑體" pitchFamily="34" charset="-120"/>
+              <a:ea typeface="微軟正黑體" pitchFamily="34" charset="-120"/>
+            </a:endParaRPr>
           </a:p>
         </p:txBody>
       </p:sp>
@@ -3964,11 +4124,13 @@
         </p:nvSpPr>
         <p:spPr/>
         <p:txBody>
-          <a:bodyPr/>
-          <a:lstStyle/>
-          <a:p>
-            <a:r>
-              <a:rPr lang="zh-TW" altLang="en-US" b="1" dirty="0">
+          <a:bodyPr>
+            <a:normAutofit/>
+          </a:bodyPr>
+          <a:lstStyle/>
+          <a:p>
+            <a:r>
+              <a:rPr lang="zh-TW" altLang="en-US" sz="4800" b="1" dirty="0">
                 <a:solidFill>
                   <a:srgbClr val="660066"/>
                 </a:solidFill>
@@ -4001,16 +4163,26 @@
               <a:buNone/>
             </a:pPr>
             <a:r>
-              <a:rPr lang="zh-TW" altLang="en-US" sz="5400" b="1" dirty="0">
-                <a:solidFill>
-                  <a:srgbClr val="660066"/>
-                </a:solidFill>
-                <a:latin typeface="微軟正黑體" pitchFamily="34" charset="-120"/>
-                <a:ea typeface="微軟正黑體" pitchFamily="34" charset="-120"/>
-              </a:rPr>
-              <a:t>主我們國家是屬於祢 </a:t>
-            </a:r>
-            <a:endParaRPr lang="en-US" altLang="zh-TW" sz="5400" b="1" dirty="0" smtClean="0">
+              <a:rPr lang="zh-TW" altLang="en-US" sz="6000" b="1" dirty="0">
+                <a:solidFill>
+                  <a:srgbClr val="660066"/>
+                </a:solidFill>
+                <a:latin typeface="微軟正黑體" pitchFamily="34" charset="-120"/>
+                <a:ea typeface="微軟正黑體" pitchFamily="34" charset="-120"/>
+              </a:rPr>
+              <a:t>主我們國家是屬於</a:t>
+            </a:r>
+            <a:r>
+              <a:rPr lang="zh-TW" altLang="en-US" sz="6000" b="1" dirty="0" smtClean="0">
+                <a:solidFill>
+                  <a:srgbClr val="660066"/>
+                </a:solidFill>
+                <a:latin typeface="微軟正黑體" pitchFamily="34" charset="-120"/>
+                <a:ea typeface="微軟正黑體" pitchFamily="34" charset="-120"/>
+              </a:rPr>
+              <a:t>祢</a:t>
+            </a:r>
+            <a:endParaRPr lang="en-US" altLang="zh-TW" sz="6000" b="1" dirty="0">
               <a:solidFill>
                 <a:srgbClr val="660066"/>
               </a:solidFill>
@@ -4023,26 +4195,26 @@
               <a:buNone/>
             </a:pPr>
             <a:r>
-              <a:rPr lang="zh-TW" altLang="en-US" sz="5400" b="1" dirty="0" smtClean="0">
-                <a:solidFill>
-                  <a:srgbClr val="660066"/>
-                </a:solidFill>
-                <a:latin typeface="微軟正黑體" pitchFamily="34" charset="-120"/>
-                <a:ea typeface="微軟正黑體" pitchFamily="34" charset="-120"/>
-              </a:rPr>
-              <a:t>求</a:t>
-            </a:r>
-            <a:r>
-              <a:rPr lang="zh-TW" altLang="en-US" sz="5400" b="1" dirty="0">
-                <a:solidFill>
-                  <a:srgbClr val="660066"/>
-                </a:solidFill>
-                <a:latin typeface="微軟正黑體" pitchFamily="34" charset="-120"/>
-                <a:ea typeface="微軟正黑體" pitchFamily="34" charset="-120"/>
-              </a:rPr>
-              <a:t>祢來掌管全地 </a:t>
-            </a:r>
-            <a:endParaRPr lang="en-US" altLang="zh-TW" sz="5400" b="1" dirty="0">
+              <a:rPr lang="zh-TW" altLang="en-US" sz="6000" b="1" dirty="0">
+                <a:solidFill>
+                  <a:srgbClr val="660066"/>
+                </a:solidFill>
+                <a:latin typeface="微軟正黑體" pitchFamily="34" charset="-120"/>
+                <a:ea typeface="微軟正黑體" pitchFamily="34" charset="-120"/>
+              </a:rPr>
+              <a:t>求祢來掌管全</a:t>
+            </a:r>
+            <a:r>
+              <a:rPr lang="zh-TW" altLang="en-US" sz="6000" b="1" dirty="0" smtClean="0">
+                <a:solidFill>
+                  <a:srgbClr val="660066"/>
+                </a:solidFill>
+                <a:latin typeface="微軟正黑體" pitchFamily="34" charset="-120"/>
+                <a:ea typeface="微軟正黑體" pitchFamily="34" charset="-120"/>
+              </a:rPr>
+              <a:t>地</a:t>
+            </a:r>
+            <a:endParaRPr lang="en-US" altLang="zh-TW" sz="6000" b="1" dirty="0">
               <a:solidFill>
                 <a:srgbClr val="660066"/>
               </a:solidFill>
@@ -4055,26 +4227,26 @@
               <a:buNone/>
             </a:pPr>
             <a:r>
-              <a:rPr lang="zh-TW" altLang="en-US" sz="5400" b="1" dirty="0" smtClean="0">
-                <a:solidFill>
-                  <a:srgbClr val="660066"/>
-                </a:solidFill>
-                <a:latin typeface="微軟正黑體" pitchFamily="34" charset="-120"/>
-                <a:ea typeface="微軟正黑體" pitchFamily="34" charset="-120"/>
-              </a:rPr>
-              <a:t>願</a:t>
-            </a:r>
-            <a:r>
-              <a:rPr lang="zh-TW" altLang="en-US" sz="5400" b="1" dirty="0">
-                <a:solidFill>
-                  <a:srgbClr val="660066"/>
-                </a:solidFill>
-                <a:latin typeface="微軟正黑體" pitchFamily="34" charset="-120"/>
-                <a:ea typeface="微軟正黑體" pitchFamily="34" charset="-120"/>
-              </a:rPr>
-              <a:t>祢來憐憫醫治這地 </a:t>
-            </a:r>
-            <a:endParaRPr lang="en-US" altLang="zh-TW" sz="5400" b="1" dirty="0" smtClean="0">
+              <a:rPr lang="zh-TW" altLang="en-US" sz="6000" b="1" dirty="0">
+                <a:solidFill>
+                  <a:srgbClr val="660066"/>
+                </a:solidFill>
+                <a:latin typeface="微軟正黑體" pitchFamily="34" charset="-120"/>
+                <a:ea typeface="微軟正黑體" pitchFamily="34" charset="-120"/>
+              </a:rPr>
+              <a:t>願祢來憐憫醫治這</a:t>
+            </a:r>
+            <a:r>
+              <a:rPr lang="zh-TW" altLang="en-US" sz="6000" b="1" dirty="0" smtClean="0">
+                <a:solidFill>
+                  <a:srgbClr val="660066"/>
+                </a:solidFill>
+                <a:latin typeface="微軟正黑體" pitchFamily="34" charset="-120"/>
+                <a:ea typeface="微軟正黑體" pitchFamily="34" charset="-120"/>
+              </a:rPr>
+              <a:t>地</a:t>
+            </a:r>
+            <a:endParaRPr lang="en-US" altLang="zh-TW" sz="6000" b="1" dirty="0">
               <a:solidFill>
                 <a:srgbClr val="660066"/>
               </a:solidFill>
@@ -4087,25 +4259,32 @@
               <a:buNone/>
             </a:pPr>
             <a:r>
-              <a:rPr lang="zh-TW" altLang="en-US" sz="5400" b="1" dirty="0" smtClean="0">
-                <a:solidFill>
-                  <a:srgbClr val="660066"/>
-                </a:solidFill>
-                <a:latin typeface="微軟正黑體" pitchFamily="34" charset="-120"/>
-                <a:ea typeface="微軟正黑體" pitchFamily="34" charset="-120"/>
-              </a:rPr>
-              <a:t>榮耀</a:t>
-            </a:r>
-            <a:r>
-              <a:rPr lang="zh-TW" altLang="en-US" sz="5400" b="1" dirty="0">
-                <a:solidFill>
-                  <a:srgbClr val="660066"/>
-                </a:solidFill>
-                <a:latin typeface="微軟正黑體" pitchFamily="34" charset="-120"/>
-                <a:ea typeface="微軟正黑體" pitchFamily="34" charset="-120"/>
-              </a:rPr>
-              <a:t>再次降臨 </a:t>
-            </a:r>
+              <a:rPr lang="zh-TW" altLang="en-US" sz="6000" b="1" dirty="0">
+                <a:solidFill>
+                  <a:srgbClr val="660066"/>
+                </a:solidFill>
+                <a:latin typeface="微軟正黑體" pitchFamily="34" charset="-120"/>
+                <a:ea typeface="微軟正黑體" pitchFamily="34" charset="-120"/>
+              </a:rPr>
+              <a:t>榮耀再次降</a:t>
+            </a:r>
+            <a:r>
+              <a:rPr lang="zh-TW" altLang="en-US" sz="6000" b="1" dirty="0" smtClean="0">
+                <a:solidFill>
+                  <a:srgbClr val="660066"/>
+                </a:solidFill>
+                <a:latin typeface="微軟正黑體" pitchFamily="34" charset="-120"/>
+                <a:ea typeface="微軟正黑體" pitchFamily="34" charset="-120"/>
+              </a:rPr>
+              <a:t>臨</a:t>
+            </a:r>
+            <a:endParaRPr lang="zh-TW" altLang="en-US" sz="6000" b="1" dirty="0">
+              <a:solidFill>
+                <a:srgbClr val="660066"/>
+              </a:solidFill>
+              <a:latin typeface="微軟正黑體" pitchFamily="34" charset="-120"/>
+              <a:ea typeface="微軟正黑體" pitchFamily="34" charset="-120"/>
+            </a:endParaRPr>
           </a:p>
         </p:txBody>
       </p:sp>
@@ -4146,11 +4325,13 @@
         </p:nvSpPr>
         <p:spPr/>
         <p:txBody>
-          <a:bodyPr/>
-          <a:lstStyle/>
-          <a:p>
-            <a:r>
-              <a:rPr lang="zh-TW" altLang="en-US" b="1" dirty="0">
+          <a:bodyPr>
+            <a:normAutofit/>
+          </a:bodyPr>
+          <a:lstStyle/>
+          <a:p>
+            <a:r>
+              <a:rPr lang="zh-TW" altLang="en-US" sz="4800" b="1" dirty="0">
                 <a:solidFill>
                   <a:srgbClr val="660066"/>
                 </a:solidFill>
@@ -4183,16 +4364,26 @@
               <a:buNone/>
             </a:pPr>
             <a:r>
-              <a:rPr lang="zh-TW" altLang="en-US" sz="5400" b="1" dirty="0">
-                <a:solidFill>
-                  <a:srgbClr val="660066"/>
-                </a:solidFill>
-                <a:latin typeface="微軟正黑體" pitchFamily="34" charset="-120"/>
-                <a:ea typeface="微軟正黑體" pitchFamily="34" charset="-120"/>
-              </a:rPr>
-              <a:t>我們呼求祢阿爸父 </a:t>
-            </a:r>
-            <a:endParaRPr lang="en-US" altLang="zh-TW" sz="5400" b="1" dirty="0">
+              <a:rPr lang="zh-TW" altLang="en-US" sz="6000" b="1" dirty="0">
+                <a:solidFill>
+                  <a:srgbClr val="660066"/>
+                </a:solidFill>
+                <a:latin typeface="微軟正黑體" pitchFamily="34" charset="-120"/>
+                <a:ea typeface="微軟正黑體" pitchFamily="34" charset="-120"/>
+              </a:rPr>
+              <a:t>我們呼求祢阿爸</a:t>
+            </a:r>
+            <a:r>
+              <a:rPr lang="zh-TW" altLang="en-US" sz="6000" b="1" dirty="0" smtClean="0">
+                <a:solidFill>
+                  <a:srgbClr val="660066"/>
+                </a:solidFill>
+                <a:latin typeface="微軟正黑體" pitchFamily="34" charset="-120"/>
+                <a:ea typeface="微軟正黑體" pitchFamily="34" charset="-120"/>
+              </a:rPr>
+              <a:t>父</a:t>
+            </a:r>
+            <a:endParaRPr lang="en-US" altLang="zh-TW" sz="6000" b="1" dirty="0">
               <a:solidFill>
                 <a:srgbClr val="660066"/>
               </a:solidFill>
@@ -4205,26 +4396,26 @@
               <a:buNone/>
             </a:pPr>
             <a:r>
-              <a:rPr lang="zh-TW" altLang="en-US" sz="5400" b="1" dirty="0" smtClean="0">
-                <a:solidFill>
-                  <a:srgbClr val="660066"/>
-                </a:solidFill>
-                <a:latin typeface="微軟正黑體" pitchFamily="34" charset="-120"/>
-                <a:ea typeface="微軟正黑體" pitchFamily="34" charset="-120"/>
-              </a:rPr>
-              <a:t>設立</a:t>
-            </a:r>
-            <a:r>
-              <a:rPr lang="zh-TW" altLang="en-US" sz="5400" b="1" dirty="0">
-                <a:solidFill>
-                  <a:srgbClr val="660066"/>
-                </a:solidFill>
-                <a:latin typeface="微軟正黑體" pitchFamily="34" charset="-120"/>
-                <a:ea typeface="微軟正黑體" pitchFamily="34" charset="-120"/>
-              </a:rPr>
-              <a:t>祢寶座在這地 </a:t>
-            </a:r>
-            <a:endParaRPr lang="en-US" altLang="zh-TW" sz="5400" b="1" dirty="0">
+              <a:rPr lang="zh-TW" altLang="en-US" sz="6000" b="1" dirty="0">
+                <a:solidFill>
+                  <a:srgbClr val="660066"/>
+                </a:solidFill>
+                <a:latin typeface="微軟正黑體" pitchFamily="34" charset="-120"/>
+                <a:ea typeface="微軟正黑體" pitchFamily="34" charset="-120"/>
+              </a:rPr>
+              <a:t>設立祢寶座在這</a:t>
+            </a:r>
+            <a:r>
+              <a:rPr lang="zh-TW" altLang="en-US" sz="6000" b="1" dirty="0" smtClean="0">
+                <a:solidFill>
+                  <a:srgbClr val="660066"/>
+                </a:solidFill>
+                <a:latin typeface="微軟正黑體" pitchFamily="34" charset="-120"/>
+                <a:ea typeface="微軟正黑體" pitchFamily="34" charset="-120"/>
+              </a:rPr>
+              <a:t>地</a:t>
+            </a:r>
+            <a:endParaRPr lang="en-US" altLang="zh-TW" sz="6000" b="1" dirty="0">
               <a:solidFill>
                 <a:srgbClr val="660066"/>
               </a:solidFill>
@@ -4237,26 +4428,26 @@
               <a:buNone/>
             </a:pPr>
             <a:r>
-              <a:rPr lang="zh-TW" altLang="en-US" sz="5400" b="1" dirty="0" smtClean="0">
-                <a:solidFill>
-                  <a:srgbClr val="660066"/>
-                </a:solidFill>
-                <a:latin typeface="微軟正黑體" pitchFamily="34" charset="-120"/>
-                <a:ea typeface="微軟正黑體" pitchFamily="34" charset="-120"/>
-              </a:rPr>
-              <a:t>祢</a:t>
-            </a:r>
-            <a:r>
-              <a:rPr lang="zh-TW" altLang="en-US" sz="5400" b="1" dirty="0">
-                <a:solidFill>
-                  <a:srgbClr val="660066"/>
-                </a:solidFill>
-                <a:latin typeface="微軟正黑體" pitchFamily="34" charset="-120"/>
-                <a:ea typeface="微軟正黑體" pitchFamily="34" charset="-120"/>
-              </a:rPr>
-              <a:t>必睜眼看側耳垂聽 </a:t>
-            </a:r>
-            <a:endParaRPr lang="en-US" altLang="zh-TW" sz="5400" b="1" dirty="0">
+              <a:rPr lang="zh-TW" altLang="en-US" sz="6000" b="1" dirty="0">
+                <a:solidFill>
+                  <a:srgbClr val="660066"/>
+                </a:solidFill>
+                <a:latin typeface="微軟正黑體" pitchFamily="34" charset="-120"/>
+                <a:ea typeface="微軟正黑體" pitchFamily="34" charset="-120"/>
+              </a:rPr>
+              <a:t>祢必睜眼看側耳垂</a:t>
+            </a:r>
+            <a:r>
+              <a:rPr lang="zh-TW" altLang="en-US" sz="6000" b="1" dirty="0" smtClean="0">
+                <a:solidFill>
+                  <a:srgbClr val="660066"/>
+                </a:solidFill>
+                <a:latin typeface="微軟正黑體" pitchFamily="34" charset="-120"/>
+                <a:ea typeface="微軟正黑體" pitchFamily="34" charset="-120"/>
+              </a:rPr>
+              <a:t>聽</a:t>
+            </a:r>
+            <a:endParaRPr lang="en-US" altLang="zh-TW" sz="6000" b="1" dirty="0">
               <a:solidFill>
                 <a:srgbClr val="660066"/>
               </a:solidFill>
@@ -4269,25 +4460,32 @@
               <a:buNone/>
             </a:pPr>
             <a:r>
-              <a:rPr lang="zh-TW" altLang="en-US" sz="5400" b="1" dirty="0" smtClean="0">
-                <a:solidFill>
-                  <a:srgbClr val="660066"/>
-                </a:solidFill>
-                <a:latin typeface="微軟正黑體" pitchFamily="34" charset="-120"/>
-                <a:ea typeface="微軟正黑體" pitchFamily="34" charset="-120"/>
-              </a:rPr>
-              <a:t>奉</a:t>
-            </a:r>
-            <a:r>
-              <a:rPr lang="zh-TW" altLang="en-US" sz="5400" b="1" dirty="0">
-                <a:solidFill>
-                  <a:srgbClr val="660066"/>
-                </a:solidFill>
-                <a:latin typeface="微軟正黑體" pitchFamily="34" charset="-120"/>
-                <a:ea typeface="微軟正黑體" pitchFamily="34" charset="-120"/>
-              </a:rPr>
-              <a:t>主名的呼求 </a:t>
-            </a:r>
+              <a:rPr lang="zh-TW" altLang="en-US" sz="6000" b="1" dirty="0">
+                <a:solidFill>
+                  <a:srgbClr val="660066"/>
+                </a:solidFill>
+                <a:latin typeface="微軟正黑體" pitchFamily="34" charset="-120"/>
+                <a:ea typeface="微軟正黑體" pitchFamily="34" charset="-120"/>
+              </a:rPr>
+              <a:t>奉主名的呼</a:t>
+            </a:r>
+            <a:r>
+              <a:rPr lang="zh-TW" altLang="en-US" sz="6000" b="1" dirty="0" smtClean="0">
+                <a:solidFill>
+                  <a:srgbClr val="660066"/>
+                </a:solidFill>
+                <a:latin typeface="微軟正黑體" pitchFamily="34" charset="-120"/>
+                <a:ea typeface="微軟正黑體" pitchFamily="34" charset="-120"/>
+              </a:rPr>
+              <a:t>求</a:t>
+            </a:r>
+            <a:endParaRPr lang="zh-TW" altLang="en-US" sz="6000" b="1" dirty="0">
+              <a:solidFill>
+                <a:srgbClr val="660066"/>
+              </a:solidFill>
+              <a:latin typeface="微軟正黑體" pitchFamily="34" charset="-120"/>
+              <a:ea typeface="微軟正黑體" pitchFamily="34" charset="-120"/>
+            </a:endParaRPr>
           </a:p>
         </p:txBody>
       </p:sp>
@@ -4328,11 +4526,13 @@
         </p:nvSpPr>
         <p:spPr/>
         <p:txBody>
-          <a:bodyPr/>
-          <a:lstStyle/>
-          <a:p>
-            <a:r>
-              <a:rPr lang="zh-TW" altLang="en-US" b="1" dirty="0">
+          <a:bodyPr>
+            <a:normAutofit/>
+          </a:bodyPr>
+          <a:lstStyle/>
+          <a:p>
+            <a:r>
+              <a:rPr lang="zh-TW" altLang="en-US" sz="4800" b="1" dirty="0">
                 <a:solidFill>
                   <a:srgbClr val="660066"/>
                 </a:solidFill>
@@ -4365,16 +4565,26 @@
               <a:buNone/>
             </a:pPr>
             <a:r>
-              <a:rPr lang="zh-TW" altLang="en-US" sz="5400" b="1" dirty="0">
-                <a:solidFill>
-                  <a:srgbClr val="660066"/>
-                </a:solidFill>
-                <a:latin typeface="微軟正黑體" pitchFamily="34" charset="-120"/>
-                <a:ea typeface="微軟正黑體" pitchFamily="34" charset="-120"/>
-              </a:rPr>
-              <a:t>萬民都要來敬拜祢 </a:t>
-            </a:r>
-            <a:endParaRPr lang="en-US" altLang="zh-TW" sz="5400" b="1" dirty="0">
+              <a:rPr lang="zh-TW" altLang="en-US" sz="6000" b="1" dirty="0">
+                <a:solidFill>
+                  <a:srgbClr val="660066"/>
+                </a:solidFill>
+                <a:latin typeface="微軟正黑體" pitchFamily="34" charset="-120"/>
+                <a:ea typeface="微軟正黑體" pitchFamily="34" charset="-120"/>
+              </a:rPr>
+              <a:t>萬民都要來敬拜</a:t>
+            </a:r>
+            <a:r>
+              <a:rPr lang="zh-TW" altLang="en-US" sz="6000" b="1" dirty="0" smtClean="0">
+                <a:solidFill>
+                  <a:srgbClr val="660066"/>
+                </a:solidFill>
+                <a:latin typeface="微軟正黑體" pitchFamily="34" charset="-120"/>
+                <a:ea typeface="微軟正黑體" pitchFamily="34" charset="-120"/>
+              </a:rPr>
+              <a:t>祢</a:t>
+            </a:r>
+            <a:endParaRPr lang="en-US" altLang="zh-TW" sz="6000" b="1" dirty="0">
               <a:solidFill>
                 <a:srgbClr val="660066"/>
               </a:solidFill>
@@ -4387,26 +4597,26 @@
               <a:buNone/>
             </a:pPr>
             <a:r>
-              <a:rPr lang="zh-TW" altLang="en-US" sz="5400" b="1" dirty="0" smtClean="0">
-                <a:solidFill>
-                  <a:srgbClr val="660066"/>
-                </a:solidFill>
-                <a:latin typeface="微軟正黑體" pitchFamily="34" charset="-120"/>
-                <a:ea typeface="微軟正黑體" pitchFamily="34" charset="-120"/>
-              </a:rPr>
-              <a:t>榮耀</a:t>
-            </a:r>
-            <a:r>
-              <a:rPr lang="zh-TW" altLang="en-US" sz="5400" b="1" dirty="0">
-                <a:solidFill>
-                  <a:srgbClr val="660066"/>
-                </a:solidFill>
-                <a:latin typeface="微軟正黑體" pitchFamily="34" charset="-120"/>
-                <a:ea typeface="微軟正黑體" pitchFamily="34" charset="-120"/>
-              </a:rPr>
-              <a:t>高舉祢的聖名 </a:t>
-            </a:r>
-            <a:endParaRPr lang="en-US" altLang="zh-TW" sz="5400" b="1" dirty="0">
+              <a:rPr lang="zh-TW" altLang="en-US" sz="6000" b="1" dirty="0">
+                <a:solidFill>
+                  <a:srgbClr val="660066"/>
+                </a:solidFill>
+                <a:latin typeface="微軟正黑體" pitchFamily="34" charset="-120"/>
+                <a:ea typeface="微軟正黑體" pitchFamily="34" charset="-120"/>
+              </a:rPr>
+              <a:t>榮耀高舉祢的聖</a:t>
+            </a:r>
+            <a:r>
+              <a:rPr lang="zh-TW" altLang="en-US" sz="6000" b="1" dirty="0" smtClean="0">
+                <a:solidFill>
+                  <a:srgbClr val="660066"/>
+                </a:solidFill>
+                <a:latin typeface="微軟正黑體" pitchFamily="34" charset="-120"/>
+                <a:ea typeface="微軟正黑體" pitchFamily="34" charset="-120"/>
+              </a:rPr>
+              <a:t>名</a:t>
+            </a:r>
+            <a:endParaRPr lang="en-US" altLang="zh-TW" sz="6000" b="1" dirty="0">
               <a:solidFill>
                 <a:srgbClr val="660066"/>
               </a:solidFill>
@@ -4419,26 +4629,26 @@
               <a:buNone/>
             </a:pPr>
             <a:r>
-              <a:rPr lang="zh-TW" altLang="en-US" sz="5400" b="1" dirty="0" smtClean="0">
-                <a:solidFill>
-                  <a:srgbClr val="660066"/>
-                </a:solidFill>
-                <a:latin typeface="微軟正黑體" pitchFamily="34" charset="-120"/>
-                <a:ea typeface="微軟正黑體" pitchFamily="34" charset="-120"/>
-              </a:rPr>
-              <a:t>復興</a:t>
-            </a:r>
-            <a:r>
-              <a:rPr lang="zh-TW" altLang="en-US" sz="5400" b="1" dirty="0">
-                <a:solidFill>
-                  <a:srgbClr val="660066"/>
-                </a:solidFill>
-                <a:latin typeface="微軟正黑體" pitchFamily="34" charset="-120"/>
-                <a:ea typeface="微軟正黑體" pitchFamily="34" charset="-120"/>
-              </a:rPr>
-              <a:t>這地 全能的君王 </a:t>
-            </a:r>
-            <a:endParaRPr lang="en-US" altLang="zh-TW" sz="5400" b="1" dirty="0">
+              <a:rPr lang="zh-TW" altLang="en-US" sz="6000" b="1" dirty="0">
+                <a:solidFill>
+                  <a:srgbClr val="660066"/>
+                </a:solidFill>
+                <a:latin typeface="微軟正黑體" pitchFamily="34" charset="-120"/>
+                <a:ea typeface="微軟正黑體" pitchFamily="34" charset="-120"/>
+              </a:rPr>
+              <a:t>復興這地 全能的君</a:t>
+            </a:r>
+            <a:r>
+              <a:rPr lang="zh-TW" altLang="en-US" sz="6000" b="1" dirty="0" smtClean="0">
+                <a:solidFill>
+                  <a:srgbClr val="660066"/>
+                </a:solidFill>
+                <a:latin typeface="微軟正黑體" pitchFamily="34" charset="-120"/>
+                <a:ea typeface="微軟正黑體" pitchFamily="34" charset="-120"/>
+              </a:rPr>
+              <a:t>王</a:t>
+            </a:r>
+            <a:endParaRPr lang="en-US" altLang="zh-TW" sz="6000" b="1" dirty="0">
               <a:solidFill>
                 <a:srgbClr val="660066"/>
               </a:solidFill>
@@ -4451,25 +4661,32 @@
               <a:buNone/>
             </a:pPr>
             <a:r>
-              <a:rPr lang="zh-TW" altLang="en-US" sz="5400" b="1" dirty="0" smtClean="0">
-                <a:solidFill>
-                  <a:srgbClr val="660066"/>
-                </a:solidFill>
-                <a:latin typeface="微軟正黑體" pitchFamily="34" charset="-120"/>
-                <a:ea typeface="微軟正黑體" pitchFamily="34" charset="-120"/>
-              </a:rPr>
-              <a:t>我們</a:t>
-            </a:r>
-            <a:r>
-              <a:rPr lang="zh-TW" altLang="en-US" sz="5400" b="1" dirty="0">
-                <a:solidFill>
-                  <a:srgbClr val="660066"/>
-                </a:solidFill>
-                <a:latin typeface="微軟正黑體" pitchFamily="34" charset="-120"/>
-                <a:ea typeface="微軟正黑體" pitchFamily="34" charset="-120"/>
-              </a:rPr>
-              <a:t>歡迎祢</a:t>
-            </a:r>
+              <a:rPr lang="zh-TW" altLang="en-US" sz="6000" b="1" dirty="0">
+                <a:solidFill>
+                  <a:srgbClr val="660066"/>
+                </a:solidFill>
+                <a:latin typeface="微軟正黑體" pitchFamily="34" charset="-120"/>
+                <a:ea typeface="微軟正黑體" pitchFamily="34" charset="-120"/>
+              </a:rPr>
+              <a:t>我們歡</a:t>
+            </a:r>
+            <a:r>
+              <a:rPr lang="zh-TW" altLang="en-US" sz="6000" b="1" dirty="0" smtClean="0">
+                <a:solidFill>
+                  <a:srgbClr val="660066"/>
+                </a:solidFill>
+                <a:latin typeface="微軟正黑體" pitchFamily="34" charset="-120"/>
+                <a:ea typeface="微軟正黑體" pitchFamily="34" charset="-120"/>
+              </a:rPr>
+              <a:t>迎祢</a:t>
+            </a:r>
+            <a:endParaRPr lang="zh-TW" altLang="en-US" sz="6000" b="1" dirty="0">
+              <a:solidFill>
+                <a:srgbClr val="660066"/>
+              </a:solidFill>
+              <a:latin typeface="微軟正黑體" pitchFamily="34" charset="-120"/>
+              <a:ea typeface="微軟正黑體" pitchFamily="34" charset="-120"/>
+            </a:endParaRPr>
           </a:p>
         </p:txBody>
       </p:sp>
@@ -4482,7 +4699,7 @@
 </file>
 
 <file path=ppt/theme/theme1.xml><?xml version="1.0" encoding="utf-8"?>
-<a:theme xmlns:a="http://schemas.openxmlformats.org/drawingml/2006/main" name="Office 佈景主題">
+<a:theme xmlns:a="http://schemas.openxmlformats.org/drawingml/2006/main" name="Theme1">
   <a:themeElements>
     <a:clrScheme name="Office">
       <a:dk1>
@@ -4761,5 +4978,10 @@
   </a:themeElements>
   <a:objectDefaults/>
   <a:extraClrSchemeLst/>
+  <a:extLst>
+    <a:ext uri="{05A4C25C-085E-4340-85A3-A5531E510DB2}">
+      <thm15:themeFamily xmlns:thm15="http://schemas.microsoft.com/office/thememl/2012/main" name="Theme1" id="{AFC7C034-021A-479F-A5B0-F4AE2AC2A6F8}" vid="{E4B01A5C-7C0B-4AB8-8973-047186F18E30}"/>
+    </a:ext>
+  </a:extLst>
 </a:theme>
 </file>
--- a/我們呼求.pptx
+++ b/我們呼求.pptx
@@ -5,14 +5,19 @@
     <p:sldMasterId id="2147483660" r:id="rId1"/>
   </p:sldMasterIdLst>
   <p:sldIdLst>
-    <p:sldId id="257" r:id="rId2"/>
-    <p:sldId id="258" r:id="rId3"/>
-    <p:sldId id="259" r:id="rId4"/>
-    <p:sldId id="260" r:id="rId5"/>
-    <p:sldId id="261" r:id="rId6"/>
-    <p:sldId id="262" r:id="rId7"/>
-    <p:sldId id="263" r:id="rId8"/>
-    <p:sldId id="264" r:id="rId9"/>
+    <p:sldId id="265" r:id="rId2"/>
+    <p:sldId id="266" r:id="rId3"/>
+    <p:sldId id="267" r:id="rId4"/>
+    <p:sldId id="268" r:id="rId5"/>
+    <p:sldId id="269" r:id="rId6"/>
+    <p:sldId id="270" r:id="rId7"/>
+    <p:sldId id="271" r:id="rId8"/>
+    <p:sldId id="272" r:id="rId9"/>
+    <p:sldId id="273" r:id="rId10"/>
+    <p:sldId id="274" r:id="rId11"/>
+    <p:sldId id="275" r:id="rId12"/>
+    <p:sldId id="276" r:id="rId13"/>
+    <p:sldId id="277" r:id="rId14"/>
   </p:sldIdLst>
   <p:sldSz cx="12192000" cy="6858000"/>
   <p:notesSz cx="6858000" cy="9144000"/>
@@ -311,7 +316,7 @@
           <a:p>
             <a:fld id="{0C929668-19BB-4531-B921-24AC1C4F06E4}" type="datetimeFigureOut">
               <a:rPr lang="zh-TW" altLang="en-US" smtClean="0"/>
-              <a:t>2020/2/22</a:t>
+              <a:t>2021/10/29</a:t>
             </a:fld>
             <a:endParaRPr lang="zh-TW" altLang="en-US"/>
           </a:p>
@@ -481,7 +486,7 @@
           <a:p>
             <a:fld id="{0C929668-19BB-4531-B921-24AC1C4F06E4}" type="datetimeFigureOut">
               <a:rPr lang="zh-TW" altLang="en-US" smtClean="0"/>
-              <a:t>2020/2/22</a:t>
+              <a:t>2021/10/29</a:t>
             </a:fld>
             <a:endParaRPr lang="zh-TW" altLang="en-US"/>
           </a:p>
@@ -661,7 +666,7 @@
           <a:p>
             <a:fld id="{0C929668-19BB-4531-B921-24AC1C4F06E4}" type="datetimeFigureOut">
               <a:rPr lang="zh-TW" altLang="en-US" smtClean="0"/>
-              <a:t>2020/2/22</a:t>
+              <a:t>2021/10/29</a:t>
             </a:fld>
             <a:endParaRPr lang="zh-TW" altLang="en-US"/>
           </a:p>
@@ -831,7 +836,7 @@
           <a:p>
             <a:fld id="{0C929668-19BB-4531-B921-24AC1C4F06E4}" type="datetimeFigureOut">
               <a:rPr lang="zh-TW" altLang="en-US" smtClean="0"/>
-              <a:t>2020/2/22</a:t>
+              <a:t>2021/10/29</a:t>
             </a:fld>
             <a:endParaRPr lang="zh-TW" altLang="en-US"/>
           </a:p>
@@ -1077,7 +1082,7 @@
           <a:p>
             <a:fld id="{0C929668-19BB-4531-B921-24AC1C4F06E4}" type="datetimeFigureOut">
               <a:rPr lang="zh-TW" altLang="en-US" smtClean="0"/>
-              <a:t>2020/2/22</a:t>
+              <a:t>2021/10/29</a:t>
             </a:fld>
             <a:endParaRPr lang="zh-TW" altLang="en-US"/>
           </a:p>
@@ -1365,7 +1370,7 @@
           <a:p>
             <a:fld id="{0C929668-19BB-4531-B921-24AC1C4F06E4}" type="datetimeFigureOut">
               <a:rPr lang="zh-TW" altLang="en-US" smtClean="0"/>
-              <a:t>2020/2/22</a:t>
+              <a:t>2021/10/29</a:t>
             </a:fld>
             <a:endParaRPr lang="zh-TW" altLang="en-US"/>
           </a:p>
@@ -1787,7 +1792,7 @@
           <a:p>
             <a:fld id="{0C929668-19BB-4531-B921-24AC1C4F06E4}" type="datetimeFigureOut">
               <a:rPr lang="zh-TW" altLang="en-US" smtClean="0"/>
-              <a:t>2020/2/22</a:t>
+              <a:t>2021/10/29</a:t>
             </a:fld>
             <a:endParaRPr lang="zh-TW" altLang="en-US"/>
           </a:p>
@@ -1905,7 +1910,7 @@
           <a:p>
             <a:fld id="{0C929668-19BB-4531-B921-24AC1C4F06E4}" type="datetimeFigureOut">
               <a:rPr lang="zh-TW" altLang="en-US" smtClean="0"/>
-              <a:t>2020/2/22</a:t>
+              <a:t>2021/10/29</a:t>
             </a:fld>
             <a:endParaRPr lang="zh-TW" altLang="en-US"/>
           </a:p>
@@ -2000,7 +2005,7 @@
           <a:p>
             <a:fld id="{0C929668-19BB-4531-B921-24AC1C4F06E4}" type="datetimeFigureOut">
               <a:rPr lang="zh-TW" altLang="en-US" smtClean="0"/>
-              <a:t>2020/2/22</a:t>
+              <a:t>2021/10/29</a:t>
             </a:fld>
             <a:endParaRPr lang="zh-TW" altLang="en-US"/>
           </a:p>
@@ -2277,7 +2282,7 @@
           <a:p>
             <a:fld id="{0C929668-19BB-4531-B921-24AC1C4F06E4}" type="datetimeFigureOut">
               <a:rPr lang="zh-TW" altLang="en-US" smtClean="0"/>
-              <a:t>2020/2/22</a:t>
+              <a:t>2021/10/29</a:t>
             </a:fld>
             <a:endParaRPr lang="zh-TW" altLang="en-US"/>
           </a:p>
@@ -2534,7 +2539,7 @@
           <a:p>
             <a:fld id="{0C929668-19BB-4531-B921-24AC1C4F06E4}" type="datetimeFigureOut">
               <a:rPr lang="zh-TW" altLang="en-US" smtClean="0"/>
-              <a:t>2020/2/22</a:t>
+              <a:t>2021/10/29</a:t>
             </a:fld>
             <a:endParaRPr lang="zh-TW" altLang="en-US"/>
           </a:p>
@@ -2752,7 +2757,7 @@
           <a:p>
             <a:fld id="{0C929668-19BB-4531-B921-24AC1C4F06E4}" type="datetimeFigureOut">
               <a:rPr lang="zh-TW" altLang="en-US" smtClean="0"/>
-              <a:t>2020/2/22</a:t>
+              <a:t>2021/10/29</a:t>
             </a:fld>
             <a:endParaRPr lang="zh-TW" altLang="en-US"/>
           </a:p>
@@ -3129,7 +3134,7 @@
       </p:grpSpPr>
       <p:sp>
         <p:nvSpPr>
-          <p:cNvPr id="2" name="標題 1"/>
+          <p:cNvPr id="4" name="標題 3"/>
           <p:cNvSpPr>
             <a:spLocks noGrp="1"/>
           </p:cNvSpPr>
@@ -3137,29 +3142,88 @@
             <p:ph type="title"/>
           </p:nvPr>
         </p:nvSpPr>
-        <p:spPr/>
+        <p:spPr>
+          <a:xfrm>
+            <a:off x="0" y="2660915"/>
+            <a:ext cx="12192000" cy="1143000"/>
+          </a:xfrm>
+        </p:spPr>
         <p:txBody>
           <a:bodyPr>
-            <a:normAutofit/>
+            <a:noAutofit/>
           </a:bodyPr>
           <a:lstStyle/>
           <a:p>
             <a:r>
-              <a:rPr lang="zh-TW" altLang="en-US" sz="4800" b="1" dirty="0">
-                <a:solidFill>
-                  <a:srgbClr val="660066"/>
-                </a:solidFill>
+              <a:rPr lang="zh-TW" altLang="en-US" sz="7200" b="1" i="1" dirty="0">
+                <a:solidFill>
+                  <a:srgbClr val="000066"/>
+                </a:solidFill>
+                <a:effectLst>
+                  <a:outerShdw blurRad="38100" dist="38100" dir="2700000" algn="tl">
+                    <a:srgbClr val="000000">
+                      <a:alpha val="43137"/>
+                    </a:srgbClr>
+                  </a:outerShdw>
+                </a:effectLst>
                 <a:latin typeface="微軟正黑體" pitchFamily="34" charset="-120"/>
                 <a:ea typeface="微軟正黑體" pitchFamily="34" charset="-120"/>
               </a:rPr>
-              <a:t>我們呼求</a:t>
-            </a:r>
-          </a:p>
-        </p:txBody>
-      </p:sp>
-      <p:sp>
-        <p:nvSpPr>
-          <p:cNvPr id="3" name="內容版面配置區 2"/>
+              <a:t>我</a:t>
+            </a:r>
+            <a:r>
+              <a:rPr lang="zh-TW" altLang="en-US" sz="7200" b="1" i="1" dirty="0">
+                <a:solidFill>
+                  <a:srgbClr val="000066"/>
+                </a:solidFill>
+                <a:effectLst>
+                  <a:outerShdw blurRad="38100" dist="38100" dir="2700000" algn="tl">
+                    <a:srgbClr val="000000">
+                      <a:alpha val="43137"/>
+                    </a:srgbClr>
+                  </a:outerShdw>
+                </a:effectLst>
+                <a:latin typeface="微軟正黑體" pitchFamily="34" charset="-120"/>
+                <a:ea typeface="微軟正黑體" pitchFamily="34" charset="-120"/>
+              </a:rPr>
+              <a:t>們呼求</a:t>
+            </a:r>
+          </a:p>
+        </p:txBody>
+      </p:sp>
+    </p:spTree>
+    <p:extLst>
+      <p:ext uri="{BB962C8B-B14F-4D97-AF65-F5344CB8AC3E}">
+        <p14:creationId xmlns:p14="http://schemas.microsoft.com/office/powerpoint/2010/main" val="761046598"/>
+      </p:ext>
+    </p:extLst>
+  </p:cSld>
+  <p:clrMapOvr>
+    <a:masterClrMapping/>
+  </p:clrMapOvr>
+</p:sld>
+</file>
+
+<file path=ppt/slides/slide10.xml><?xml version="1.0" encoding="utf-8"?>
+<p:sld xmlns:a="http://schemas.openxmlformats.org/drawingml/2006/main" xmlns:r="http://schemas.openxmlformats.org/officeDocument/2006/relationships" xmlns:p="http://schemas.openxmlformats.org/presentationml/2006/main">
+  <p:cSld>
+    <p:spTree>
+      <p:nvGrpSpPr>
+        <p:cNvPr id="1" name=""/>
+        <p:cNvGrpSpPr/>
+        <p:nvPr/>
+      </p:nvGrpSpPr>
+      <p:grpSpPr>
+        <a:xfrm>
+          <a:off x="0" y="0"/>
+          <a:ext cx="0" cy="0"/>
+          <a:chOff x="0" y="0"/>
+          <a:chExt cx="0" cy="0"/>
+        </a:xfrm>
+      </p:grpSpPr>
+      <p:sp>
+        <p:nvSpPr>
+          <p:cNvPr id="5" name="內容版面配置區 4"/>
           <p:cNvSpPr>
             <a:spLocks noGrp="1"/>
           </p:cNvSpPr>
@@ -3167,7 +3231,12 @@
             <p:ph idx="1"/>
           </p:nvPr>
         </p:nvSpPr>
-        <p:spPr/>
+        <p:spPr>
+          <a:xfrm>
+            <a:off x="0" y="2084851"/>
+            <a:ext cx="12192000" cy="2404863"/>
+          </a:xfrm>
+        </p:spPr>
         <p:txBody>
           <a:bodyPr anchor="ctr">
             <a:normAutofit/>
@@ -3178,18 +3247,219 @@
               <a:buNone/>
             </a:pPr>
             <a:r>
-              <a:rPr lang="zh-TW" altLang="en-US" sz="6000" b="1" dirty="0">
-                <a:solidFill>
-                  <a:srgbClr val="660066"/>
-                </a:solidFill>
+              <a:rPr lang="zh-TW" altLang="en-US" sz="6400" b="1" dirty="0">
+                <a:solidFill>
+                  <a:srgbClr val="000066"/>
+                </a:solidFill>
+                <a:effectLst/>
                 <a:latin typeface="微軟正黑體" pitchFamily="34" charset="-120"/>
                 <a:ea typeface="微軟正黑體" pitchFamily="34" charset="-120"/>
               </a:rPr>
-              <a:t>主我們同心在祢面前 </a:t>
-            </a:r>
-            <a:endParaRPr lang="en-US" altLang="zh-TW" sz="6000" b="1" dirty="0">
+              <a:t>主</a:t>
+            </a:r>
+            <a:r>
+              <a:rPr lang="zh-TW" altLang="en-US" sz="6400" b="1" dirty="0">
+                <a:solidFill>
+                  <a:srgbClr val="000066"/>
+                </a:solidFill>
+                <a:effectLst/>
+                <a:latin typeface="微軟正黑體" pitchFamily="34" charset="-120"/>
+                <a:ea typeface="微軟正黑體" pitchFamily="34" charset="-120"/>
+              </a:rPr>
+              <a:t>我們同心在祢面前 </a:t>
+            </a:r>
+            <a:endParaRPr lang="en-US" altLang="zh-TW" sz="6400" b="1" dirty="0">
               <a:solidFill>
-                <a:srgbClr val="660066"/>
+                <a:srgbClr val="000066"/>
+              </a:solidFill>
+              <a:effectLst/>
+              <a:latin typeface="微軟正黑體" pitchFamily="34" charset="-120"/>
+              <a:ea typeface="微軟正黑體" pitchFamily="34" charset="-120"/>
+            </a:endParaRPr>
+          </a:p>
+          <a:p>
+            <a:pPr algn="ctr">
+              <a:buNone/>
+            </a:pPr>
+            <a:r>
+              <a:rPr lang="zh-TW" altLang="en-US" sz="6400" b="1" dirty="0">
+                <a:solidFill>
+                  <a:srgbClr val="000066"/>
+                </a:solidFill>
+                <a:effectLst/>
+                <a:latin typeface="微軟正黑體" pitchFamily="34" charset="-120"/>
+                <a:ea typeface="微軟正黑體" pitchFamily="34" charset="-120"/>
+              </a:rPr>
+              <a:t>以禱告尋求祢面</a:t>
+            </a:r>
+            <a:endParaRPr lang="en-US" altLang="zh-TW" sz="6400" b="1" dirty="0">
+              <a:solidFill>
+                <a:srgbClr val="000066"/>
+              </a:solidFill>
+              <a:effectLst/>
+              <a:latin typeface="微軟正黑體" pitchFamily="34" charset="-120"/>
+              <a:ea typeface="微軟正黑體" pitchFamily="34" charset="-120"/>
+            </a:endParaRPr>
+          </a:p>
+        </p:txBody>
+      </p:sp>
+      <p:sp>
+        <p:nvSpPr>
+          <p:cNvPr id="3" name="TextBox 2"/>
+          <p:cNvSpPr txBox="1"/>
+          <p:nvPr/>
+        </p:nvSpPr>
+        <p:spPr>
+          <a:xfrm>
+            <a:off x="0" y="5061182"/>
+            <a:ext cx="12192000" cy="830997"/>
+          </a:xfrm>
+          <a:prstGeom prst="rect">
+            <a:avLst/>
+          </a:prstGeom>
+          <a:noFill/>
+        </p:spPr>
+        <p:txBody>
+          <a:bodyPr wrap="square" rtlCol="0">
+            <a:spAutoFit/>
+          </a:bodyPr>
+          <a:lstStyle/>
+          <a:p>
+            <a:pPr algn="ctr"/>
+            <a:r>
+              <a:rPr lang="en-US" sz="4800" b="1" dirty="0">
+                <a:solidFill>
+                  <a:srgbClr val="000066"/>
+                </a:solidFill>
+                <a:effectLst/>
+                <a:latin typeface="Microsoft JhengHei" panose="020B0604030504040204" pitchFamily="34" charset="-120"/>
+                <a:ea typeface="Microsoft JhengHei" panose="020B0604030504040204" pitchFamily="34" charset="-120"/>
+              </a:rPr>
+              <a:t>( </a:t>
+            </a:r>
+            <a:r>
+              <a:rPr lang="zh-CN" altLang="en-US" sz="4800" b="1" dirty="0">
+                <a:solidFill>
+                  <a:srgbClr val="000066"/>
+                </a:solidFill>
+                <a:effectLst/>
+                <a:latin typeface="Microsoft JhengHei" panose="020B0604030504040204" pitchFamily="34" charset="-120"/>
+                <a:ea typeface="Microsoft JhengHei" panose="020B0604030504040204" pitchFamily="34" charset="-120"/>
+              </a:rPr>
+              <a:t>正</a:t>
+            </a:r>
+            <a:r>
+              <a:rPr lang="en-US" altLang="zh-CN" sz="4800" b="1" dirty="0">
+                <a:solidFill>
+                  <a:srgbClr val="000066"/>
+                </a:solidFill>
+                <a:effectLst/>
+                <a:latin typeface="Microsoft JhengHei" panose="020B0604030504040204" pitchFamily="34" charset="-120"/>
+                <a:ea typeface="Microsoft JhengHei" panose="020B0604030504040204" pitchFamily="34" charset="-120"/>
+              </a:rPr>
+              <a:t> 2</a:t>
+            </a:r>
+            <a:r>
+              <a:rPr lang="zh-CN" altLang="en-US" sz="4800" b="1" dirty="0">
+                <a:solidFill>
+                  <a:srgbClr val="000066"/>
+                </a:solidFill>
+                <a:effectLst/>
+                <a:latin typeface="Microsoft JhengHei" panose="020B0604030504040204" pitchFamily="34" charset="-120"/>
+                <a:ea typeface="Microsoft JhengHei" panose="020B0604030504040204" pitchFamily="34" charset="-120"/>
+              </a:rPr>
+              <a:t> </a:t>
+            </a:r>
+            <a:r>
+              <a:rPr lang="en-US" sz="4800" b="1" dirty="0">
+                <a:solidFill>
+                  <a:srgbClr val="000066"/>
+                </a:solidFill>
+                <a:effectLst/>
+                <a:latin typeface="Microsoft JhengHei" panose="020B0604030504040204" pitchFamily="34" charset="-120"/>
+                <a:ea typeface="Microsoft JhengHei" panose="020B0604030504040204" pitchFamily="34" charset="-120"/>
+              </a:rPr>
+              <a:t>)</a:t>
+            </a:r>
+            <a:endParaRPr lang="vi-VN" sz="4800" b="1" dirty="0">
+              <a:solidFill>
+                <a:srgbClr val="000066"/>
+              </a:solidFill>
+              <a:effectLst/>
+              <a:latin typeface="Microsoft JhengHei" panose="020B0604030504040204" pitchFamily="34" charset="-120"/>
+              <a:ea typeface="Microsoft JhengHei" panose="020B0604030504040204" pitchFamily="34" charset="-120"/>
+            </a:endParaRPr>
+          </a:p>
+        </p:txBody>
+      </p:sp>
+    </p:spTree>
+    <p:extLst>
+      <p:ext uri="{BB962C8B-B14F-4D97-AF65-F5344CB8AC3E}">
+        <p14:creationId xmlns:p14="http://schemas.microsoft.com/office/powerpoint/2010/main" val="2028713343"/>
+      </p:ext>
+    </p:extLst>
+  </p:cSld>
+  <p:clrMapOvr>
+    <a:masterClrMapping/>
+  </p:clrMapOvr>
+</p:sld>
+</file>
+
+<file path=ppt/slides/slide11.xml><?xml version="1.0" encoding="utf-8"?>
+<p:sld xmlns:a="http://schemas.openxmlformats.org/drawingml/2006/main" xmlns:r="http://schemas.openxmlformats.org/officeDocument/2006/relationships" xmlns:p="http://schemas.openxmlformats.org/presentationml/2006/main">
+  <p:cSld>
+    <p:spTree>
+      <p:nvGrpSpPr>
+        <p:cNvPr id="1" name=""/>
+        <p:cNvGrpSpPr/>
+        <p:nvPr/>
+      </p:nvGrpSpPr>
+      <p:grpSpPr>
+        <a:xfrm>
+          <a:off x="0" y="0"/>
+          <a:ext cx="0" cy="0"/>
+          <a:chOff x="0" y="0"/>
+          <a:chExt cx="0" cy="0"/>
+        </a:xfrm>
+      </p:grpSpPr>
+      <p:sp>
+        <p:nvSpPr>
+          <p:cNvPr id="5" name="內容版面配置區 4"/>
+          <p:cNvSpPr>
+            <a:spLocks noGrp="1"/>
+          </p:cNvSpPr>
+          <p:nvPr>
+            <p:ph idx="1"/>
+          </p:nvPr>
+        </p:nvSpPr>
+        <p:spPr>
+          <a:xfrm>
+            <a:off x="0" y="2084851"/>
+            <a:ext cx="12192000" cy="2404863"/>
+          </a:xfrm>
+        </p:spPr>
+        <p:txBody>
+          <a:bodyPr anchor="ctr">
+            <a:normAutofit/>
+          </a:bodyPr>
+          <a:lstStyle/>
+          <a:p>
+            <a:pPr algn="ctr">
+              <a:buNone/>
+            </a:pPr>
+            <a:r>
+              <a:rPr lang="zh-TW" altLang="en-US" sz="6400" b="1" dirty="0">
+                <a:solidFill>
+                  <a:srgbClr val="000066"/>
+                </a:solidFill>
+                <a:latin typeface="微軟正黑體" pitchFamily="34" charset="-120"/>
+                <a:ea typeface="微軟正黑體" pitchFamily="34" charset="-120"/>
+              </a:rPr>
+              <a:t>我們轉離所有的惡行 </a:t>
+            </a:r>
+            <a:endParaRPr lang="en-US" altLang="zh-TW" sz="6400" b="1" dirty="0">
+              <a:solidFill>
+                <a:srgbClr val="000066"/>
               </a:solidFill>
               <a:latin typeface="微軟正黑體" pitchFamily="34" charset="-120"/>
               <a:ea typeface="微軟正黑體" pitchFamily="34" charset="-120"/>
@@ -3200,38 +3470,183 @@
               <a:buNone/>
             </a:pPr>
             <a:r>
-              <a:rPr lang="zh-TW" altLang="en-US" sz="6000" b="1" dirty="0">
-                <a:solidFill>
-                  <a:srgbClr val="660066"/>
+              <a:rPr lang="zh-TW" altLang="en-US" sz="6400" b="1" dirty="0">
+                <a:solidFill>
+                  <a:srgbClr val="000066"/>
                 </a:solidFill>
                 <a:latin typeface="微軟正黑體" pitchFamily="34" charset="-120"/>
                 <a:ea typeface="微軟正黑體" pitchFamily="34" charset="-120"/>
               </a:rPr>
-              <a:t>以</a:t>
-            </a:r>
-            <a:r>
-              <a:rPr lang="zh-TW" altLang="en-US" sz="6000" b="1" dirty="0">
-                <a:solidFill>
-                  <a:srgbClr val="660066"/>
+              <a:t>定意單單跟隨祢</a:t>
+            </a:r>
+            <a:endParaRPr lang="en-US" altLang="zh-TW" sz="6400" b="1" dirty="0">
+              <a:solidFill>
+                <a:srgbClr val="000066"/>
+              </a:solidFill>
+              <a:effectLst/>
+              <a:latin typeface="微軟正黑體" pitchFamily="34" charset="-120"/>
+              <a:ea typeface="微軟正黑體" pitchFamily="34" charset="-120"/>
+            </a:endParaRPr>
+          </a:p>
+        </p:txBody>
+      </p:sp>
+      <p:sp>
+        <p:nvSpPr>
+          <p:cNvPr id="3" name="TextBox 2"/>
+          <p:cNvSpPr txBox="1"/>
+          <p:nvPr/>
+        </p:nvSpPr>
+        <p:spPr>
+          <a:xfrm>
+            <a:off x="0" y="5061182"/>
+            <a:ext cx="12192000" cy="830997"/>
+          </a:xfrm>
+          <a:prstGeom prst="rect">
+            <a:avLst/>
+          </a:prstGeom>
+          <a:noFill/>
+        </p:spPr>
+        <p:txBody>
+          <a:bodyPr wrap="square" rtlCol="0">
+            <a:spAutoFit/>
+          </a:bodyPr>
+          <a:lstStyle/>
+          <a:p>
+            <a:pPr algn="ctr"/>
+            <a:r>
+              <a:rPr lang="en-US" sz="4800" b="1" dirty="0">
+                <a:solidFill>
+                  <a:srgbClr val="000066"/>
+                </a:solidFill>
+                <a:effectLst/>
+                <a:latin typeface="Microsoft JhengHei" panose="020B0604030504040204" pitchFamily="34" charset="-120"/>
+                <a:ea typeface="Microsoft JhengHei" panose="020B0604030504040204" pitchFamily="34" charset="-120"/>
+              </a:rPr>
+              <a:t>( </a:t>
+            </a:r>
+            <a:r>
+              <a:rPr lang="zh-CN" altLang="en-US" sz="4800" b="1" dirty="0">
+                <a:solidFill>
+                  <a:srgbClr val="000066"/>
+                </a:solidFill>
+                <a:effectLst/>
+                <a:latin typeface="Microsoft JhengHei" panose="020B0604030504040204" pitchFamily="34" charset="-120"/>
+                <a:ea typeface="Microsoft JhengHei" panose="020B0604030504040204" pitchFamily="34" charset="-120"/>
+              </a:rPr>
+              <a:t>正</a:t>
+            </a:r>
+            <a:r>
+              <a:rPr lang="en-US" altLang="zh-CN" sz="4800" b="1" dirty="0">
+                <a:solidFill>
+                  <a:srgbClr val="000066"/>
+                </a:solidFill>
+                <a:effectLst/>
+                <a:latin typeface="Microsoft JhengHei" panose="020B0604030504040204" pitchFamily="34" charset="-120"/>
+                <a:ea typeface="Microsoft JhengHei" panose="020B0604030504040204" pitchFamily="34" charset="-120"/>
+              </a:rPr>
+              <a:t> 2</a:t>
+            </a:r>
+            <a:r>
+              <a:rPr lang="zh-CN" altLang="en-US" sz="4800" b="1" dirty="0">
+                <a:solidFill>
+                  <a:srgbClr val="000066"/>
+                </a:solidFill>
+                <a:effectLst/>
+                <a:latin typeface="Microsoft JhengHei" panose="020B0604030504040204" pitchFamily="34" charset="-120"/>
+                <a:ea typeface="Microsoft JhengHei" panose="020B0604030504040204" pitchFamily="34" charset="-120"/>
+              </a:rPr>
+              <a:t> </a:t>
+            </a:r>
+            <a:r>
+              <a:rPr lang="en-US" sz="4800" b="1" dirty="0">
+                <a:solidFill>
+                  <a:srgbClr val="000066"/>
+                </a:solidFill>
+                <a:effectLst/>
+                <a:latin typeface="Microsoft JhengHei" panose="020B0604030504040204" pitchFamily="34" charset="-120"/>
+                <a:ea typeface="Microsoft JhengHei" panose="020B0604030504040204" pitchFamily="34" charset="-120"/>
+              </a:rPr>
+              <a:t>)</a:t>
+            </a:r>
+            <a:endParaRPr lang="vi-VN" sz="4800" b="1" dirty="0">
+              <a:solidFill>
+                <a:srgbClr val="000066"/>
+              </a:solidFill>
+              <a:effectLst/>
+              <a:latin typeface="Microsoft JhengHei" panose="020B0604030504040204" pitchFamily="34" charset="-120"/>
+              <a:ea typeface="Microsoft JhengHei" panose="020B0604030504040204" pitchFamily="34" charset="-120"/>
+            </a:endParaRPr>
+          </a:p>
+        </p:txBody>
+      </p:sp>
+    </p:spTree>
+    <p:extLst>
+      <p:ext uri="{BB962C8B-B14F-4D97-AF65-F5344CB8AC3E}">
+        <p14:creationId xmlns:p14="http://schemas.microsoft.com/office/powerpoint/2010/main" val="637127360"/>
+      </p:ext>
+    </p:extLst>
+  </p:cSld>
+  <p:clrMapOvr>
+    <a:masterClrMapping/>
+  </p:clrMapOvr>
+</p:sld>
+</file>
+
+<file path=ppt/slides/slide12.xml><?xml version="1.0" encoding="utf-8"?>
+<p:sld xmlns:a="http://schemas.openxmlformats.org/drawingml/2006/main" xmlns:r="http://schemas.openxmlformats.org/officeDocument/2006/relationships" xmlns:p="http://schemas.openxmlformats.org/presentationml/2006/main">
+  <p:cSld>
+    <p:spTree>
+      <p:nvGrpSpPr>
+        <p:cNvPr id="1" name=""/>
+        <p:cNvGrpSpPr/>
+        <p:nvPr/>
+      </p:nvGrpSpPr>
+      <p:grpSpPr>
+        <a:xfrm>
+          <a:off x="0" y="0"/>
+          <a:ext cx="0" cy="0"/>
+          <a:chOff x="0" y="0"/>
+          <a:chExt cx="0" cy="0"/>
+        </a:xfrm>
+      </p:grpSpPr>
+      <p:sp>
+        <p:nvSpPr>
+          <p:cNvPr id="5" name="內容版面配置區 4"/>
+          <p:cNvSpPr>
+            <a:spLocks noGrp="1"/>
+          </p:cNvSpPr>
+          <p:nvPr>
+            <p:ph idx="1"/>
+          </p:nvPr>
+        </p:nvSpPr>
+        <p:spPr>
+          <a:xfrm>
+            <a:off x="0" y="2084851"/>
+            <a:ext cx="12192000" cy="2404863"/>
+          </a:xfrm>
+        </p:spPr>
+        <p:txBody>
+          <a:bodyPr anchor="ctr">
+            <a:normAutofit/>
+          </a:bodyPr>
+          <a:lstStyle/>
+          <a:p>
+            <a:pPr algn="ctr">
+              <a:buNone/>
+            </a:pPr>
+            <a:r>
+              <a:rPr lang="zh-TW" altLang="en-US" sz="6400" b="1" dirty="0">
+                <a:solidFill>
+                  <a:srgbClr val="000066"/>
                 </a:solidFill>
                 <a:latin typeface="微軟正黑體" pitchFamily="34" charset="-120"/>
                 <a:ea typeface="微軟正黑體" pitchFamily="34" charset="-120"/>
               </a:rPr>
-              <a:t>禱告尋求祢</a:t>
-            </a:r>
-            <a:r>
-              <a:rPr lang="zh-TW" altLang="en-US" sz="6000" b="1" dirty="0" smtClean="0">
-                <a:solidFill>
-                  <a:srgbClr val="660066"/>
-                </a:solidFill>
-                <a:latin typeface="微軟正黑體" pitchFamily="34" charset="-120"/>
-                <a:ea typeface="微軟正黑體" pitchFamily="34" charset="-120"/>
-              </a:rPr>
-              <a:t>面</a:t>
-            </a:r>
-            <a:endParaRPr lang="en-US" altLang="zh-TW" sz="6000" b="1" dirty="0">
+              <a:t>主我們國家是屬於祢</a:t>
+            </a:r>
+            <a:endParaRPr lang="en-US" altLang="zh-TW" sz="6400" b="1" dirty="0">
               <a:solidFill>
-                <a:srgbClr val="660066"/>
+                <a:srgbClr val="000066"/>
               </a:solidFill>
               <a:latin typeface="微軟正黑體" pitchFamily="34" charset="-120"/>
               <a:ea typeface="微軟正黑體" pitchFamily="34" charset="-120"/>
@@ -3242,78 +3657,306 @@
               <a:buNone/>
             </a:pPr>
             <a:r>
-              <a:rPr lang="zh-TW" altLang="en-US" sz="6000" b="1" dirty="0">
-                <a:solidFill>
-                  <a:srgbClr val="660066"/>
+              <a:rPr lang="zh-TW" altLang="en-US" sz="6400" b="1" dirty="0">
+                <a:solidFill>
+                  <a:srgbClr val="000066"/>
                 </a:solidFill>
                 <a:latin typeface="微軟正黑體" pitchFamily="34" charset="-120"/>
                 <a:ea typeface="微軟正黑體" pitchFamily="34" charset="-120"/>
               </a:rPr>
-              <a:t>我們</a:t>
-            </a:r>
-            <a:r>
-              <a:rPr lang="zh-TW" altLang="en-US" sz="6000" b="1" dirty="0">
-                <a:solidFill>
-                  <a:srgbClr val="660066"/>
-                </a:solidFill>
-                <a:latin typeface="微軟正黑體" pitchFamily="34" charset="-120"/>
-                <a:ea typeface="微軟正黑體" pitchFamily="34" charset="-120"/>
-              </a:rPr>
-              <a:t>轉離所有的惡行 </a:t>
-            </a:r>
-            <a:endParaRPr lang="en-US" altLang="zh-TW" sz="6000" b="1" dirty="0">
+              <a:t>求祢來掌管全地</a:t>
+            </a:r>
+            <a:endParaRPr lang="en-US" altLang="zh-TW" sz="6400" b="1" dirty="0">
               <a:solidFill>
-                <a:srgbClr val="660066"/>
+                <a:srgbClr val="000066"/>
               </a:solidFill>
               <a:latin typeface="微軟正黑體" pitchFamily="34" charset="-120"/>
               <a:ea typeface="微軟正黑體" pitchFamily="34" charset="-120"/>
             </a:endParaRPr>
           </a:p>
+        </p:txBody>
+      </p:sp>
+      <p:sp>
+        <p:nvSpPr>
+          <p:cNvPr id="3" name="TextBox 2"/>
+          <p:cNvSpPr txBox="1"/>
+          <p:nvPr/>
+        </p:nvSpPr>
+        <p:spPr>
+          <a:xfrm>
+            <a:off x="0" y="5061182"/>
+            <a:ext cx="12192000" cy="830997"/>
+          </a:xfrm>
+          <a:prstGeom prst="rect">
+            <a:avLst/>
+          </a:prstGeom>
+          <a:noFill/>
+        </p:spPr>
+        <p:txBody>
+          <a:bodyPr wrap="square" rtlCol="0">
+            <a:spAutoFit/>
+          </a:bodyPr>
+          <a:lstStyle/>
+          <a:p>
+            <a:pPr algn="ctr"/>
+            <a:r>
+              <a:rPr lang="en-US" sz="4800" b="1" dirty="0">
+                <a:solidFill>
+                  <a:srgbClr val="000066"/>
+                </a:solidFill>
+                <a:effectLst/>
+                <a:latin typeface="Microsoft JhengHei" panose="020B0604030504040204" pitchFamily="34" charset="-120"/>
+                <a:ea typeface="Microsoft JhengHei" panose="020B0604030504040204" pitchFamily="34" charset="-120"/>
+              </a:rPr>
+              <a:t>( </a:t>
+            </a:r>
+            <a:r>
+              <a:rPr lang="zh-CN" altLang="en-US" sz="4800" b="1" dirty="0">
+                <a:solidFill>
+                  <a:srgbClr val="000066"/>
+                </a:solidFill>
+                <a:effectLst/>
+                <a:latin typeface="Microsoft JhengHei" panose="020B0604030504040204" pitchFamily="34" charset="-120"/>
+                <a:ea typeface="Microsoft JhengHei" panose="020B0604030504040204" pitchFamily="34" charset="-120"/>
+              </a:rPr>
+              <a:t>正</a:t>
+            </a:r>
+            <a:r>
+              <a:rPr lang="en-US" altLang="zh-CN" sz="4800" b="1" dirty="0">
+                <a:solidFill>
+                  <a:srgbClr val="000066"/>
+                </a:solidFill>
+                <a:effectLst/>
+                <a:latin typeface="Microsoft JhengHei" panose="020B0604030504040204" pitchFamily="34" charset="-120"/>
+                <a:ea typeface="Microsoft JhengHei" panose="020B0604030504040204" pitchFamily="34" charset="-120"/>
+              </a:rPr>
+              <a:t> 2</a:t>
+            </a:r>
+            <a:r>
+              <a:rPr lang="zh-CN" altLang="en-US" sz="4800" b="1" dirty="0">
+                <a:solidFill>
+                  <a:srgbClr val="000066"/>
+                </a:solidFill>
+                <a:effectLst/>
+                <a:latin typeface="Microsoft JhengHei" panose="020B0604030504040204" pitchFamily="34" charset="-120"/>
+                <a:ea typeface="Microsoft JhengHei" panose="020B0604030504040204" pitchFamily="34" charset="-120"/>
+              </a:rPr>
+              <a:t> </a:t>
+            </a:r>
+            <a:r>
+              <a:rPr lang="en-US" sz="4800" b="1" dirty="0">
+                <a:solidFill>
+                  <a:srgbClr val="000066"/>
+                </a:solidFill>
+                <a:effectLst/>
+                <a:latin typeface="Microsoft JhengHei" panose="020B0604030504040204" pitchFamily="34" charset="-120"/>
+                <a:ea typeface="Microsoft JhengHei" panose="020B0604030504040204" pitchFamily="34" charset="-120"/>
+              </a:rPr>
+              <a:t>)</a:t>
+            </a:r>
+            <a:endParaRPr lang="vi-VN" sz="4800" b="1" dirty="0">
+              <a:solidFill>
+                <a:srgbClr val="000066"/>
+              </a:solidFill>
+              <a:effectLst/>
+              <a:latin typeface="Microsoft JhengHei" panose="020B0604030504040204" pitchFamily="34" charset="-120"/>
+              <a:ea typeface="Microsoft JhengHei" panose="020B0604030504040204" pitchFamily="34" charset="-120"/>
+            </a:endParaRPr>
+          </a:p>
+        </p:txBody>
+      </p:sp>
+    </p:spTree>
+    <p:extLst>
+      <p:ext uri="{BB962C8B-B14F-4D97-AF65-F5344CB8AC3E}">
+        <p14:creationId xmlns:p14="http://schemas.microsoft.com/office/powerpoint/2010/main" val="1262808935"/>
+      </p:ext>
+    </p:extLst>
+  </p:cSld>
+  <p:clrMapOvr>
+    <a:masterClrMapping/>
+  </p:clrMapOvr>
+</p:sld>
+</file>
+
+<file path=ppt/slides/slide13.xml><?xml version="1.0" encoding="utf-8"?>
+<p:sld xmlns:a="http://schemas.openxmlformats.org/drawingml/2006/main" xmlns:r="http://schemas.openxmlformats.org/officeDocument/2006/relationships" xmlns:p="http://schemas.openxmlformats.org/presentationml/2006/main">
+  <p:cSld>
+    <p:spTree>
+      <p:nvGrpSpPr>
+        <p:cNvPr id="1" name=""/>
+        <p:cNvGrpSpPr/>
+        <p:nvPr/>
+      </p:nvGrpSpPr>
+      <p:grpSpPr>
+        <a:xfrm>
+          <a:off x="0" y="0"/>
+          <a:ext cx="0" cy="0"/>
+          <a:chOff x="0" y="0"/>
+          <a:chExt cx="0" cy="0"/>
+        </a:xfrm>
+      </p:grpSpPr>
+      <p:sp>
+        <p:nvSpPr>
+          <p:cNvPr id="5" name="內容版面配置區 4"/>
+          <p:cNvSpPr>
+            <a:spLocks noGrp="1"/>
+          </p:cNvSpPr>
+          <p:nvPr>
+            <p:ph idx="1"/>
+          </p:nvPr>
+        </p:nvSpPr>
+        <p:spPr>
+          <a:xfrm>
+            <a:off x="0" y="2084851"/>
+            <a:ext cx="12192000" cy="2404863"/>
+          </a:xfrm>
+        </p:spPr>
+        <p:txBody>
+          <a:bodyPr anchor="ctr">
+            <a:normAutofit/>
+          </a:bodyPr>
+          <a:lstStyle/>
           <a:p>
             <a:pPr algn="ctr">
               <a:buNone/>
             </a:pPr>
             <a:r>
-              <a:rPr lang="zh-TW" altLang="en-US" sz="6000" b="1" dirty="0">
-                <a:solidFill>
-                  <a:srgbClr val="660066"/>
+              <a:rPr lang="zh-TW" altLang="en-US" sz="6400" b="1" dirty="0">
+                <a:solidFill>
+                  <a:srgbClr val="000066"/>
                 </a:solidFill>
                 <a:latin typeface="微軟正黑體" pitchFamily="34" charset="-120"/>
                 <a:ea typeface="微軟正黑體" pitchFamily="34" charset="-120"/>
               </a:rPr>
-              <a:t>定</a:t>
-            </a:r>
-            <a:r>
-              <a:rPr lang="zh-TW" altLang="en-US" sz="6000" b="1" dirty="0">
-                <a:solidFill>
-                  <a:srgbClr val="660066"/>
-                </a:solidFill>
-                <a:latin typeface="微軟正黑體" pitchFamily="34" charset="-120"/>
-                <a:ea typeface="微軟正黑體" pitchFamily="34" charset="-120"/>
-              </a:rPr>
-              <a:t>意單單跟隨</a:t>
-            </a:r>
-            <a:r>
-              <a:rPr lang="zh-TW" altLang="en-US" sz="6000" b="1" dirty="0" smtClean="0">
-                <a:solidFill>
-                  <a:srgbClr val="660066"/>
-                </a:solidFill>
-                <a:latin typeface="微軟正黑體" pitchFamily="34" charset="-120"/>
-                <a:ea typeface="微軟正黑體" pitchFamily="34" charset="-120"/>
-              </a:rPr>
-              <a:t>祢</a:t>
-            </a:r>
-            <a:endParaRPr lang="zh-TW" altLang="en-US" sz="6000" b="1" dirty="0">
+              <a:t>願祢來憐憫醫治這地</a:t>
+            </a:r>
+            <a:endParaRPr lang="en-US" altLang="zh-TW" sz="6400" b="1" dirty="0">
               <a:solidFill>
-                <a:srgbClr val="660066"/>
+                <a:srgbClr val="000066"/>
               </a:solidFill>
               <a:latin typeface="微軟正黑體" pitchFamily="34" charset="-120"/>
               <a:ea typeface="微軟正黑體" pitchFamily="34" charset="-120"/>
             </a:endParaRPr>
           </a:p>
+          <a:p>
+            <a:pPr algn="ctr">
+              <a:buNone/>
+            </a:pPr>
+            <a:r>
+              <a:rPr lang="zh-TW" altLang="en-US" sz="6400" b="1" dirty="0">
+                <a:solidFill>
+                  <a:srgbClr val="000066"/>
+                </a:solidFill>
+                <a:latin typeface="微軟正黑體" pitchFamily="34" charset="-120"/>
+                <a:ea typeface="微軟正黑體" pitchFamily="34" charset="-120"/>
+              </a:rPr>
+              <a:t>榮耀再次降臨</a:t>
+            </a:r>
+            <a:endParaRPr lang="zh-TW" altLang="en-US" sz="6400" b="1" dirty="0">
+              <a:solidFill>
+                <a:srgbClr val="000066"/>
+              </a:solidFill>
+              <a:latin typeface="微軟正黑體" pitchFamily="34" charset="-120"/>
+              <a:ea typeface="微軟正黑體" pitchFamily="34" charset="-120"/>
+            </a:endParaRPr>
+          </a:p>
+        </p:txBody>
+      </p:sp>
+      <p:sp>
+        <p:nvSpPr>
+          <p:cNvPr id="3" name="TextBox 2"/>
+          <p:cNvSpPr txBox="1"/>
+          <p:nvPr/>
+        </p:nvSpPr>
+        <p:spPr>
+          <a:xfrm>
+            <a:off x="0" y="5061182"/>
+            <a:ext cx="12192000" cy="830997"/>
+          </a:xfrm>
+          <a:prstGeom prst="rect">
+            <a:avLst/>
+          </a:prstGeom>
+          <a:noFill/>
+        </p:spPr>
+        <p:txBody>
+          <a:bodyPr wrap="square" rtlCol="0">
+            <a:spAutoFit/>
+          </a:bodyPr>
+          <a:lstStyle/>
+          <a:p>
+            <a:pPr algn="ctr"/>
+            <a:r>
+              <a:rPr lang="en-US" sz="4800" b="1" dirty="0">
+                <a:solidFill>
+                  <a:srgbClr val="000066"/>
+                </a:solidFill>
+                <a:effectLst/>
+                <a:latin typeface="Microsoft JhengHei" panose="020B0604030504040204" pitchFamily="34" charset="-120"/>
+                <a:ea typeface="Microsoft JhengHei" panose="020B0604030504040204" pitchFamily="34" charset="-120"/>
+              </a:rPr>
+              <a:t>( </a:t>
+            </a:r>
+            <a:r>
+              <a:rPr lang="zh-CN" altLang="en-US" sz="4800" b="1" dirty="0">
+                <a:solidFill>
+                  <a:srgbClr val="000066"/>
+                </a:solidFill>
+                <a:effectLst/>
+                <a:latin typeface="Microsoft JhengHei" panose="020B0604030504040204" pitchFamily="34" charset="-120"/>
+                <a:ea typeface="Microsoft JhengHei" panose="020B0604030504040204" pitchFamily="34" charset="-120"/>
+              </a:rPr>
+              <a:t>正</a:t>
+            </a:r>
+            <a:r>
+              <a:rPr lang="en-US" altLang="zh-CN" sz="4800" b="1" dirty="0">
+                <a:solidFill>
+                  <a:srgbClr val="000066"/>
+                </a:solidFill>
+                <a:effectLst/>
+                <a:latin typeface="Microsoft JhengHei" panose="020B0604030504040204" pitchFamily="34" charset="-120"/>
+                <a:ea typeface="Microsoft JhengHei" panose="020B0604030504040204" pitchFamily="34" charset="-120"/>
+              </a:rPr>
+              <a:t> 2</a:t>
+            </a:r>
+            <a:r>
+              <a:rPr lang="zh-CN" altLang="en-US" sz="4800" b="1" dirty="0">
+                <a:solidFill>
+                  <a:srgbClr val="000066"/>
+                </a:solidFill>
+                <a:effectLst/>
+                <a:latin typeface="Microsoft JhengHei" panose="020B0604030504040204" pitchFamily="34" charset="-120"/>
+                <a:ea typeface="Microsoft JhengHei" panose="020B0604030504040204" pitchFamily="34" charset="-120"/>
+              </a:rPr>
+              <a:t> </a:t>
+            </a:r>
+            <a:r>
+              <a:rPr lang="en-US" sz="4800" b="1" dirty="0">
+                <a:solidFill>
+                  <a:srgbClr val="000066"/>
+                </a:solidFill>
+                <a:effectLst/>
+                <a:latin typeface="Microsoft JhengHei" panose="020B0604030504040204" pitchFamily="34" charset="-120"/>
+                <a:ea typeface="Microsoft JhengHei" panose="020B0604030504040204" pitchFamily="34" charset="-120"/>
+              </a:rPr>
+              <a:t>)</a:t>
+            </a:r>
+            <a:endParaRPr lang="vi-VN" sz="4800" b="1" dirty="0">
+              <a:solidFill>
+                <a:srgbClr val="000066"/>
+              </a:solidFill>
+              <a:effectLst/>
+              <a:latin typeface="Microsoft JhengHei" panose="020B0604030504040204" pitchFamily="34" charset="-120"/>
+              <a:ea typeface="Microsoft JhengHei" panose="020B0604030504040204" pitchFamily="34" charset="-120"/>
+            </a:endParaRPr>
+          </a:p>
         </p:txBody>
       </p:sp>
     </p:spTree>
+    <p:extLst>
+      <p:ext uri="{BB962C8B-B14F-4D97-AF65-F5344CB8AC3E}">
+        <p14:creationId xmlns:p14="http://schemas.microsoft.com/office/powerpoint/2010/main" val="205175373"/>
+      </p:ext>
+    </p:extLst>
   </p:cSld>
   <p:clrMapOvr>
     <a:masterClrMapping/>
@@ -3340,37 +3983,7 @@
       </p:grpSpPr>
       <p:sp>
         <p:nvSpPr>
-          <p:cNvPr id="2" name="標題 1"/>
-          <p:cNvSpPr>
-            <a:spLocks noGrp="1"/>
-          </p:cNvSpPr>
-          <p:nvPr>
-            <p:ph type="title"/>
-          </p:nvPr>
-        </p:nvSpPr>
-        <p:spPr/>
-        <p:txBody>
-          <a:bodyPr>
-            <a:normAutofit/>
-          </a:bodyPr>
-          <a:lstStyle/>
-          <a:p>
-            <a:r>
-              <a:rPr lang="zh-TW" altLang="en-US" sz="4800" b="1" dirty="0">
-                <a:solidFill>
-                  <a:srgbClr val="660066"/>
-                </a:solidFill>
-                <a:latin typeface="微軟正黑體" pitchFamily="34" charset="-120"/>
-                <a:ea typeface="微軟正黑體" pitchFamily="34" charset="-120"/>
-              </a:rPr>
-              <a:t>我們呼求</a:t>
-            </a:r>
-          </a:p>
-        </p:txBody>
-      </p:sp>
-      <p:sp>
-        <p:nvSpPr>
-          <p:cNvPr id="3" name="內容版面配置區 2"/>
+          <p:cNvPr id="5" name="內容版面配置區 4"/>
           <p:cNvSpPr>
             <a:spLocks noGrp="1"/>
           </p:cNvSpPr>
@@ -3378,7 +3991,12 @@
             <p:ph idx="1"/>
           </p:nvPr>
         </p:nvSpPr>
-        <p:spPr/>
+        <p:spPr>
+          <a:xfrm>
+            <a:off x="0" y="2084851"/>
+            <a:ext cx="12192000" cy="2404863"/>
+          </a:xfrm>
+        </p:spPr>
         <p:txBody>
           <a:bodyPr anchor="ctr">
             <a:normAutofit/>
@@ -3389,19 +4007,32 @@
               <a:buNone/>
             </a:pPr>
             <a:r>
-              <a:rPr lang="zh-TW" altLang="en-US" sz="6000" b="1" dirty="0">
-                <a:solidFill>
-                  <a:srgbClr val="660066"/>
-                </a:solidFill>
+              <a:rPr lang="zh-TW" altLang="en-US" sz="6400" b="1" dirty="0">
+                <a:solidFill>
+                  <a:srgbClr val="000066"/>
+                </a:solidFill>
+                <a:effectLst/>
                 <a:latin typeface="微軟正黑體" pitchFamily="34" charset="-120"/>
                 <a:ea typeface="微軟正黑體" pitchFamily="34" charset="-120"/>
               </a:rPr>
-              <a:t>主我們是屬祢的子民 </a:t>
-            </a:r>
-            <a:endParaRPr lang="en-US" altLang="zh-TW" sz="6000" b="1" dirty="0">
+              <a:t>主</a:t>
+            </a:r>
+            <a:r>
+              <a:rPr lang="zh-TW" altLang="en-US" sz="6400" b="1" dirty="0">
+                <a:solidFill>
+                  <a:srgbClr val="000066"/>
+                </a:solidFill>
+                <a:effectLst/>
+                <a:latin typeface="微軟正黑體" pitchFamily="34" charset="-120"/>
+                <a:ea typeface="微軟正黑體" pitchFamily="34" charset="-120"/>
+              </a:rPr>
+              <a:t>我們同心在祢面前 </a:t>
+            </a:r>
+            <a:endParaRPr lang="en-US" altLang="zh-TW" sz="6400" b="1" dirty="0">
               <a:solidFill>
-                <a:srgbClr val="660066"/>
+                <a:srgbClr val="000066"/>
               </a:solidFill>
+              <a:effectLst/>
               <a:latin typeface="微軟正黑體" pitchFamily="34" charset="-120"/>
               <a:ea typeface="微軟正黑體" pitchFamily="34" charset="-120"/>
             </a:endParaRPr>
@@ -3411,90 +4042,122 @@
               <a:buNone/>
             </a:pPr>
             <a:r>
-              <a:rPr lang="zh-TW" altLang="en-US" sz="6000" b="1" dirty="0">
-                <a:solidFill>
-                  <a:srgbClr val="660066"/>
-                </a:solidFill>
+              <a:rPr lang="zh-TW" altLang="en-US" sz="6400" b="1" dirty="0">
+                <a:solidFill>
+                  <a:srgbClr val="000066"/>
+                </a:solidFill>
+                <a:effectLst/>
                 <a:latin typeface="微軟正黑體" pitchFamily="34" charset="-120"/>
                 <a:ea typeface="微軟正黑體" pitchFamily="34" charset="-120"/>
               </a:rPr>
-              <a:t>求賜下父神的</a:t>
-            </a:r>
-            <a:r>
-              <a:rPr lang="zh-TW" altLang="en-US" sz="6000" b="1" dirty="0" smtClean="0">
-                <a:solidFill>
-                  <a:srgbClr val="660066"/>
-                </a:solidFill>
-                <a:latin typeface="微軟正黑體" pitchFamily="34" charset="-120"/>
-                <a:ea typeface="微軟正黑體" pitchFamily="34" charset="-120"/>
-              </a:rPr>
-              <a:t>心</a:t>
-            </a:r>
-            <a:endParaRPr lang="en-US" altLang="zh-TW" sz="6000" b="1" dirty="0">
+              <a:t>以禱告尋求祢面</a:t>
+            </a:r>
+            <a:endParaRPr lang="en-US" altLang="zh-TW" sz="6400" b="1" dirty="0">
               <a:solidFill>
-                <a:srgbClr val="660066"/>
+                <a:srgbClr val="000066"/>
               </a:solidFill>
+              <a:effectLst/>
               <a:latin typeface="微軟正黑體" pitchFamily="34" charset="-120"/>
               <a:ea typeface="微軟正黑體" pitchFamily="34" charset="-120"/>
             </a:endParaRPr>
           </a:p>
-          <a:p>
-            <a:pPr algn="ctr">
-              <a:buNone/>
-            </a:pPr>
-            <a:r>
-              <a:rPr lang="zh-TW" altLang="en-US" sz="6000" b="1" dirty="0">
-                <a:solidFill>
-                  <a:srgbClr val="660066"/>
-                </a:solidFill>
-                <a:latin typeface="微軟正黑體" pitchFamily="34" charset="-120"/>
-                <a:ea typeface="微軟正黑體" pitchFamily="34" charset="-120"/>
-              </a:rPr>
-              <a:t>我們要回轉向祢父神 </a:t>
-            </a:r>
-            <a:endParaRPr lang="en-US" altLang="zh-TW" sz="6000" b="1" dirty="0">
+        </p:txBody>
+      </p:sp>
+      <p:sp>
+        <p:nvSpPr>
+          <p:cNvPr id="3" name="TextBox 2"/>
+          <p:cNvSpPr txBox="1"/>
+          <p:nvPr/>
+        </p:nvSpPr>
+        <p:spPr>
+          <a:xfrm>
+            <a:off x="0" y="5061182"/>
+            <a:ext cx="12192000" cy="830997"/>
+          </a:xfrm>
+          <a:prstGeom prst="rect">
+            <a:avLst/>
+          </a:prstGeom>
+          <a:noFill/>
+        </p:spPr>
+        <p:txBody>
+          <a:bodyPr wrap="square" rtlCol="0">
+            <a:spAutoFit/>
+          </a:bodyPr>
+          <a:lstStyle/>
+          <a:p>
+            <a:pPr algn="ctr"/>
+            <a:r>
+              <a:rPr lang="en-US" sz="4800" b="1" dirty="0">
+                <a:solidFill>
+                  <a:srgbClr val="000066"/>
+                </a:solidFill>
+                <a:effectLst/>
+                <a:latin typeface="Microsoft JhengHei" panose="020B0604030504040204" pitchFamily="34" charset="-120"/>
+                <a:ea typeface="Microsoft JhengHei" panose="020B0604030504040204" pitchFamily="34" charset="-120"/>
+              </a:rPr>
+              <a:t>( </a:t>
+            </a:r>
+            <a:r>
+              <a:rPr lang="zh-CN" altLang="en-US" sz="4800" b="1" dirty="0">
+                <a:solidFill>
+                  <a:srgbClr val="000066"/>
+                </a:solidFill>
+                <a:effectLst/>
+                <a:latin typeface="Microsoft JhengHei" panose="020B0604030504040204" pitchFamily="34" charset="-120"/>
+                <a:ea typeface="Microsoft JhengHei" panose="020B0604030504040204" pitchFamily="34" charset="-120"/>
+              </a:rPr>
+              <a:t>正</a:t>
+            </a:r>
+            <a:r>
+              <a:rPr lang="en-US" altLang="zh-CN" sz="4800" b="1" dirty="0">
+                <a:solidFill>
+                  <a:srgbClr val="000066"/>
+                </a:solidFill>
+                <a:effectLst/>
+                <a:latin typeface="Microsoft JhengHei" panose="020B0604030504040204" pitchFamily="34" charset="-120"/>
+                <a:ea typeface="Microsoft JhengHei" panose="020B0604030504040204" pitchFamily="34" charset="-120"/>
+              </a:rPr>
+              <a:t> 1</a:t>
+            </a:r>
+            <a:r>
+              <a:rPr lang="zh-CN" altLang="en-US" sz="4800" b="1" dirty="0">
+                <a:solidFill>
+                  <a:srgbClr val="000066"/>
+                </a:solidFill>
+                <a:effectLst/>
+                <a:latin typeface="Microsoft JhengHei" panose="020B0604030504040204" pitchFamily="34" charset="-120"/>
+                <a:ea typeface="Microsoft JhengHei" panose="020B0604030504040204" pitchFamily="34" charset="-120"/>
+              </a:rPr>
+              <a:t> </a:t>
+            </a:r>
+            <a:r>
+              <a:rPr lang="en-US" sz="4800" b="1" dirty="0">
+                <a:solidFill>
+                  <a:srgbClr val="000066"/>
+                </a:solidFill>
+                <a:effectLst/>
+                <a:latin typeface="Microsoft JhengHei" panose="020B0604030504040204" pitchFamily="34" charset="-120"/>
+                <a:ea typeface="Microsoft JhengHei" panose="020B0604030504040204" pitchFamily="34" charset="-120"/>
+              </a:rPr>
+              <a:t>)</a:t>
+            </a:r>
+            <a:endParaRPr lang="vi-VN" sz="4800" b="1" dirty="0">
               <a:solidFill>
-                <a:srgbClr val="660066"/>
+                <a:srgbClr val="000066"/>
               </a:solidFill>
-              <a:latin typeface="微軟正黑體" pitchFamily="34" charset="-120"/>
-              <a:ea typeface="微軟正黑體" pitchFamily="34" charset="-120"/>
+              <a:effectLst/>
+              <a:latin typeface="Microsoft JhengHei" panose="020B0604030504040204" pitchFamily="34" charset="-120"/>
+              <a:ea typeface="Microsoft JhengHei" panose="020B0604030504040204" pitchFamily="34" charset="-120"/>
             </a:endParaRPr>
           </a:p>
-          <a:p>
-            <a:pPr algn="ctr">
-              <a:buNone/>
-            </a:pPr>
-            <a:r>
-              <a:rPr lang="zh-TW" altLang="en-US" sz="6000" b="1" dirty="0">
-                <a:solidFill>
-                  <a:srgbClr val="660066"/>
-                </a:solidFill>
-                <a:latin typeface="微軟正黑體" pitchFamily="34" charset="-120"/>
-                <a:ea typeface="微軟正黑體" pitchFamily="34" charset="-120"/>
-              </a:rPr>
-              <a:t>也要看見復</a:t>
-            </a:r>
-            <a:r>
-              <a:rPr lang="zh-TW" altLang="en-US" sz="6000" b="1" dirty="0" smtClean="0">
-                <a:solidFill>
-                  <a:srgbClr val="660066"/>
-                </a:solidFill>
-                <a:latin typeface="微軟正黑體" pitchFamily="34" charset="-120"/>
-                <a:ea typeface="微軟正黑體" pitchFamily="34" charset="-120"/>
-              </a:rPr>
-              <a:t>興</a:t>
-            </a:r>
-            <a:endParaRPr lang="zh-TW" altLang="en-US" sz="6000" b="1" dirty="0">
-              <a:solidFill>
-                <a:srgbClr val="660066"/>
-              </a:solidFill>
-              <a:latin typeface="微軟正黑體" pitchFamily="34" charset="-120"/>
-              <a:ea typeface="微軟正黑體" pitchFamily="34" charset="-120"/>
-            </a:endParaRPr>
-          </a:p>
         </p:txBody>
       </p:sp>
     </p:spTree>
+    <p:extLst>
+      <p:ext uri="{BB962C8B-B14F-4D97-AF65-F5344CB8AC3E}">
+        <p14:creationId xmlns:p14="http://schemas.microsoft.com/office/powerpoint/2010/main" val="3288490476"/>
+      </p:ext>
+    </p:extLst>
   </p:cSld>
   <p:clrMapOvr>
     <a:masterClrMapping/>
@@ -3521,37 +4184,7 @@
       </p:grpSpPr>
       <p:sp>
         <p:nvSpPr>
-          <p:cNvPr id="2" name="標題 1"/>
-          <p:cNvSpPr>
-            <a:spLocks noGrp="1"/>
-          </p:cNvSpPr>
-          <p:nvPr>
-            <p:ph type="title"/>
-          </p:nvPr>
-        </p:nvSpPr>
-        <p:spPr/>
-        <p:txBody>
-          <a:bodyPr>
-            <a:normAutofit/>
-          </a:bodyPr>
-          <a:lstStyle/>
-          <a:p>
-            <a:r>
-              <a:rPr lang="zh-TW" altLang="en-US" sz="4800" b="1" dirty="0">
-                <a:solidFill>
-                  <a:srgbClr val="660066"/>
-                </a:solidFill>
-                <a:latin typeface="微軟正黑體" pitchFamily="34" charset="-120"/>
-                <a:ea typeface="微軟正黑體" pitchFamily="34" charset="-120"/>
-              </a:rPr>
-              <a:t>我們呼求</a:t>
-            </a:r>
-          </a:p>
-        </p:txBody>
-      </p:sp>
-      <p:sp>
-        <p:nvSpPr>
-          <p:cNvPr id="3" name="內容版面配置區 2"/>
+          <p:cNvPr id="5" name="內容版面配置區 4"/>
           <p:cNvSpPr>
             <a:spLocks noGrp="1"/>
           </p:cNvSpPr>
@@ -3559,7 +4192,12 @@
             <p:ph idx="1"/>
           </p:nvPr>
         </p:nvSpPr>
-        <p:spPr/>
+        <p:spPr>
+          <a:xfrm>
+            <a:off x="0" y="2084851"/>
+            <a:ext cx="12192000" cy="2404863"/>
+          </a:xfrm>
+        </p:spPr>
         <p:txBody>
           <a:bodyPr anchor="ctr">
             <a:normAutofit/>
@@ -3570,28 +4208,18 @@
               <a:buNone/>
             </a:pPr>
             <a:r>
-              <a:rPr lang="zh-TW" altLang="en-US" sz="6000" b="1" dirty="0">
-                <a:solidFill>
-                  <a:srgbClr val="660066"/>
+              <a:rPr lang="zh-TW" altLang="en-US" sz="6400" b="1" dirty="0">
+                <a:solidFill>
+                  <a:srgbClr val="000066"/>
                 </a:solidFill>
                 <a:latin typeface="微軟正黑體" pitchFamily="34" charset="-120"/>
                 <a:ea typeface="微軟正黑體" pitchFamily="34" charset="-120"/>
               </a:rPr>
-              <a:t>我們呼求祢阿爸</a:t>
-            </a:r>
-            <a:r>
-              <a:rPr lang="zh-TW" altLang="en-US" sz="6000" b="1" dirty="0" smtClean="0">
-                <a:solidFill>
-                  <a:srgbClr val="660066"/>
-                </a:solidFill>
-                <a:latin typeface="微軟正黑體" pitchFamily="34" charset="-120"/>
-                <a:ea typeface="微軟正黑體" pitchFamily="34" charset="-120"/>
-              </a:rPr>
-              <a:t>父</a:t>
-            </a:r>
-            <a:endParaRPr lang="en-US" altLang="zh-TW" sz="6000" b="1" dirty="0">
+              <a:t>我們轉離所有的惡行 </a:t>
+            </a:r>
+            <a:endParaRPr lang="en-US" altLang="zh-TW" sz="6400" b="1" dirty="0">
               <a:solidFill>
-                <a:srgbClr val="660066"/>
+                <a:srgbClr val="000066"/>
               </a:solidFill>
               <a:latin typeface="微軟正黑體" pitchFamily="34" charset="-120"/>
               <a:ea typeface="微軟正黑體" pitchFamily="34" charset="-120"/>
@@ -3602,100 +4230,121 @@
               <a:buNone/>
             </a:pPr>
             <a:r>
-              <a:rPr lang="zh-TW" altLang="en-US" sz="6000" b="1" dirty="0">
-                <a:solidFill>
-                  <a:srgbClr val="660066"/>
+              <a:rPr lang="zh-TW" altLang="en-US" sz="6400" b="1" dirty="0">
+                <a:solidFill>
+                  <a:srgbClr val="000066"/>
                 </a:solidFill>
                 <a:latin typeface="微軟正黑體" pitchFamily="34" charset="-120"/>
                 <a:ea typeface="微軟正黑體" pitchFamily="34" charset="-120"/>
               </a:rPr>
-              <a:t>設立祢寶座在這</a:t>
-            </a:r>
-            <a:r>
-              <a:rPr lang="zh-TW" altLang="en-US" sz="6000" b="1" dirty="0" smtClean="0">
-                <a:solidFill>
-                  <a:srgbClr val="660066"/>
-                </a:solidFill>
-                <a:latin typeface="微軟正黑體" pitchFamily="34" charset="-120"/>
-                <a:ea typeface="微軟正黑體" pitchFamily="34" charset="-120"/>
-              </a:rPr>
-              <a:t>地</a:t>
-            </a:r>
-            <a:endParaRPr lang="en-US" altLang="zh-TW" sz="6000" b="1" dirty="0">
+              <a:t>定意單單跟隨祢</a:t>
+            </a:r>
+            <a:endParaRPr lang="en-US" altLang="zh-TW" sz="6400" b="1" dirty="0">
               <a:solidFill>
-                <a:srgbClr val="660066"/>
+                <a:srgbClr val="000066"/>
               </a:solidFill>
+              <a:effectLst/>
               <a:latin typeface="微軟正黑體" pitchFamily="34" charset="-120"/>
               <a:ea typeface="微軟正黑體" pitchFamily="34" charset="-120"/>
             </a:endParaRPr>
           </a:p>
-          <a:p>
-            <a:pPr algn="ctr">
-              <a:buNone/>
-            </a:pPr>
-            <a:r>
-              <a:rPr lang="zh-TW" altLang="en-US" sz="6000" b="1" dirty="0">
-                <a:solidFill>
-                  <a:srgbClr val="660066"/>
-                </a:solidFill>
-                <a:latin typeface="微軟正黑體" pitchFamily="34" charset="-120"/>
-                <a:ea typeface="微軟正黑體" pitchFamily="34" charset="-120"/>
-              </a:rPr>
-              <a:t>祢必睜眼看側耳垂</a:t>
-            </a:r>
-            <a:r>
-              <a:rPr lang="zh-TW" altLang="en-US" sz="6000" b="1" dirty="0" smtClean="0">
-                <a:solidFill>
-                  <a:srgbClr val="660066"/>
-                </a:solidFill>
-                <a:latin typeface="微軟正黑體" pitchFamily="34" charset="-120"/>
-                <a:ea typeface="微軟正黑體" pitchFamily="34" charset="-120"/>
-              </a:rPr>
-              <a:t>聽</a:t>
-            </a:r>
-            <a:endParaRPr lang="en-US" altLang="zh-TW" sz="6000" b="1" dirty="0">
+        </p:txBody>
+      </p:sp>
+      <p:sp>
+        <p:nvSpPr>
+          <p:cNvPr id="3" name="TextBox 2"/>
+          <p:cNvSpPr txBox="1"/>
+          <p:nvPr/>
+        </p:nvSpPr>
+        <p:spPr>
+          <a:xfrm>
+            <a:off x="0" y="5061182"/>
+            <a:ext cx="12192000" cy="830997"/>
+          </a:xfrm>
+          <a:prstGeom prst="rect">
+            <a:avLst/>
+          </a:prstGeom>
+          <a:noFill/>
+        </p:spPr>
+        <p:txBody>
+          <a:bodyPr wrap="square" rtlCol="0">
+            <a:spAutoFit/>
+          </a:bodyPr>
+          <a:lstStyle/>
+          <a:p>
+            <a:pPr algn="ctr"/>
+            <a:r>
+              <a:rPr lang="en-US" sz="4800" b="1" dirty="0">
+                <a:solidFill>
+                  <a:srgbClr val="000066"/>
+                </a:solidFill>
+                <a:effectLst/>
+                <a:latin typeface="Microsoft JhengHei" panose="020B0604030504040204" pitchFamily="34" charset="-120"/>
+                <a:ea typeface="Microsoft JhengHei" panose="020B0604030504040204" pitchFamily="34" charset="-120"/>
+              </a:rPr>
+              <a:t>( </a:t>
+            </a:r>
+            <a:r>
+              <a:rPr lang="zh-CN" altLang="en-US" sz="4800" b="1" dirty="0">
+                <a:solidFill>
+                  <a:srgbClr val="000066"/>
+                </a:solidFill>
+                <a:effectLst/>
+                <a:latin typeface="Microsoft JhengHei" panose="020B0604030504040204" pitchFamily="34" charset="-120"/>
+                <a:ea typeface="Microsoft JhengHei" panose="020B0604030504040204" pitchFamily="34" charset="-120"/>
+              </a:rPr>
+              <a:t>正</a:t>
+            </a:r>
+            <a:r>
+              <a:rPr lang="en-US" altLang="zh-CN" sz="4800" b="1" dirty="0">
+                <a:solidFill>
+                  <a:srgbClr val="000066"/>
+                </a:solidFill>
+                <a:effectLst/>
+                <a:latin typeface="Microsoft JhengHei" panose="020B0604030504040204" pitchFamily="34" charset="-120"/>
+                <a:ea typeface="Microsoft JhengHei" panose="020B0604030504040204" pitchFamily="34" charset="-120"/>
+              </a:rPr>
+              <a:t> 1</a:t>
+            </a:r>
+            <a:r>
+              <a:rPr lang="zh-CN" altLang="en-US" sz="4800" b="1" dirty="0">
+                <a:solidFill>
+                  <a:srgbClr val="000066"/>
+                </a:solidFill>
+                <a:effectLst/>
+                <a:latin typeface="Microsoft JhengHei" panose="020B0604030504040204" pitchFamily="34" charset="-120"/>
+                <a:ea typeface="Microsoft JhengHei" panose="020B0604030504040204" pitchFamily="34" charset="-120"/>
+              </a:rPr>
+              <a:t> </a:t>
+            </a:r>
+            <a:r>
+              <a:rPr lang="en-US" sz="4800" b="1" dirty="0">
+                <a:solidFill>
+                  <a:srgbClr val="000066"/>
+                </a:solidFill>
+                <a:effectLst/>
+                <a:latin typeface="Microsoft JhengHei" panose="020B0604030504040204" pitchFamily="34" charset="-120"/>
+                <a:ea typeface="Microsoft JhengHei" panose="020B0604030504040204" pitchFamily="34" charset="-120"/>
+              </a:rPr>
+              <a:t>)</a:t>
+            </a:r>
+            <a:endParaRPr lang="vi-VN" sz="4800" b="1" dirty="0">
               <a:solidFill>
-                <a:srgbClr val="660066"/>
+                <a:srgbClr val="000066"/>
               </a:solidFill>
-              <a:latin typeface="微軟正黑體" pitchFamily="34" charset="-120"/>
-              <a:ea typeface="微軟正黑體" pitchFamily="34" charset="-120"/>
+              <a:effectLst/>
+              <a:latin typeface="Microsoft JhengHei" panose="020B0604030504040204" pitchFamily="34" charset="-120"/>
+              <a:ea typeface="Microsoft JhengHei" panose="020B0604030504040204" pitchFamily="34" charset="-120"/>
             </a:endParaRPr>
           </a:p>
-          <a:p>
-            <a:pPr algn="ctr">
-              <a:buNone/>
-            </a:pPr>
-            <a:r>
-              <a:rPr lang="zh-TW" altLang="en-US" sz="6000" b="1" dirty="0">
-                <a:solidFill>
-                  <a:srgbClr val="660066"/>
-                </a:solidFill>
-                <a:latin typeface="微軟正黑體" pitchFamily="34" charset="-120"/>
-                <a:ea typeface="微軟正黑體" pitchFamily="34" charset="-120"/>
-              </a:rPr>
-              <a:t>奉主名的呼</a:t>
-            </a:r>
-            <a:r>
-              <a:rPr lang="zh-TW" altLang="en-US" sz="6000" b="1" dirty="0" smtClean="0">
-                <a:solidFill>
-                  <a:srgbClr val="660066"/>
-                </a:solidFill>
-                <a:latin typeface="微軟正黑體" pitchFamily="34" charset="-120"/>
-                <a:ea typeface="微軟正黑體" pitchFamily="34" charset="-120"/>
-              </a:rPr>
-              <a:t>求</a:t>
-            </a:r>
-            <a:endParaRPr lang="zh-TW" altLang="en-US" sz="6000" b="1" dirty="0">
-              <a:solidFill>
-                <a:srgbClr val="660066"/>
-              </a:solidFill>
-              <a:latin typeface="微軟正黑體" pitchFamily="34" charset="-120"/>
-              <a:ea typeface="微軟正黑體" pitchFamily="34" charset="-120"/>
-            </a:endParaRPr>
-          </a:p>
         </p:txBody>
       </p:sp>
     </p:spTree>
+    <p:extLst>
+      <p:ext uri="{BB962C8B-B14F-4D97-AF65-F5344CB8AC3E}">
+        <p14:creationId xmlns:p14="http://schemas.microsoft.com/office/powerpoint/2010/main" val="1176707097"/>
+      </p:ext>
+    </p:extLst>
   </p:cSld>
   <p:clrMapOvr>
     <a:masterClrMapping/>
@@ -3722,37 +4371,7 @@
       </p:grpSpPr>
       <p:sp>
         <p:nvSpPr>
-          <p:cNvPr id="2" name="標題 1"/>
-          <p:cNvSpPr>
-            <a:spLocks noGrp="1"/>
-          </p:cNvSpPr>
-          <p:nvPr>
-            <p:ph type="title"/>
-          </p:nvPr>
-        </p:nvSpPr>
-        <p:spPr/>
-        <p:txBody>
-          <a:bodyPr>
-            <a:normAutofit/>
-          </a:bodyPr>
-          <a:lstStyle/>
-          <a:p>
-            <a:r>
-              <a:rPr lang="zh-TW" altLang="en-US" sz="4800" b="1" dirty="0">
-                <a:solidFill>
-                  <a:srgbClr val="660066"/>
-                </a:solidFill>
-                <a:latin typeface="微軟正黑體" pitchFamily="34" charset="-120"/>
-                <a:ea typeface="微軟正黑體" pitchFamily="34" charset="-120"/>
-              </a:rPr>
-              <a:t>我們呼求</a:t>
-            </a:r>
-          </a:p>
-        </p:txBody>
-      </p:sp>
-      <p:sp>
-        <p:nvSpPr>
-          <p:cNvPr id="3" name="內容版面配置區 2"/>
+          <p:cNvPr id="5" name="內容版面配置區 4"/>
           <p:cNvSpPr>
             <a:spLocks noGrp="1"/>
           </p:cNvSpPr>
@@ -3760,7 +4379,12 @@
             <p:ph idx="1"/>
           </p:nvPr>
         </p:nvSpPr>
-        <p:spPr/>
+        <p:spPr>
+          <a:xfrm>
+            <a:off x="0" y="2084851"/>
+            <a:ext cx="12192000" cy="2404863"/>
+          </a:xfrm>
+        </p:spPr>
         <p:txBody>
           <a:bodyPr anchor="ctr">
             <a:normAutofit/>
@@ -3771,28 +4395,18 @@
               <a:buNone/>
             </a:pPr>
             <a:r>
-              <a:rPr lang="zh-TW" altLang="en-US" sz="6000" b="1" dirty="0">
-                <a:solidFill>
-                  <a:srgbClr val="660066"/>
+              <a:rPr lang="zh-TW" altLang="en-US" sz="6400" b="1" dirty="0">
+                <a:solidFill>
+                  <a:srgbClr val="000066"/>
                 </a:solidFill>
                 <a:latin typeface="微軟正黑體" pitchFamily="34" charset="-120"/>
                 <a:ea typeface="微軟正黑體" pitchFamily="34" charset="-120"/>
               </a:rPr>
-              <a:t>萬民都要來敬拜</a:t>
-            </a:r>
-            <a:r>
-              <a:rPr lang="zh-TW" altLang="en-US" sz="6000" b="1" dirty="0" smtClean="0">
-                <a:solidFill>
-                  <a:srgbClr val="660066"/>
-                </a:solidFill>
-                <a:latin typeface="微軟正黑體" pitchFamily="34" charset="-120"/>
-                <a:ea typeface="微軟正黑體" pitchFamily="34" charset="-120"/>
-              </a:rPr>
-              <a:t>祢</a:t>
-            </a:r>
-            <a:endParaRPr lang="en-US" altLang="zh-TW" sz="6000" b="1" dirty="0">
+              <a:t>主我們是屬祢的子民 </a:t>
+            </a:r>
+            <a:endParaRPr lang="en-US" altLang="zh-TW" sz="6400" b="1" dirty="0">
               <a:solidFill>
-                <a:srgbClr val="660066"/>
+                <a:srgbClr val="000066"/>
               </a:solidFill>
               <a:latin typeface="微軟正黑體" pitchFamily="34" charset="-120"/>
               <a:ea typeface="微軟正黑體" pitchFamily="34" charset="-120"/>
@@ -3803,100 +4417,120 @@
               <a:buNone/>
             </a:pPr>
             <a:r>
-              <a:rPr lang="zh-TW" altLang="en-US" sz="6000" b="1" dirty="0">
-                <a:solidFill>
-                  <a:srgbClr val="660066"/>
+              <a:rPr lang="zh-TW" altLang="en-US" sz="6400" b="1" dirty="0">
+                <a:solidFill>
+                  <a:srgbClr val="000066"/>
                 </a:solidFill>
                 <a:latin typeface="微軟正黑體" pitchFamily="34" charset="-120"/>
                 <a:ea typeface="微軟正黑體" pitchFamily="34" charset="-120"/>
               </a:rPr>
-              <a:t>榮耀高舉祢的聖</a:t>
-            </a:r>
-            <a:r>
-              <a:rPr lang="zh-TW" altLang="en-US" sz="6000" b="1" dirty="0" smtClean="0">
-                <a:solidFill>
-                  <a:srgbClr val="660066"/>
-                </a:solidFill>
-                <a:latin typeface="微軟正黑體" pitchFamily="34" charset="-120"/>
-                <a:ea typeface="微軟正黑體" pitchFamily="34" charset="-120"/>
-              </a:rPr>
-              <a:t>名</a:t>
-            </a:r>
-            <a:endParaRPr lang="en-US" altLang="zh-TW" sz="6000" b="1" dirty="0">
+              <a:t>求賜下父神的心</a:t>
+            </a:r>
+            <a:endParaRPr lang="en-US" altLang="zh-TW" sz="6400" b="1" dirty="0">
               <a:solidFill>
-                <a:srgbClr val="660066"/>
+                <a:srgbClr val="000066"/>
               </a:solidFill>
               <a:latin typeface="微軟正黑體" pitchFamily="34" charset="-120"/>
               <a:ea typeface="微軟正黑體" pitchFamily="34" charset="-120"/>
             </a:endParaRPr>
           </a:p>
-          <a:p>
-            <a:pPr algn="ctr">
-              <a:buNone/>
-            </a:pPr>
-            <a:r>
-              <a:rPr lang="zh-TW" altLang="en-US" sz="6000" b="1" dirty="0">
-                <a:solidFill>
-                  <a:srgbClr val="660066"/>
-                </a:solidFill>
-                <a:latin typeface="微軟正黑體" pitchFamily="34" charset="-120"/>
-                <a:ea typeface="微軟正黑體" pitchFamily="34" charset="-120"/>
-              </a:rPr>
-              <a:t>復興這地 全能的君</a:t>
-            </a:r>
-            <a:r>
-              <a:rPr lang="zh-TW" altLang="en-US" sz="6000" b="1" dirty="0" smtClean="0">
-                <a:solidFill>
-                  <a:srgbClr val="660066"/>
-                </a:solidFill>
-                <a:latin typeface="微軟正黑體" pitchFamily="34" charset="-120"/>
-                <a:ea typeface="微軟正黑體" pitchFamily="34" charset="-120"/>
-              </a:rPr>
-              <a:t>王</a:t>
-            </a:r>
-            <a:endParaRPr lang="en-US" altLang="zh-TW" sz="6000" b="1" dirty="0">
+        </p:txBody>
+      </p:sp>
+      <p:sp>
+        <p:nvSpPr>
+          <p:cNvPr id="3" name="TextBox 2"/>
+          <p:cNvSpPr txBox="1"/>
+          <p:nvPr/>
+        </p:nvSpPr>
+        <p:spPr>
+          <a:xfrm>
+            <a:off x="0" y="5061182"/>
+            <a:ext cx="12192000" cy="830997"/>
+          </a:xfrm>
+          <a:prstGeom prst="rect">
+            <a:avLst/>
+          </a:prstGeom>
+          <a:noFill/>
+        </p:spPr>
+        <p:txBody>
+          <a:bodyPr wrap="square" rtlCol="0">
+            <a:spAutoFit/>
+          </a:bodyPr>
+          <a:lstStyle/>
+          <a:p>
+            <a:pPr algn="ctr"/>
+            <a:r>
+              <a:rPr lang="en-US" sz="4800" b="1" dirty="0">
+                <a:solidFill>
+                  <a:srgbClr val="000066"/>
+                </a:solidFill>
+                <a:effectLst/>
+                <a:latin typeface="Microsoft JhengHei" panose="020B0604030504040204" pitchFamily="34" charset="-120"/>
+                <a:ea typeface="Microsoft JhengHei" panose="020B0604030504040204" pitchFamily="34" charset="-120"/>
+              </a:rPr>
+              <a:t>( </a:t>
+            </a:r>
+            <a:r>
+              <a:rPr lang="zh-CN" altLang="en-US" sz="4800" b="1" dirty="0">
+                <a:solidFill>
+                  <a:srgbClr val="000066"/>
+                </a:solidFill>
+                <a:effectLst/>
+                <a:latin typeface="Microsoft JhengHei" panose="020B0604030504040204" pitchFamily="34" charset="-120"/>
+                <a:ea typeface="Microsoft JhengHei" panose="020B0604030504040204" pitchFamily="34" charset="-120"/>
+              </a:rPr>
+              <a:t>正</a:t>
+            </a:r>
+            <a:r>
+              <a:rPr lang="en-US" altLang="zh-CN" sz="4800" b="1" dirty="0">
+                <a:solidFill>
+                  <a:srgbClr val="000066"/>
+                </a:solidFill>
+                <a:effectLst/>
+                <a:latin typeface="Microsoft JhengHei" panose="020B0604030504040204" pitchFamily="34" charset="-120"/>
+                <a:ea typeface="Microsoft JhengHei" panose="020B0604030504040204" pitchFamily="34" charset="-120"/>
+              </a:rPr>
+              <a:t> 1</a:t>
+            </a:r>
+            <a:r>
+              <a:rPr lang="zh-CN" altLang="en-US" sz="4800" b="1" dirty="0">
+                <a:solidFill>
+                  <a:srgbClr val="000066"/>
+                </a:solidFill>
+                <a:effectLst/>
+                <a:latin typeface="Microsoft JhengHei" panose="020B0604030504040204" pitchFamily="34" charset="-120"/>
+                <a:ea typeface="Microsoft JhengHei" panose="020B0604030504040204" pitchFamily="34" charset="-120"/>
+              </a:rPr>
+              <a:t> </a:t>
+            </a:r>
+            <a:r>
+              <a:rPr lang="en-US" sz="4800" b="1" dirty="0">
+                <a:solidFill>
+                  <a:srgbClr val="000066"/>
+                </a:solidFill>
+                <a:effectLst/>
+                <a:latin typeface="Microsoft JhengHei" panose="020B0604030504040204" pitchFamily="34" charset="-120"/>
+                <a:ea typeface="Microsoft JhengHei" panose="020B0604030504040204" pitchFamily="34" charset="-120"/>
+              </a:rPr>
+              <a:t>)</a:t>
+            </a:r>
+            <a:endParaRPr lang="vi-VN" sz="4800" b="1" dirty="0">
               <a:solidFill>
-                <a:srgbClr val="660066"/>
+                <a:srgbClr val="000066"/>
               </a:solidFill>
-              <a:latin typeface="微軟正黑體" pitchFamily="34" charset="-120"/>
-              <a:ea typeface="微軟正黑體" pitchFamily="34" charset="-120"/>
+              <a:effectLst/>
+              <a:latin typeface="Microsoft JhengHei" panose="020B0604030504040204" pitchFamily="34" charset="-120"/>
+              <a:ea typeface="Microsoft JhengHei" panose="020B0604030504040204" pitchFamily="34" charset="-120"/>
             </a:endParaRPr>
           </a:p>
-          <a:p>
-            <a:pPr algn="ctr">
-              <a:buNone/>
-            </a:pPr>
-            <a:r>
-              <a:rPr lang="zh-TW" altLang="en-US" sz="6000" b="1" dirty="0">
-                <a:solidFill>
-                  <a:srgbClr val="660066"/>
-                </a:solidFill>
-                <a:latin typeface="微軟正黑體" pitchFamily="34" charset="-120"/>
-                <a:ea typeface="微軟正黑體" pitchFamily="34" charset="-120"/>
-              </a:rPr>
-              <a:t>我們歡</a:t>
-            </a:r>
-            <a:r>
-              <a:rPr lang="zh-TW" altLang="en-US" sz="6000" b="1" dirty="0" smtClean="0">
-                <a:solidFill>
-                  <a:srgbClr val="660066"/>
-                </a:solidFill>
-                <a:latin typeface="微軟正黑體" pitchFamily="34" charset="-120"/>
-                <a:ea typeface="微軟正黑體" pitchFamily="34" charset="-120"/>
-              </a:rPr>
-              <a:t>迎祢</a:t>
-            </a:r>
-            <a:endParaRPr lang="zh-TW" altLang="en-US" sz="6000" b="1" dirty="0">
-              <a:solidFill>
-                <a:srgbClr val="660066"/>
-              </a:solidFill>
-              <a:latin typeface="微軟正黑體" pitchFamily="34" charset="-120"/>
-              <a:ea typeface="微軟正黑體" pitchFamily="34" charset="-120"/>
-            </a:endParaRPr>
-          </a:p>
         </p:txBody>
       </p:sp>
     </p:spTree>
+    <p:extLst>
+      <p:ext uri="{BB962C8B-B14F-4D97-AF65-F5344CB8AC3E}">
+        <p14:creationId xmlns:p14="http://schemas.microsoft.com/office/powerpoint/2010/main" val="2892452244"/>
+      </p:ext>
+    </p:extLst>
   </p:cSld>
   <p:clrMapOvr>
     <a:masterClrMapping/>
@@ -3923,37 +4557,7 @@
       </p:grpSpPr>
       <p:sp>
         <p:nvSpPr>
-          <p:cNvPr id="2" name="標題 1"/>
-          <p:cNvSpPr>
-            <a:spLocks noGrp="1"/>
-          </p:cNvSpPr>
-          <p:nvPr>
-            <p:ph type="title"/>
-          </p:nvPr>
-        </p:nvSpPr>
-        <p:spPr/>
-        <p:txBody>
-          <a:bodyPr>
-            <a:normAutofit/>
-          </a:bodyPr>
-          <a:lstStyle/>
-          <a:p>
-            <a:r>
-              <a:rPr lang="zh-TW" altLang="en-US" sz="4800" b="1" dirty="0">
-                <a:solidFill>
-                  <a:srgbClr val="660066"/>
-                </a:solidFill>
-                <a:latin typeface="微軟正黑體" pitchFamily="34" charset="-120"/>
-                <a:ea typeface="微軟正黑體" pitchFamily="34" charset="-120"/>
-              </a:rPr>
-              <a:t>我們呼求</a:t>
-            </a:r>
-          </a:p>
-        </p:txBody>
-      </p:sp>
-      <p:sp>
-        <p:nvSpPr>
-          <p:cNvPr id="3" name="內容版面配置區 2"/>
+          <p:cNvPr id="5" name="內容版面配置區 4"/>
           <p:cNvSpPr>
             <a:spLocks noGrp="1"/>
           </p:cNvSpPr>
@@ -3961,7 +4565,12 @@
             <p:ph idx="1"/>
           </p:nvPr>
         </p:nvSpPr>
-        <p:spPr/>
+        <p:spPr>
+          <a:xfrm>
+            <a:off x="0" y="2084851"/>
+            <a:ext cx="12192000" cy="2404863"/>
+          </a:xfrm>
+        </p:spPr>
         <p:txBody>
           <a:bodyPr anchor="ctr">
             <a:normAutofit/>
@@ -3972,18 +4581,18 @@
               <a:buNone/>
             </a:pPr>
             <a:r>
-              <a:rPr lang="zh-TW" altLang="en-US" sz="6000" b="1" dirty="0">
-                <a:solidFill>
-                  <a:srgbClr val="660066"/>
+              <a:rPr lang="zh-TW" altLang="en-US" sz="6400" b="1" dirty="0">
+                <a:solidFill>
+                  <a:srgbClr val="000066"/>
                 </a:solidFill>
                 <a:latin typeface="微軟正黑體" pitchFamily="34" charset="-120"/>
                 <a:ea typeface="微軟正黑體" pitchFamily="34" charset="-120"/>
               </a:rPr>
-              <a:t>主我們同心在祢面前 </a:t>
-            </a:r>
-            <a:endParaRPr lang="en-US" altLang="zh-TW" sz="6000" b="1" dirty="0">
+              <a:t>我們要回轉向祢父神 </a:t>
+            </a:r>
+            <a:endParaRPr lang="en-US" altLang="zh-TW" sz="6400" b="1" dirty="0">
               <a:solidFill>
-                <a:srgbClr val="660066"/>
+                <a:srgbClr val="000066"/>
               </a:solidFill>
               <a:latin typeface="微軟正黑體" pitchFamily="34" charset="-120"/>
               <a:ea typeface="微軟正黑體" pitchFamily="34" charset="-120"/>
@@ -3994,100 +4603,120 @@
               <a:buNone/>
             </a:pPr>
             <a:r>
-              <a:rPr lang="zh-TW" altLang="en-US" sz="6000" b="1" dirty="0">
-                <a:solidFill>
-                  <a:srgbClr val="660066"/>
+              <a:rPr lang="zh-TW" altLang="en-US" sz="6400" b="1" dirty="0">
+                <a:solidFill>
+                  <a:srgbClr val="000066"/>
                 </a:solidFill>
                 <a:latin typeface="微軟正黑體" pitchFamily="34" charset="-120"/>
                 <a:ea typeface="微軟正黑體" pitchFamily="34" charset="-120"/>
               </a:rPr>
-              <a:t>以禱告尋求祢</a:t>
-            </a:r>
-            <a:r>
-              <a:rPr lang="zh-TW" altLang="en-US" sz="6000" b="1" dirty="0" smtClean="0">
-                <a:solidFill>
-                  <a:srgbClr val="660066"/>
-                </a:solidFill>
-                <a:latin typeface="微軟正黑體" pitchFamily="34" charset="-120"/>
-                <a:ea typeface="微軟正黑體" pitchFamily="34" charset="-120"/>
-              </a:rPr>
-              <a:t>面</a:t>
-            </a:r>
-            <a:endParaRPr lang="en-US" altLang="zh-TW" sz="6000" b="1" dirty="0">
+              <a:t>也要看見復興</a:t>
+            </a:r>
+            <a:endParaRPr lang="zh-TW" altLang="en-US" sz="6400" b="1" dirty="0">
               <a:solidFill>
-                <a:srgbClr val="660066"/>
+                <a:srgbClr val="000066"/>
               </a:solidFill>
               <a:latin typeface="微軟正黑體" pitchFamily="34" charset="-120"/>
               <a:ea typeface="微軟正黑體" pitchFamily="34" charset="-120"/>
             </a:endParaRPr>
           </a:p>
-          <a:p>
-            <a:pPr algn="ctr">
-              <a:buNone/>
-            </a:pPr>
-            <a:r>
-              <a:rPr lang="zh-TW" altLang="en-US" sz="6000" b="1" dirty="0">
-                <a:solidFill>
-                  <a:srgbClr val="660066"/>
-                </a:solidFill>
-                <a:latin typeface="微軟正黑體" pitchFamily="34" charset="-120"/>
-                <a:ea typeface="微軟正黑體" pitchFamily="34" charset="-120"/>
-              </a:rPr>
-              <a:t>我們轉離所有的惡</a:t>
-            </a:r>
-            <a:r>
-              <a:rPr lang="zh-TW" altLang="en-US" sz="6000" b="1" dirty="0" smtClean="0">
-                <a:solidFill>
-                  <a:srgbClr val="660066"/>
-                </a:solidFill>
-                <a:latin typeface="微軟正黑體" pitchFamily="34" charset="-120"/>
-                <a:ea typeface="微軟正黑體" pitchFamily="34" charset="-120"/>
-              </a:rPr>
-              <a:t>行</a:t>
-            </a:r>
-            <a:endParaRPr lang="en-US" altLang="zh-TW" sz="6000" b="1" dirty="0">
+        </p:txBody>
+      </p:sp>
+      <p:sp>
+        <p:nvSpPr>
+          <p:cNvPr id="3" name="TextBox 2"/>
+          <p:cNvSpPr txBox="1"/>
+          <p:nvPr/>
+        </p:nvSpPr>
+        <p:spPr>
+          <a:xfrm>
+            <a:off x="0" y="5061182"/>
+            <a:ext cx="12192000" cy="830997"/>
+          </a:xfrm>
+          <a:prstGeom prst="rect">
+            <a:avLst/>
+          </a:prstGeom>
+          <a:noFill/>
+        </p:spPr>
+        <p:txBody>
+          <a:bodyPr wrap="square" rtlCol="0">
+            <a:spAutoFit/>
+          </a:bodyPr>
+          <a:lstStyle/>
+          <a:p>
+            <a:pPr algn="ctr"/>
+            <a:r>
+              <a:rPr lang="en-US" sz="4800" b="1" dirty="0">
+                <a:solidFill>
+                  <a:srgbClr val="000066"/>
+                </a:solidFill>
+                <a:effectLst/>
+                <a:latin typeface="Microsoft JhengHei" panose="020B0604030504040204" pitchFamily="34" charset="-120"/>
+                <a:ea typeface="Microsoft JhengHei" panose="020B0604030504040204" pitchFamily="34" charset="-120"/>
+              </a:rPr>
+              <a:t>( </a:t>
+            </a:r>
+            <a:r>
+              <a:rPr lang="zh-CN" altLang="en-US" sz="4800" b="1" dirty="0">
+                <a:solidFill>
+                  <a:srgbClr val="000066"/>
+                </a:solidFill>
+                <a:effectLst/>
+                <a:latin typeface="Microsoft JhengHei" panose="020B0604030504040204" pitchFamily="34" charset="-120"/>
+                <a:ea typeface="Microsoft JhengHei" panose="020B0604030504040204" pitchFamily="34" charset="-120"/>
+              </a:rPr>
+              <a:t>正</a:t>
+            </a:r>
+            <a:r>
+              <a:rPr lang="en-US" altLang="zh-CN" sz="4800" b="1" dirty="0">
+                <a:solidFill>
+                  <a:srgbClr val="000066"/>
+                </a:solidFill>
+                <a:effectLst/>
+                <a:latin typeface="Microsoft JhengHei" panose="020B0604030504040204" pitchFamily="34" charset="-120"/>
+                <a:ea typeface="Microsoft JhengHei" panose="020B0604030504040204" pitchFamily="34" charset="-120"/>
+              </a:rPr>
+              <a:t> 1</a:t>
+            </a:r>
+            <a:r>
+              <a:rPr lang="zh-CN" altLang="en-US" sz="4800" b="1" dirty="0">
+                <a:solidFill>
+                  <a:srgbClr val="000066"/>
+                </a:solidFill>
+                <a:effectLst/>
+                <a:latin typeface="Microsoft JhengHei" panose="020B0604030504040204" pitchFamily="34" charset="-120"/>
+                <a:ea typeface="Microsoft JhengHei" panose="020B0604030504040204" pitchFamily="34" charset="-120"/>
+              </a:rPr>
+              <a:t> </a:t>
+            </a:r>
+            <a:r>
+              <a:rPr lang="en-US" sz="4800" b="1" dirty="0">
+                <a:solidFill>
+                  <a:srgbClr val="000066"/>
+                </a:solidFill>
+                <a:effectLst/>
+                <a:latin typeface="Microsoft JhengHei" panose="020B0604030504040204" pitchFamily="34" charset="-120"/>
+                <a:ea typeface="Microsoft JhengHei" panose="020B0604030504040204" pitchFamily="34" charset="-120"/>
+              </a:rPr>
+              <a:t>)</a:t>
+            </a:r>
+            <a:endParaRPr lang="vi-VN" sz="4800" b="1" dirty="0">
               <a:solidFill>
-                <a:srgbClr val="660066"/>
+                <a:srgbClr val="000066"/>
               </a:solidFill>
-              <a:latin typeface="微軟正黑體" pitchFamily="34" charset="-120"/>
-              <a:ea typeface="微軟正黑體" pitchFamily="34" charset="-120"/>
+              <a:effectLst/>
+              <a:latin typeface="Microsoft JhengHei" panose="020B0604030504040204" pitchFamily="34" charset="-120"/>
+              <a:ea typeface="Microsoft JhengHei" panose="020B0604030504040204" pitchFamily="34" charset="-120"/>
             </a:endParaRPr>
           </a:p>
-          <a:p>
-            <a:pPr algn="ctr">
-              <a:buNone/>
-            </a:pPr>
-            <a:r>
-              <a:rPr lang="zh-TW" altLang="en-US" sz="6000" b="1" dirty="0">
-                <a:solidFill>
-                  <a:srgbClr val="660066"/>
-                </a:solidFill>
-                <a:latin typeface="微軟正黑體" pitchFamily="34" charset="-120"/>
-                <a:ea typeface="微軟正黑體" pitchFamily="34" charset="-120"/>
-              </a:rPr>
-              <a:t>定意單單跟隨</a:t>
-            </a:r>
-            <a:r>
-              <a:rPr lang="zh-TW" altLang="en-US" sz="6000" b="1" dirty="0" smtClean="0">
-                <a:solidFill>
-                  <a:srgbClr val="660066"/>
-                </a:solidFill>
-                <a:latin typeface="微軟正黑體" pitchFamily="34" charset="-120"/>
-                <a:ea typeface="微軟正黑體" pitchFamily="34" charset="-120"/>
-              </a:rPr>
-              <a:t>祢</a:t>
-            </a:r>
-            <a:endParaRPr lang="zh-TW" altLang="en-US" sz="6000" b="1" dirty="0">
-              <a:solidFill>
-                <a:srgbClr val="660066"/>
-              </a:solidFill>
-              <a:latin typeface="微軟正黑體" pitchFamily="34" charset="-120"/>
-              <a:ea typeface="微軟正黑體" pitchFamily="34" charset="-120"/>
-            </a:endParaRPr>
-          </a:p>
         </p:txBody>
       </p:sp>
     </p:spTree>
+    <p:extLst>
+      <p:ext uri="{BB962C8B-B14F-4D97-AF65-F5344CB8AC3E}">
+        <p14:creationId xmlns:p14="http://schemas.microsoft.com/office/powerpoint/2010/main" val="3644344505"/>
+      </p:ext>
+    </p:extLst>
   </p:cSld>
   <p:clrMapOvr>
     <a:masterClrMapping/>
@@ -4114,37 +4743,7 @@
       </p:grpSpPr>
       <p:sp>
         <p:nvSpPr>
-          <p:cNvPr id="2" name="標題 1"/>
-          <p:cNvSpPr>
-            <a:spLocks noGrp="1"/>
-          </p:cNvSpPr>
-          <p:nvPr>
-            <p:ph type="title"/>
-          </p:nvPr>
-        </p:nvSpPr>
-        <p:spPr/>
-        <p:txBody>
-          <a:bodyPr>
-            <a:normAutofit/>
-          </a:bodyPr>
-          <a:lstStyle/>
-          <a:p>
-            <a:r>
-              <a:rPr lang="zh-TW" altLang="en-US" sz="4800" b="1" dirty="0">
-                <a:solidFill>
-                  <a:srgbClr val="660066"/>
-                </a:solidFill>
-                <a:latin typeface="微軟正黑體" pitchFamily="34" charset="-120"/>
-                <a:ea typeface="微軟正黑體" pitchFamily="34" charset="-120"/>
-              </a:rPr>
-              <a:t>我們呼求</a:t>
-            </a:r>
-          </a:p>
-        </p:txBody>
-      </p:sp>
-      <p:sp>
-        <p:nvSpPr>
-          <p:cNvPr id="3" name="內容版面配置區 2"/>
+          <p:cNvPr id="5" name="內容版面配置區 4"/>
           <p:cNvSpPr>
             <a:spLocks noGrp="1"/>
           </p:cNvSpPr>
@@ -4152,7 +4751,12 @@
             <p:ph idx="1"/>
           </p:nvPr>
         </p:nvSpPr>
-        <p:spPr/>
+        <p:spPr>
+          <a:xfrm>
+            <a:off x="0" y="2084851"/>
+            <a:ext cx="12192000" cy="2404863"/>
+          </a:xfrm>
+        </p:spPr>
         <p:txBody>
           <a:bodyPr anchor="ctr">
             <a:normAutofit/>
@@ -4163,28 +4767,18 @@
               <a:buNone/>
             </a:pPr>
             <a:r>
-              <a:rPr lang="zh-TW" altLang="en-US" sz="6000" b="1" dirty="0">
-                <a:solidFill>
-                  <a:srgbClr val="660066"/>
+              <a:rPr lang="zh-TW" altLang="en-US" sz="6400" b="1" dirty="0">
+                <a:solidFill>
+                  <a:srgbClr val="000066"/>
                 </a:solidFill>
                 <a:latin typeface="微軟正黑體" pitchFamily="34" charset="-120"/>
                 <a:ea typeface="微軟正黑體" pitchFamily="34" charset="-120"/>
               </a:rPr>
-              <a:t>主我們國家是屬於</a:t>
-            </a:r>
-            <a:r>
-              <a:rPr lang="zh-TW" altLang="en-US" sz="6000" b="1" dirty="0" smtClean="0">
-                <a:solidFill>
-                  <a:srgbClr val="660066"/>
-                </a:solidFill>
-                <a:latin typeface="微軟正黑體" pitchFamily="34" charset="-120"/>
-                <a:ea typeface="微軟正黑體" pitchFamily="34" charset="-120"/>
-              </a:rPr>
-              <a:t>祢</a:t>
-            </a:r>
-            <a:endParaRPr lang="en-US" altLang="zh-TW" sz="6000" b="1" dirty="0">
+              <a:t>我們呼求祢阿爸父</a:t>
+            </a:r>
+            <a:endParaRPr lang="en-US" altLang="zh-TW" sz="6400" b="1" dirty="0">
               <a:solidFill>
-                <a:srgbClr val="660066"/>
+                <a:srgbClr val="000066"/>
               </a:solidFill>
               <a:latin typeface="微軟正黑體" pitchFamily="34" charset="-120"/>
               <a:ea typeface="微軟正黑體" pitchFamily="34" charset="-120"/>
@@ -4195,100 +4789,98 @@
               <a:buNone/>
             </a:pPr>
             <a:r>
-              <a:rPr lang="zh-TW" altLang="en-US" sz="6000" b="1" dirty="0">
-                <a:solidFill>
-                  <a:srgbClr val="660066"/>
+              <a:rPr lang="zh-TW" altLang="en-US" sz="6400" b="1" dirty="0">
+                <a:solidFill>
+                  <a:srgbClr val="000066"/>
                 </a:solidFill>
                 <a:latin typeface="微軟正黑體" pitchFamily="34" charset="-120"/>
                 <a:ea typeface="微軟正黑體" pitchFamily="34" charset="-120"/>
               </a:rPr>
-              <a:t>求祢來掌管全</a:t>
-            </a:r>
-            <a:r>
-              <a:rPr lang="zh-TW" altLang="en-US" sz="6000" b="1" dirty="0" smtClean="0">
-                <a:solidFill>
-                  <a:srgbClr val="660066"/>
-                </a:solidFill>
-                <a:latin typeface="微軟正黑體" pitchFamily="34" charset="-120"/>
-                <a:ea typeface="微軟正黑體" pitchFamily="34" charset="-120"/>
-              </a:rPr>
-              <a:t>地</a:t>
-            </a:r>
-            <a:endParaRPr lang="en-US" altLang="zh-TW" sz="6000" b="1" dirty="0">
+              <a:t>設立祢寶座在這地</a:t>
+            </a:r>
+            <a:endParaRPr lang="en-US" altLang="zh-TW" sz="6400" b="1" dirty="0">
               <a:solidFill>
-                <a:srgbClr val="660066"/>
+                <a:srgbClr val="000066"/>
               </a:solidFill>
               <a:latin typeface="微軟正黑體" pitchFamily="34" charset="-120"/>
               <a:ea typeface="微軟正黑體" pitchFamily="34" charset="-120"/>
             </a:endParaRPr>
           </a:p>
-          <a:p>
-            <a:pPr algn="ctr">
-              <a:buNone/>
-            </a:pPr>
-            <a:r>
-              <a:rPr lang="zh-TW" altLang="en-US" sz="6000" b="1" dirty="0">
-                <a:solidFill>
-                  <a:srgbClr val="660066"/>
-                </a:solidFill>
-                <a:latin typeface="微軟正黑體" pitchFamily="34" charset="-120"/>
-                <a:ea typeface="微軟正黑體" pitchFamily="34" charset="-120"/>
-              </a:rPr>
-              <a:t>願祢來憐憫醫治這</a:t>
-            </a:r>
-            <a:r>
-              <a:rPr lang="zh-TW" altLang="en-US" sz="6000" b="1" dirty="0" smtClean="0">
-                <a:solidFill>
-                  <a:srgbClr val="660066"/>
-                </a:solidFill>
-                <a:latin typeface="微軟正黑體" pitchFamily="34" charset="-120"/>
-                <a:ea typeface="微軟正黑體" pitchFamily="34" charset="-120"/>
-              </a:rPr>
-              <a:t>地</a:t>
-            </a:r>
-            <a:endParaRPr lang="en-US" altLang="zh-TW" sz="6000" b="1" dirty="0">
+        </p:txBody>
+      </p:sp>
+      <p:sp>
+        <p:nvSpPr>
+          <p:cNvPr id="3" name="TextBox 2"/>
+          <p:cNvSpPr txBox="1"/>
+          <p:nvPr/>
+        </p:nvSpPr>
+        <p:spPr>
+          <a:xfrm>
+            <a:off x="0" y="5061182"/>
+            <a:ext cx="12192000" cy="830997"/>
+          </a:xfrm>
+          <a:prstGeom prst="rect">
+            <a:avLst/>
+          </a:prstGeom>
+          <a:noFill/>
+        </p:spPr>
+        <p:txBody>
+          <a:bodyPr wrap="square" rtlCol="0">
+            <a:spAutoFit/>
+          </a:bodyPr>
+          <a:lstStyle/>
+          <a:p>
+            <a:pPr algn="ctr"/>
+            <a:r>
+              <a:rPr lang="en-US" sz="4800" b="1" dirty="0">
+                <a:solidFill>
+                  <a:srgbClr val="000066"/>
+                </a:solidFill>
+                <a:effectLst/>
+                <a:latin typeface="Microsoft JhengHei" panose="020B0604030504040204" pitchFamily="34" charset="-120"/>
+                <a:ea typeface="Microsoft JhengHei" panose="020B0604030504040204" pitchFamily="34" charset="-120"/>
+              </a:rPr>
+              <a:t>( </a:t>
+            </a:r>
+            <a:r>
+              <a:rPr lang="zh-CN" altLang="en-US" sz="4800" b="1" dirty="0">
+                <a:solidFill>
+                  <a:srgbClr val="000066"/>
+                </a:solidFill>
+                <a:effectLst/>
+                <a:latin typeface="Microsoft JhengHei" panose="020B0604030504040204" pitchFamily="34" charset="-120"/>
+                <a:ea typeface="Microsoft JhengHei" panose="020B0604030504040204" pitchFamily="34" charset="-120"/>
+              </a:rPr>
+              <a:t>副 </a:t>
+            </a:r>
+            <a:r>
+              <a:rPr lang="en-US" sz="4800" b="1" dirty="0">
+                <a:solidFill>
+                  <a:srgbClr val="000066"/>
+                </a:solidFill>
+                <a:effectLst/>
+                <a:latin typeface="Microsoft JhengHei" panose="020B0604030504040204" pitchFamily="34" charset="-120"/>
+                <a:ea typeface="Microsoft JhengHei" panose="020B0604030504040204" pitchFamily="34" charset="-120"/>
+              </a:rPr>
+              <a:t>)</a:t>
+            </a:r>
+            <a:endParaRPr lang="vi-VN" sz="4800" b="1" dirty="0">
               <a:solidFill>
-                <a:srgbClr val="660066"/>
+                <a:srgbClr val="000066"/>
               </a:solidFill>
-              <a:latin typeface="微軟正黑體" pitchFamily="34" charset="-120"/>
-              <a:ea typeface="微軟正黑體" pitchFamily="34" charset="-120"/>
+              <a:effectLst/>
+              <a:latin typeface="Microsoft JhengHei" panose="020B0604030504040204" pitchFamily="34" charset="-120"/>
+              <a:ea typeface="Microsoft JhengHei" panose="020B0604030504040204" pitchFamily="34" charset="-120"/>
             </a:endParaRPr>
           </a:p>
-          <a:p>
-            <a:pPr algn="ctr">
-              <a:buNone/>
-            </a:pPr>
-            <a:r>
-              <a:rPr lang="zh-TW" altLang="en-US" sz="6000" b="1" dirty="0">
-                <a:solidFill>
-                  <a:srgbClr val="660066"/>
-                </a:solidFill>
-                <a:latin typeface="微軟正黑體" pitchFamily="34" charset="-120"/>
-                <a:ea typeface="微軟正黑體" pitchFamily="34" charset="-120"/>
-              </a:rPr>
-              <a:t>榮耀再次降</a:t>
-            </a:r>
-            <a:r>
-              <a:rPr lang="zh-TW" altLang="en-US" sz="6000" b="1" dirty="0" smtClean="0">
-                <a:solidFill>
-                  <a:srgbClr val="660066"/>
-                </a:solidFill>
-                <a:latin typeface="微軟正黑體" pitchFamily="34" charset="-120"/>
-                <a:ea typeface="微軟正黑體" pitchFamily="34" charset="-120"/>
-              </a:rPr>
-              <a:t>臨</a:t>
-            </a:r>
-            <a:endParaRPr lang="zh-TW" altLang="en-US" sz="6000" b="1" dirty="0">
-              <a:solidFill>
-                <a:srgbClr val="660066"/>
-              </a:solidFill>
-              <a:latin typeface="微軟正黑體" pitchFamily="34" charset="-120"/>
-              <a:ea typeface="微軟正黑體" pitchFamily="34" charset="-120"/>
-            </a:endParaRPr>
-          </a:p>
         </p:txBody>
       </p:sp>
     </p:spTree>
+    <p:extLst>
+      <p:ext uri="{BB962C8B-B14F-4D97-AF65-F5344CB8AC3E}">
+        <p14:creationId xmlns:p14="http://schemas.microsoft.com/office/powerpoint/2010/main" val="279905974"/>
+      </p:ext>
+    </p:extLst>
   </p:cSld>
   <p:clrMapOvr>
     <a:masterClrMapping/>
@@ -4315,37 +4907,7 @@
       </p:grpSpPr>
       <p:sp>
         <p:nvSpPr>
-          <p:cNvPr id="2" name="標題 1"/>
-          <p:cNvSpPr>
-            <a:spLocks noGrp="1"/>
-          </p:cNvSpPr>
-          <p:nvPr>
-            <p:ph type="title"/>
-          </p:nvPr>
-        </p:nvSpPr>
-        <p:spPr/>
-        <p:txBody>
-          <a:bodyPr>
-            <a:normAutofit/>
-          </a:bodyPr>
-          <a:lstStyle/>
-          <a:p>
-            <a:r>
-              <a:rPr lang="zh-TW" altLang="en-US" sz="4800" b="1" dirty="0">
-                <a:solidFill>
-                  <a:srgbClr val="660066"/>
-                </a:solidFill>
-                <a:latin typeface="微軟正黑體" pitchFamily="34" charset="-120"/>
-                <a:ea typeface="微軟正黑體" pitchFamily="34" charset="-120"/>
-              </a:rPr>
-              <a:t>我們呼求</a:t>
-            </a:r>
-          </a:p>
-        </p:txBody>
-      </p:sp>
-      <p:sp>
-        <p:nvSpPr>
-          <p:cNvPr id="3" name="內容版面配置區 2"/>
+          <p:cNvPr id="5" name="內容版面配置區 4"/>
           <p:cNvSpPr>
             <a:spLocks noGrp="1"/>
           </p:cNvSpPr>
@@ -4353,7 +4915,12 @@
             <p:ph idx="1"/>
           </p:nvPr>
         </p:nvSpPr>
-        <p:spPr/>
+        <p:spPr>
+          <a:xfrm>
+            <a:off x="0" y="2084851"/>
+            <a:ext cx="12192000" cy="2404863"/>
+          </a:xfrm>
+        </p:spPr>
         <p:txBody>
           <a:bodyPr anchor="ctr">
             <a:normAutofit/>
@@ -4364,28 +4931,18 @@
               <a:buNone/>
             </a:pPr>
             <a:r>
-              <a:rPr lang="zh-TW" altLang="en-US" sz="6000" b="1" dirty="0">
-                <a:solidFill>
-                  <a:srgbClr val="660066"/>
+              <a:rPr lang="zh-TW" altLang="en-US" sz="6400" b="1" dirty="0">
+                <a:solidFill>
+                  <a:srgbClr val="000066"/>
                 </a:solidFill>
                 <a:latin typeface="微軟正黑體" pitchFamily="34" charset="-120"/>
                 <a:ea typeface="微軟正黑體" pitchFamily="34" charset="-120"/>
               </a:rPr>
-              <a:t>我們呼求祢阿爸</a:t>
-            </a:r>
-            <a:r>
-              <a:rPr lang="zh-TW" altLang="en-US" sz="6000" b="1" dirty="0" smtClean="0">
-                <a:solidFill>
-                  <a:srgbClr val="660066"/>
-                </a:solidFill>
-                <a:latin typeface="微軟正黑體" pitchFamily="34" charset="-120"/>
-                <a:ea typeface="微軟正黑體" pitchFamily="34" charset="-120"/>
-              </a:rPr>
-              <a:t>父</a:t>
-            </a:r>
-            <a:endParaRPr lang="en-US" altLang="zh-TW" sz="6000" b="1" dirty="0">
+              <a:t>祢必睜眼看側耳垂聽</a:t>
+            </a:r>
+            <a:endParaRPr lang="en-US" altLang="zh-TW" sz="6400" b="1" dirty="0">
               <a:solidFill>
-                <a:srgbClr val="660066"/>
+                <a:srgbClr val="000066"/>
               </a:solidFill>
               <a:latin typeface="微軟正黑體" pitchFamily="34" charset="-120"/>
               <a:ea typeface="微軟正黑體" pitchFamily="34" charset="-120"/>
@@ -4396,100 +4953,98 @@
               <a:buNone/>
             </a:pPr>
             <a:r>
-              <a:rPr lang="zh-TW" altLang="en-US" sz="6000" b="1" dirty="0">
-                <a:solidFill>
-                  <a:srgbClr val="660066"/>
+              <a:rPr lang="zh-TW" altLang="en-US" sz="6400" b="1" dirty="0">
+                <a:solidFill>
+                  <a:srgbClr val="000066"/>
                 </a:solidFill>
                 <a:latin typeface="微軟正黑體" pitchFamily="34" charset="-120"/>
                 <a:ea typeface="微軟正黑體" pitchFamily="34" charset="-120"/>
               </a:rPr>
-              <a:t>設立祢寶座在這</a:t>
-            </a:r>
-            <a:r>
-              <a:rPr lang="zh-TW" altLang="en-US" sz="6000" b="1" dirty="0" smtClean="0">
-                <a:solidFill>
-                  <a:srgbClr val="660066"/>
-                </a:solidFill>
-                <a:latin typeface="微軟正黑體" pitchFamily="34" charset="-120"/>
-                <a:ea typeface="微軟正黑體" pitchFamily="34" charset="-120"/>
-              </a:rPr>
-              <a:t>地</a:t>
-            </a:r>
-            <a:endParaRPr lang="en-US" altLang="zh-TW" sz="6000" b="1" dirty="0">
+              <a:t>奉主名的呼求</a:t>
+            </a:r>
+            <a:endParaRPr lang="zh-TW" altLang="en-US" sz="6400" b="1" dirty="0">
               <a:solidFill>
-                <a:srgbClr val="660066"/>
+                <a:srgbClr val="000066"/>
               </a:solidFill>
               <a:latin typeface="微軟正黑體" pitchFamily="34" charset="-120"/>
               <a:ea typeface="微軟正黑體" pitchFamily="34" charset="-120"/>
             </a:endParaRPr>
           </a:p>
-          <a:p>
-            <a:pPr algn="ctr">
-              <a:buNone/>
-            </a:pPr>
-            <a:r>
-              <a:rPr lang="zh-TW" altLang="en-US" sz="6000" b="1" dirty="0">
-                <a:solidFill>
-                  <a:srgbClr val="660066"/>
-                </a:solidFill>
-                <a:latin typeface="微軟正黑體" pitchFamily="34" charset="-120"/>
-                <a:ea typeface="微軟正黑體" pitchFamily="34" charset="-120"/>
-              </a:rPr>
-              <a:t>祢必睜眼看側耳垂</a:t>
-            </a:r>
-            <a:r>
-              <a:rPr lang="zh-TW" altLang="en-US" sz="6000" b="1" dirty="0" smtClean="0">
-                <a:solidFill>
-                  <a:srgbClr val="660066"/>
-                </a:solidFill>
-                <a:latin typeface="微軟正黑體" pitchFamily="34" charset="-120"/>
-                <a:ea typeface="微軟正黑體" pitchFamily="34" charset="-120"/>
-              </a:rPr>
-              <a:t>聽</a:t>
-            </a:r>
-            <a:endParaRPr lang="en-US" altLang="zh-TW" sz="6000" b="1" dirty="0">
+        </p:txBody>
+      </p:sp>
+      <p:sp>
+        <p:nvSpPr>
+          <p:cNvPr id="3" name="TextBox 2"/>
+          <p:cNvSpPr txBox="1"/>
+          <p:nvPr/>
+        </p:nvSpPr>
+        <p:spPr>
+          <a:xfrm>
+            <a:off x="0" y="5061182"/>
+            <a:ext cx="12192000" cy="830997"/>
+          </a:xfrm>
+          <a:prstGeom prst="rect">
+            <a:avLst/>
+          </a:prstGeom>
+          <a:noFill/>
+        </p:spPr>
+        <p:txBody>
+          <a:bodyPr wrap="square" rtlCol="0">
+            <a:spAutoFit/>
+          </a:bodyPr>
+          <a:lstStyle/>
+          <a:p>
+            <a:pPr algn="ctr"/>
+            <a:r>
+              <a:rPr lang="en-US" sz="4800" b="1" dirty="0">
+                <a:solidFill>
+                  <a:srgbClr val="000066"/>
+                </a:solidFill>
+                <a:effectLst/>
+                <a:latin typeface="Microsoft JhengHei" panose="020B0604030504040204" pitchFamily="34" charset="-120"/>
+                <a:ea typeface="Microsoft JhengHei" panose="020B0604030504040204" pitchFamily="34" charset="-120"/>
+              </a:rPr>
+              <a:t>( </a:t>
+            </a:r>
+            <a:r>
+              <a:rPr lang="zh-CN" altLang="en-US" sz="4800" b="1" dirty="0">
+                <a:solidFill>
+                  <a:srgbClr val="000066"/>
+                </a:solidFill>
+                <a:effectLst/>
+                <a:latin typeface="Microsoft JhengHei" panose="020B0604030504040204" pitchFamily="34" charset="-120"/>
+                <a:ea typeface="Microsoft JhengHei" panose="020B0604030504040204" pitchFamily="34" charset="-120"/>
+              </a:rPr>
+              <a:t>副 </a:t>
+            </a:r>
+            <a:r>
+              <a:rPr lang="en-US" sz="4800" b="1" dirty="0">
+                <a:solidFill>
+                  <a:srgbClr val="000066"/>
+                </a:solidFill>
+                <a:effectLst/>
+                <a:latin typeface="Microsoft JhengHei" panose="020B0604030504040204" pitchFamily="34" charset="-120"/>
+                <a:ea typeface="Microsoft JhengHei" panose="020B0604030504040204" pitchFamily="34" charset="-120"/>
+              </a:rPr>
+              <a:t>)</a:t>
+            </a:r>
+            <a:endParaRPr lang="vi-VN" sz="4800" b="1" dirty="0">
               <a:solidFill>
-                <a:srgbClr val="660066"/>
+                <a:srgbClr val="000066"/>
               </a:solidFill>
-              <a:latin typeface="微軟正黑體" pitchFamily="34" charset="-120"/>
-              <a:ea typeface="微軟正黑體" pitchFamily="34" charset="-120"/>
+              <a:effectLst/>
+              <a:latin typeface="Microsoft JhengHei" panose="020B0604030504040204" pitchFamily="34" charset="-120"/>
+              <a:ea typeface="Microsoft JhengHei" panose="020B0604030504040204" pitchFamily="34" charset="-120"/>
             </a:endParaRPr>
           </a:p>
-          <a:p>
-            <a:pPr algn="ctr">
-              <a:buNone/>
-            </a:pPr>
-            <a:r>
-              <a:rPr lang="zh-TW" altLang="en-US" sz="6000" b="1" dirty="0">
-                <a:solidFill>
-                  <a:srgbClr val="660066"/>
-                </a:solidFill>
-                <a:latin typeface="微軟正黑體" pitchFamily="34" charset="-120"/>
-                <a:ea typeface="微軟正黑體" pitchFamily="34" charset="-120"/>
-              </a:rPr>
-              <a:t>奉主名的呼</a:t>
-            </a:r>
-            <a:r>
-              <a:rPr lang="zh-TW" altLang="en-US" sz="6000" b="1" dirty="0" smtClean="0">
-                <a:solidFill>
-                  <a:srgbClr val="660066"/>
-                </a:solidFill>
-                <a:latin typeface="微軟正黑體" pitchFamily="34" charset="-120"/>
-                <a:ea typeface="微軟正黑體" pitchFamily="34" charset="-120"/>
-              </a:rPr>
-              <a:t>求</a:t>
-            </a:r>
-            <a:endParaRPr lang="zh-TW" altLang="en-US" sz="6000" b="1" dirty="0">
-              <a:solidFill>
-                <a:srgbClr val="660066"/>
-              </a:solidFill>
-              <a:latin typeface="微軟正黑體" pitchFamily="34" charset="-120"/>
-              <a:ea typeface="微軟正黑體" pitchFamily="34" charset="-120"/>
-            </a:endParaRPr>
-          </a:p>
         </p:txBody>
       </p:sp>
     </p:spTree>
+    <p:extLst>
+      <p:ext uri="{BB962C8B-B14F-4D97-AF65-F5344CB8AC3E}">
+        <p14:creationId xmlns:p14="http://schemas.microsoft.com/office/powerpoint/2010/main" val="2480123043"/>
+      </p:ext>
+    </p:extLst>
   </p:cSld>
   <p:clrMapOvr>
     <a:masterClrMapping/>
@@ -4516,37 +5071,7 @@
       </p:grpSpPr>
       <p:sp>
         <p:nvSpPr>
-          <p:cNvPr id="2" name="標題 1"/>
-          <p:cNvSpPr>
-            <a:spLocks noGrp="1"/>
-          </p:cNvSpPr>
-          <p:nvPr>
-            <p:ph type="title"/>
-          </p:nvPr>
-        </p:nvSpPr>
-        <p:spPr/>
-        <p:txBody>
-          <a:bodyPr>
-            <a:normAutofit/>
-          </a:bodyPr>
-          <a:lstStyle/>
-          <a:p>
-            <a:r>
-              <a:rPr lang="zh-TW" altLang="en-US" sz="4800" b="1" dirty="0">
-                <a:solidFill>
-                  <a:srgbClr val="660066"/>
-                </a:solidFill>
-                <a:latin typeface="微軟正黑體" pitchFamily="34" charset="-120"/>
-                <a:ea typeface="微軟正黑體" pitchFamily="34" charset="-120"/>
-              </a:rPr>
-              <a:t>我們呼求</a:t>
-            </a:r>
-          </a:p>
-        </p:txBody>
-      </p:sp>
-      <p:sp>
-        <p:nvSpPr>
-          <p:cNvPr id="3" name="內容版面配置區 2"/>
+          <p:cNvPr id="5" name="內容版面配置區 4"/>
           <p:cNvSpPr>
             <a:spLocks noGrp="1"/>
           </p:cNvSpPr>
@@ -4554,7 +5079,12 @@
             <p:ph idx="1"/>
           </p:nvPr>
         </p:nvSpPr>
-        <p:spPr/>
+        <p:spPr>
+          <a:xfrm>
+            <a:off x="0" y="2084851"/>
+            <a:ext cx="12192000" cy="2404863"/>
+          </a:xfrm>
+        </p:spPr>
         <p:txBody>
           <a:bodyPr anchor="ctr">
             <a:normAutofit/>
@@ -4565,28 +5095,18 @@
               <a:buNone/>
             </a:pPr>
             <a:r>
-              <a:rPr lang="zh-TW" altLang="en-US" sz="6000" b="1" dirty="0">
-                <a:solidFill>
-                  <a:srgbClr val="660066"/>
+              <a:rPr lang="zh-TW" altLang="en-US" sz="6400" b="1" dirty="0">
+                <a:solidFill>
+                  <a:srgbClr val="000066"/>
                 </a:solidFill>
                 <a:latin typeface="微軟正黑體" pitchFamily="34" charset="-120"/>
                 <a:ea typeface="微軟正黑體" pitchFamily="34" charset="-120"/>
               </a:rPr>
-              <a:t>萬民都要來敬拜</a:t>
-            </a:r>
-            <a:r>
-              <a:rPr lang="zh-TW" altLang="en-US" sz="6000" b="1" dirty="0" smtClean="0">
-                <a:solidFill>
-                  <a:srgbClr val="660066"/>
-                </a:solidFill>
-                <a:latin typeface="微軟正黑體" pitchFamily="34" charset="-120"/>
-                <a:ea typeface="微軟正黑體" pitchFamily="34" charset="-120"/>
-              </a:rPr>
-              <a:t>祢</a:t>
-            </a:r>
-            <a:endParaRPr lang="en-US" altLang="zh-TW" sz="6000" b="1" dirty="0">
+              <a:t>萬民都要來敬拜祢</a:t>
+            </a:r>
+            <a:endParaRPr lang="en-US" altLang="zh-TW" sz="6400" b="1" dirty="0">
               <a:solidFill>
-                <a:srgbClr val="660066"/>
+                <a:srgbClr val="000066"/>
               </a:solidFill>
               <a:latin typeface="微軟正黑體" pitchFamily="34" charset="-120"/>
               <a:ea typeface="微軟正黑體" pitchFamily="34" charset="-120"/>
@@ -4597,60 +5117,160 @@
               <a:buNone/>
             </a:pPr>
             <a:r>
-              <a:rPr lang="zh-TW" altLang="en-US" sz="6000" b="1" dirty="0">
-                <a:solidFill>
-                  <a:srgbClr val="660066"/>
+              <a:rPr lang="zh-TW" altLang="en-US" sz="6400" b="1" dirty="0">
+                <a:solidFill>
+                  <a:srgbClr val="000066"/>
                 </a:solidFill>
                 <a:latin typeface="微軟正黑體" pitchFamily="34" charset="-120"/>
                 <a:ea typeface="微軟正黑體" pitchFamily="34" charset="-120"/>
               </a:rPr>
-              <a:t>榮耀高舉祢的聖</a:t>
-            </a:r>
-            <a:r>
-              <a:rPr lang="zh-TW" altLang="en-US" sz="6000" b="1" dirty="0" smtClean="0">
-                <a:solidFill>
-                  <a:srgbClr val="660066"/>
-                </a:solidFill>
-                <a:latin typeface="微軟正黑體" pitchFamily="34" charset="-120"/>
-                <a:ea typeface="微軟正黑體" pitchFamily="34" charset="-120"/>
-              </a:rPr>
-              <a:t>名</a:t>
-            </a:r>
-            <a:endParaRPr lang="en-US" altLang="zh-TW" sz="6000" b="1" dirty="0">
+              <a:t>榮耀高舉祢的聖名</a:t>
+            </a:r>
+            <a:endParaRPr lang="en-US" altLang="zh-TW" sz="6400" b="1" dirty="0">
               <a:solidFill>
-                <a:srgbClr val="660066"/>
+                <a:srgbClr val="000066"/>
               </a:solidFill>
               <a:latin typeface="微軟正黑體" pitchFamily="34" charset="-120"/>
               <a:ea typeface="微軟正黑體" pitchFamily="34" charset="-120"/>
             </a:endParaRPr>
           </a:p>
+        </p:txBody>
+      </p:sp>
+      <p:sp>
+        <p:nvSpPr>
+          <p:cNvPr id="3" name="TextBox 2"/>
+          <p:cNvSpPr txBox="1"/>
+          <p:nvPr/>
+        </p:nvSpPr>
+        <p:spPr>
+          <a:xfrm>
+            <a:off x="0" y="5061182"/>
+            <a:ext cx="12192000" cy="830997"/>
+          </a:xfrm>
+          <a:prstGeom prst="rect">
+            <a:avLst/>
+          </a:prstGeom>
+          <a:noFill/>
+        </p:spPr>
+        <p:txBody>
+          <a:bodyPr wrap="square" rtlCol="0">
+            <a:spAutoFit/>
+          </a:bodyPr>
+          <a:lstStyle/>
+          <a:p>
+            <a:pPr algn="ctr"/>
+            <a:r>
+              <a:rPr lang="en-US" sz="4800" b="1" dirty="0">
+                <a:solidFill>
+                  <a:srgbClr val="000066"/>
+                </a:solidFill>
+                <a:effectLst/>
+                <a:latin typeface="Microsoft JhengHei" panose="020B0604030504040204" pitchFamily="34" charset="-120"/>
+                <a:ea typeface="Microsoft JhengHei" panose="020B0604030504040204" pitchFamily="34" charset="-120"/>
+              </a:rPr>
+              <a:t>( </a:t>
+            </a:r>
+            <a:r>
+              <a:rPr lang="zh-CN" altLang="en-US" sz="4800" b="1" dirty="0">
+                <a:solidFill>
+                  <a:srgbClr val="000066"/>
+                </a:solidFill>
+                <a:effectLst/>
+                <a:latin typeface="Microsoft JhengHei" panose="020B0604030504040204" pitchFamily="34" charset="-120"/>
+                <a:ea typeface="Microsoft JhengHei" panose="020B0604030504040204" pitchFamily="34" charset="-120"/>
+              </a:rPr>
+              <a:t>副 </a:t>
+            </a:r>
+            <a:r>
+              <a:rPr lang="en-US" sz="4800" b="1" dirty="0">
+                <a:solidFill>
+                  <a:srgbClr val="000066"/>
+                </a:solidFill>
+                <a:effectLst/>
+                <a:latin typeface="Microsoft JhengHei" panose="020B0604030504040204" pitchFamily="34" charset="-120"/>
+                <a:ea typeface="Microsoft JhengHei" panose="020B0604030504040204" pitchFamily="34" charset="-120"/>
+              </a:rPr>
+              <a:t>)</a:t>
+            </a:r>
+            <a:endParaRPr lang="vi-VN" sz="4800" b="1" dirty="0">
+              <a:solidFill>
+                <a:srgbClr val="000066"/>
+              </a:solidFill>
+              <a:effectLst/>
+              <a:latin typeface="Microsoft JhengHei" panose="020B0604030504040204" pitchFamily="34" charset="-120"/>
+              <a:ea typeface="Microsoft JhengHei" panose="020B0604030504040204" pitchFamily="34" charset="-120"/>
+            </a:endParaRPr>
+          </a:p>
+        </p:txBody>
+      </p:sp>
+    </p:spTree>
+    <p:extLst>
+      <p:ext uri="{BB962C8B-B14F-4D97-AF65-F5344CB8AC3E}">
+        <p14:creationId xmlns:p14="http://schemas.microsoft.com/office/powerpoint/2010/main" val="2676116063"/>
+      </p:ext>
+    </p:extLst>
+  </p:cSld>
+  <p:clrMapOvr>
+    <a:masterClrMapping/>
+  </p:clrMapOvr>
+</p:sld>
+</file>
+
+<file path=ppt/slides/slide9.xml><?xml version="1.0" encoding="utf-8"?>
+<p:sld xmlns:a="http://schemas.openxmlformats.org/drawingml/2006/main" xmlns:r="http://schemas.openxmlformats.org/officeDocument/2006/relationships" xmlns:p="http://schemas.openxmlformats.org/presentationml/2006/main">
+  <p:cSld>
+    <p:spTree>
+      <p:nvGrpSpPr>
+        <p:cNvPr id="1" name=""/>
+        <p:cNvGrpSpPr/>
+        <p:nvPr/>
+      </p:nvGrpSpPr>
+      <p:grpSpPr>
+        <a:xfrm>
+          <a:off x="0" y="0"/>
+          <a:ext cx="0" cy="0"/>
+          <a:chOff x="0" y="0"/>
+          <a:chExt cx="0" cy="0"/>
+        </a:xfrm>
+      </p:grpSpPr>
+      <p:sp>
+        <p:nvSpPr>
+          <p:cNvPr id="5" name="內容版面配置區 4"/>
+          <p:cNvSpPr>
+            <a:spLocks noGrp="1"/>
+          </p:cNvSpPr>
+          <p:nvPr>
+            <p:ph idx="1"/>
+          </p:nvPr>
+        </p:nvSpPr>
+        <p:spPr>
+          <a:xfrm>
+            <a:off x="0" y="2084851"/>
+            <a:ext cx="12192000" cy="2404863"/>
+          </a:xfrm>
+        </p:spPr>
+        <p:txBody>
+          <a:bodyPr anchor="ctr">
+            <a:normAutofit/>
+          </a:bodyPr>
+          <a:lstStyle/>
           <a:p>
             <a:pPr algn="ctr">
               <a:buNone/>
             </a:pPr>
             <a:r>
-              <a:rPr lang="zh-TW" altLang="en-US" sz="6000" b="1" dirty="0">
-                <a:solidFill>
-                  <a:srgbClr val="660066"/>
+              <a:rPr lang="zh-TW" altLang="en-US" sz="6400" b="1" dirty="0">
+                <a:solidFill>
+                  <a:srgbClr val="000066"/>
                 </a:solidFill>
                 <a:latin typeface="微軟正黑體" pitchFamily="34" charset="-120"/>
                 <a:ea typeface="微軟正黑體" pitchFamily="34" charset="-120"/>
               </a:rPr>
-              <a:t>復興這地 全能的君</a:t>
-            </a:r>
-            <a:r>
-              <a:rPr lang="zh-TW" altLang="en-US" sz="6000" b="1" dirty="0" smtClean="0">
-                <a:solidFill>
-                  <a:srgbClr val="660066"/>
-                </a:solidFill>
-                <a:latin typeface="微軟正黑體" pitchFamily="34" charset="-120"/>
-                <a:ea typeface="微軟正黑體" pitchFamily="34" charset="-120"/>
-              </a:rPr>
-              <a:t>王</a:t>
-            </a:r>
-            <a:endParaRPr lang="en-US" altLang="zh-TW" sz="6000" b="1" dirty="0">
+              <a:t>復興這地  全能的君王</a:t>
+            </a:r>
+            <a:endParaRPr lang="en-US" altLang="zh-TW" sz="6400" b="1" dirty="0">
               <a:solidFill>
-                <a:srgbClr val="660066"/>
+                <a:srgbClr val="000066"/>
               </a:solidFill>
               <a:latin typeface="微軟正黑體" pitchFamily="34" charset="-120"/>
               <a:ea typeface="微軟正黑體" pitchFamily="34" charset="-120"/>
@@ -4661,28 +5281,18 @@
               <a:buNone/>
             </a:pPr>
             <a:r>
-              <a:rPr lang="zh-TW" altLang="en-US" sz="6000" b="1" dirty="0">
-                <a:solidFill>
-                  <a:srgbClr val="660066"/>
+              <a:rPr lang="zh-TW" altLang="en-US" sz="6400" b="1" dirty="0">
+                <a:solidFill>
+                  <a:srgbClr val="000066"/>
                 </a:solidFill>
                 <a:latin typeface="微軟正黑體" pitchFamily="34" charset="-120"/>
                 <a:ea typeface="微軟正黑體" pitchFamily="34" charset="-120"/>
               </a:rPr>
-              <a:t>我們歡</a:t>
-            </a:r>
-            <a:r>
-              <a:rPr lang="zh-TW" altLang="en-US" sz="6000" b="1" dirty="0" smtClean="0">
-                <a:solidFill>
-                  <a:srgbClr val="660066"/>
-                </a:solidFill>
-                <a:latin typeface="微軟正黑體" pitchFamily="34" charset="-120"/>
-                <a:ea typeface="微軟正黑體" pitchFamily="34" charset="-120"/>
-              </a:rPr>
-              <a:t>迎祢</a:t>
-            </a:r>
-            <a:endParaRPr lang="zh-TW" altLang="en-US" sz="6000" b="1" dirty="0">
+              <a:t>我們歡迎祢</a:t>
+            </a:r>
+            <a:endParaRPr lang="zh-TW" altLang="en-US" sz="6400" b="1" dirty="0">
               <a:solidFill>
-                <a:srgbClr val="660066"/>
+                <a:srgbClr val="000066"/>
               </a:solidFill>
               <a:latin typeface="微軟正黑體" pitchFamily="34" charset="-120"/>
               <a:ea typeface="微軟正黑體" pitchFamily="34" charset="-120"/>
@@ -4690,7 +5300,79 @@
           </a:p>
         </p:txBody>
       </p:sp>
+      <p:sp>
+        <p:nvSpPr>
+          <p:cNvPr id="3" name="TextBox 2"/>
+          <p:cNvSpPr txBox="1"/>
+          <p:nvPr/>
+        </p:nvSpPr>
+        <p:spPr>
+          <a:xfrm>
+            <a:off x="0" y="5061182"/>
+            <a:ext cx="12192000" cy="830997"/>
+          </a:xfrm>
+          <a:prstGeom prst="rect">
+            <a:avLst/>
+          </a:prstGeom>
+          <a:noFill/>
+        </p:spPr>
+        <p:txBody>
+          <a:bodyPr wrap="square" rtlCol="0">
+            <a:spAutoFit/>
+          </a:bodyPr>
+          <a:lstStyle/>
+          <a:p>
+            <a:pPr algn="ctr"/>
+            <a:r>
+              <a:rPr lang="en-US" sz="4800" b="1" dirty="0">
+                <a:solidFill>
+                  <a:srgbClr val="000066"/>
+                </a:solidFill>
+                <a:effectLst/>
+                <a:latin typeface="Microsoft JhengHei" panose="020B0604030504040204" pitchFamily="34" charset="-120"/>
+                <a:ea typeface="Microsoft JhengHei" panose="020B0604030504040204" pitchFamily="34" charset="-120"/>
+              </a:rPr>
+              <a:t>( </a:t>
+            </a:r>
+            <a:r>
+              <a:rPr lang="zh-CN" altLang="en-US" sz="4800" b="1" dirty="0">
+                <a:solidFill>
+                  <a:srgbClr val="000066"/>
+                </a:solidFill>
+                <a:effectLst/>
+                <a:latin typeface="Microsoft JhengHei" panose="020B0604030504040204" pitchFamily="34" charset="-120"/>
+                <a:ea typeface="Microsoft JhengHei" panose="020B0604030504040204" pitchFamily="34" charset="-120"/>
+              </a:rPr>
+              <a:t>副 </a:t>
+            </a:r>
+            <a:r>
+              <a:rPr lang="en-US" sz="4800" b="1" dirty="0">
+                <a:solidFill>
+                  <a:srgbClr val="000066"/>
+                </a:solidFill>
+                <a:effectLst/>
+                <a:latin typeface="Microsoft JhengHei" panose="020B0604030504040204" pitchFamily="34" charset="-120"/>
+                <a:ea typeface="Microsoft JhengHei" panose="020B0604030504040204" pitchFamily="34" charset="-120"/>
+              </a:rPr>
+              <a:t>)</a:t>
+            </a:r>
+            <a:endParaRPr lang="vi-VN" sz="4800" b="1" dirty="0">
+              <a:solidFill>
+                <a:srgbClr val="000066"/>
+              </a:solidFill>
+              <a:effectLst/>
+              <a:latin typeface="Microsoft JhengHei" panose="020B0604030504040204" pitchFamily="34" charset="-120"/>
+              <a:ea typeface="Microsoft JhengHei" panose="020B0604030504040204" pitchFamily="34" charset="-120"/>
+            </a:endParaRPr>
+          </a:p>
+        </p:txBody>
+      </p:sp>
     </p:spTree>
+    <p:extLst>
+      <p:ext uri="{BB962C8B-B14F-4D97-AF65-F5344CB8AC3E}">
+        <p14:creationId xmlns:p14="http://schemas.microsoft.com/office/powerpoint/2010/main" val="2319533097"/>
+      </p:ext>
+    </p:extLst>
   </p:cSld>
   <p:clrMapOvr>
     <a:masterClrMapping/>

--- a/我們呼求.pptx
+++ b/我們呼求.pptx
@@ -173,7 +173,7 @@
           <a:lstStyle/>
           <a:p>
             <a:r>
-              <a:rPr lang="en-US" altLang="zh-TW" smtClean="0"/>
+              <a:rPr lang="en-US" altLang="zh-TW"/>
               <a:t>Click to edit Master title style</a:t>
             </a:r>
             <a:endParaRPr lang="zh-TW" altLang="en-US"/>
@@ -292,7 +292,7 @@
           </a:lstStyle>
           <a:p>
             <a:r>
-              <a:rPr lang="en-US" altLang="zh-TW" smtClean="0"/>
+              <a:rPr lang="en-US" altLang="zh-TW"/>
               <a:t>Click to edit Master subtitle style</a:t>
             </a:r>
             <a:endParaRPr lang="zh-TW" altLang="en-US"/>
@@ -316,7 +316,7 @@
           <a:p>
             <a:fld id="{0C929668-19BB-4531-B921-24AC1C4F06E4}" type="datetimeFigureOut">
               <a:rPr lang="zh-TW" altLang="en-US" smtClean="0"/>
-              <a:t>2021/10/29</a:t>
+              <a:t>2024/3/7</a:t>
             </a:fld>
             <a:endParaRPr lang="zh-TW" altLang="en-US"/>
           </a:p>
@@ -410,7 +410,7 @@
           <a:lstStyle/>
           <a:p>
             <a:r>
-              <a:rPr lang="en-US" altLang="zh-TW" smtClean="0"/>
+              <a:rPr lang="en-US" altLang="zh-TW"/>
               <a:t>Click to edit Master title style</a:t>
             </a:r>
             <a:endParaRPr lang="zh-TW" altLang="en-US"/>
@@ -434,35 +434,35 @@
           <a:p>
             <a:pPr lvl="0"/>
             <a:r>
-              <a:rPr lang="en-US" altLang="zh-TW" smtClean="0"/>
+              <a:rPr lang="en-US" altLang="zh-TW"/>
               <a:t>Edit Master text styles</a:t>
             </a:r>
           </a:p>
           <a:p>
             <a:pPr lvl="1"/>
             <a:r>
-              <a:rPr lang="en-US" altLang="zh-TW" smtClean="0"/>
+              <a:rPr lang="en-US" altLang="zh-TW"/>
               <a:t>Second level</a:t>
             </a:r>
           </a:p>
           <a:p>
             <a:pPr lvl="2"/>
             <a:r>
-              <a:rPr lang="en-US" altLang="zh-TW" smtClean="0"/>
+              <a:rPr lang="en-US" altLang="zh-TW"/>
               <a:t>Third level</a:t>
             </a:r>
           </a:p>
           <a:p>
             <a:pPr lvl="3"/>
             <a:r>
-              <a:rPr lang="en-US" altLang="zh-TW" smtClean="0"/>
+              <a:rPr lang="en-US" altLang="zh-TW"/>
               <a:t>Fourth level</a:t>
             </a:r>
           </a:p>
           <a:p>
             <a:pPr lvl="4"/>
             <a:r>
-              <a:rPr lang="en-US" altLang="zh-TW" smtClean="0"/>
+              <a:rPr lang="en-US" altLang="zh-TW"/>
               <a:t>Fifth level</a:t>
             </a:r>
             <a:endParaRPr lang="zh-TW" altLang="en-US"/>
@@ -486,7 +486,7 @@
           <a:p>
             <a:fld id="{0C929668-19BB-4531-B921-24AC1C4F06E4}" type="datetimeFigureOut">
               <a:rPr lang="zh-TW" altLang="en-US" smtClean="0"/>
-              <a:t>2021/10/29</a:t>
+              <a:t>2024/3/7</a:t>
             </a:fld>
             <a:endParaRPr lang="zh-TW" altLang="en-US"/>
           </a:p>
@@ -585,7 +585,7 @@
           <a:lstStyle/>
           <a:p>
             <a:r>
-              <a:rPr lang="en-US" altLang="zh-TW" smtClean="0"/>
+              <a:rPr lang="en-US" altLang="zh-TW"/>
               <a:t>Click to edit Master title style</a:t>
             </a:r>
             <a:endParaRPr lang="zh-TW" altLang="en-US"/>
@@ -614,35 +614,35 @@
           <a:p>
             <a:pPr lvl="0"/>
             <a:r>
-              <a:rPr lang="en-US" altLang="zh-TW" smtClean="0"/>
+              <a:rPr lang="en-US" altLang="zh-TW"/>
               <a:t>Edit Master text styles</a:t>
             </a:r>
           </a:p>
           <a:p>
             <a:pPr lvl="1"/>
             <a:r>
-              <a:rPr lang="en-US" altLang="zh-TW" smtClean="0"/>
+              <a:rPr lang="en-US" altLang="zh-TW"/>
               <a:t>Second level</a:t>
             </a:r>
           </a:p>
           <a:p>
             <a:pPr lvl="2"/>
             <a:r>
-              <a:rPr lang="en-US" altLang="zh-TW" smtClean="0"/>
+              <a:rPr lang="en-US" altLang="zh-TW"/>
               <a:t>Third level</a:t>
             </a:r>
           </a:p>
           <a:p>
             <a:pPr lvl="3"/>
             <a:r>
-              <a:rPr lang="en-US" altLang="zh-TW" smtClean="0"/>
+              <a:rPr lang="en-US" altLang="zh-TW"/>
               <a:t>Fourth level</a:t>
             </a:r>
           </a:p>
           <a:p>
             <a:pPr lvl="4"/>
             <a:r>
-              <a:rPr lang="en-US" altLang="zh-TW" smtClean="0"/>
+              <a:rPr lang="en-US" altLang="zh-TW"/>
               <a:t>Fifth level</a:t>
             </a:r>
             <a:endParaRPr lang="zh-TW" altLang="en-US"/>
@@ -666,7 +666,7 @@
           <a:p>
             <a:fld id="{0C929668-19BB-4531-B921-24AC1C4F06E4}" type="datetimeFigureOut">
               <a:rPr lang="zh-TW" altLang="en-US" smtClean="0"/>
-              <a:t>2021/10/29</a:t>
+              <a:t>2024/3/7</a:t>
             </a:fld>
             <a:endParaRPr lang="zh-TW" altLang="en-US"/>
           </a:p>
@@ -760,7 +760,7 @@
           <a:lstStyle/>
           <a:p>
             <a:r>
-              <a:rPr lang="en-US" altLang="zh-TW" smtClean="0"/>
+              <a:rPr lang="en-US" altLang="zh-TW"/>
               <a:t>Click to edit Master title style</a:t>
             </a:r>
             <a:endParaRPr lang="zh-TW" altLang="en-US"/>
@@ -784,35 +784,35 @@
           <a:p>
             <a:pPr lvl="0"/>
             <a:r>
-              <a:rPr lang="en-US" altLang="zh-TW" smtClean="0"/>
+              <a:rPr lang="en-US" altLang="zh-TW"/>
               <a:t>Edit Master text styles</a:t>
             </a:r>
           </a:p>
           <a:p>
             <a:pPr lvl="1"/>
             <a:r>
-              <a:rPr lang="en-US" altLang="zh-TW" smtClean="0"/>
+              <a:rPr lang="en-US" altLang="zh-TW"/>
               <a:t>Second level</a:t>
             </a:r>
           </a:p>
           <a:p>
             <a:pPr lvl="2"/>
             <a:r>
-              <a:rPr lang="en-US" altLang="zh-TW" smtClean="0"/>
+              <a:rPr lang="en-US" altLang="zh-TW"/>
               <a:t>Third level</a:t>
             </a:r>
           </a:p>
           <a:p>
             <a:pPr lvl="3"/>
             <a:r>
-              <a:rPr lang="en-US" altLang="zh-TW" smtClean="0"/>
+              <a:rPr lang="en-US" altLang="zh-TW"/>
               <a:t>Fourth level</a:t>
             </a:r>
           </a:p>
           <a:p>
             <a:pPr lvl="4"/>
             <a:r>
-              <a:rPr lang="en-US" altLang="zh-TW" smtClean="0"/>
+              <a:rPr lang="en-US" altLang="zh-TW"/>
               <a:t>Fifth level</a:t>
             </a:r>
             <a:endParaRPr lang="zh-TW" altLang="en-US"/>
@@ -836,7 +836,7 @@
           <a:p>
             <a:fld id="{0C929668-19BB-4531-B921-24AC1C4F06E4}" type="datetimeFigureOut">
               <a:rPr lang="zh-TW" altLang="en-US" smtClean="0"/>
-              <a:t>2021/10/29</a:t>
+              <a:t>2024/3/7</a:t>
             </a:fld>
             <a:endParaRPr lang="zh-TW" altLang="en-US"/>
           </a:p>
@@ -939,7 +939,7 @@
           </a:lstStyle>
           <a:p>
             <a:r>
-              <a:rPr lang="en-US" altLang="zh-TW" smtClean="0"/>
+              <a:rPr lang="en-US" altLang="zh-TW"/>
               <a:t>Click to edit Master title style</a:t>
             </a:r>
             <a:endParaRPr lang="zh-TW" altLang="en-US"/>
@@ -1059,7 +1059,7 @@
           <a:p>
             <a:pPr lvl="0"/>
             <a:r>
-              <a:rPr lang="en-US" altLang="zh-TW" smtClean="0"/>
+              <a:rPr lang="en-US" altLang="zh-TW"/>
               <a:t>Edit Master text styles</a:t>
             </a:r>
           </a:p>
@@ -1082,7 +1082,7 @@
           <a:p>
             <a:fld id="{0C929668-19BB-4531-B921-24AC1C4F06E4}" type="datetimeFigureOut">
               <a:rPr lang="zh-TW" altLang="en-US" smtClean="0"/>
-              <a:t>2021/10/29</a:t>
+              <a:t>2024/3/7</a:t>
             </a:fld>
             <a:endParaRPr lang="zh-TW" altLang="en-US"/>
           </a:p>
@@ -1176,7 +1176,7 @@
           <a:lstStyle/>
           <a:p>
             <a:r>
-              <a:rPr lang="en-US" altLang="zh-TW" smtClean="0"/>
+              <a:rPr lang="en-US" altLang="zh-TW"/>
               <a:t>Click to edit Master title style</a:t>
             </a:r>
             <a:endParaRPr lang="zh-TW" altLang="en-US"/>
@@ -1233,35 +1233,35 @@
           <a:p>
             <a:pPr lvl="0"/>
             <a:r>
-              <a:rPr lang="en-US" altLang="zh-TW" smtClean="0"/>
+              <a:rPr lang="en-US" altLang="zh-TW"/>
               <a:t>Edit Master text styles</a:t>
             </a:r>
           </a:p>
           <a:p>
             <a:pPr lvl="1"/>
             <a:r>
-              <a:rPr lang="en-US" altLang="zh-TW" smtClean="0"/>
+              <a:rPr lang="en-US" altLang="zh-TW"/>
               <a:t>Second level</a:t>
             </a:r>
           </a:p>
           <a:p>
             <a:pPr lvl="2"/>
             <a:r>
-              <a:rPr lang="en-US" altLang="zh-TW" smtClean="0"/>
+              <a:rPr lang="en-US" altLang="zh-TW"/>
               <a:t>Third level</a:t>
             </a:r>
           </a:p>
           <a:p>
             <a:pPr lvl="3"/>
             <a:r>
-              <a:rPr lang="en-US" altLang="zh-TW" smtClean="0"/>
+              <a:rPr lang="en-US" altLang="zh-TW"/>
               <a:t>Fourth level</a:t>
             </a:r>
           </a:p>
           <a:p>
             <a:pPr lvl="4"/>
             <a:r>
-              <a:rPr lang="en-US" altLang="zh-TW" smtClean="0"/>
+              <a:rPr lang="en-US" altLang="zh-TW"/>
               <a:t>Fifth level</a:t>
             </a:r>
             <a:endParaRPr lang="zh-TW" altLang="en-US"/>
@@ -1318,35 +1318,35 @@
           <a:p>
             <a:pPr lvl="0"/>
             <a:r>
-              <a:rPr lang="en-US" altLang="zh-TW" smtClean="0"/>
+              <a:rPr lang="en-US" altLang="zh-TW"/>
               <a:t>Edit Master text styles</a:t>
             </a:r>
           </a:p>
           <a:p>
             <a:pPr lvl="1"/>
             <a:r>
-              <a:rPr lang="en-US" altLang="zh-TW" smtClean="0"/>
+              <a:rPr lang="en-US" altLang="zh-TW"/>
               <a:t>Second level</a:t>
             </a:r>
           </a:p>
           <a:p>
             <a:pPr lvl="2"/>
             <a:r>
-              <a:rPr lang="en-US" altLang="zh-TW" smtClean="0"/>
+              <a:rPr lang="en-US" altLang="zh-TW"/>
               <a:t>Third level</a:t>
             </a:r>
           </a:p>
           <a:p>
             <a:pPr lvl="3"/>
             <a:r>
-              <a:rPr lang="en-US" altLang="zh-TW" smtClean="0"/>
+              <a:rPr lang="en-US" altLang="zh-TW"/>
               <a:t>Fourth level</a:t>
             </a:r>
           </a:p>
           <a:p>
             <a:pPr lvl="4"/>
             <a:r>
-              <a:rPr lang="en-US" altLang="zh-TW" smtClean="0"/>
+              <a:rPr lang="en-US" altLang="zh-TW"/>
               <a:t>Fifth level</a:t>
             </a:r>
             <a:endParaRPr lang="zh-TW" altLang="en-US"/>
@@ -1370,7 +1370,7 @@
           <a:p>
             <a:fld id="{0C929668-19BB-4531-B921-24AC1C4F06E4}" type="datetimeFigureOut">
               <a:rPr lang="zh-TW" altLang="en-US" smtClean="0"/>
-              <a:t>2021/10/29</a:t>
+              <a:t>2024/3/7</a:t>
             </a:fld>
             <a:endParaRPr lang="zh-TW" altLang="en-US"/>
           </a:p>
@@ -1468,7 +1468,7 @@
           </a:lstStyle>
           <a:p>
             <a:r>
-              <a:rPr lang="en-US" altLang="zh-TW" smtClean="0"/>
+              <a:rPr lang="en-US" altLang="zh-TW"/>
               <a:t>Click to edit Master title style</a:t>
             </a:r>
             <a:endParaRPr lang="zh-TW" altLang="en-US"/>
@@ -1534,7 +1534,7 @@
           <a:p>
             <a:pPr lvl="0"/>
             <a:r>
-              <a:rPr lang="en-US" altLang="zh-TW" smtClean="0"/>
+              <a:rPr lang="en-US" altLang="zh-TW"/>
               <a:t>Edit Master text styles</a:t>
             </a:r>
           </a:p>
@@ -1590,35 +1590,35 @@
           <a:p>
             <a:pPr lvl="0"/>
             <a:r>
-              <a:rPr lang="en-US" altLang="zh-TW" smtClean="0"/>
+              <a:rPr lang="en-US" altLang="zh-TW"/>
               <a:t>Edit Master text styles</a:t>
             </a:r>
           </a:p>
           <a:p>
             <a:pPr lvl="1"/>
             <a:r>
-              <a:rPr lang="en-US" altLang="zh-TW" smtClean="0"/>
+              <a:rPr lang="en-US" altLang="zh-TW"/>
               <a:t>Second level</a:t>
             </a:r>
           </a:p>
           <a:p>
             <a:pPr lvl="2"/>
             <a:r>
-              <a:rPr lang="en-US" altLang="zh-TW" smtClean="0"/>
+              <a:rPr lang="en-US" altLang="zh-TW"/>
               <a:t>Third level</a:t>
             </a:r>
           </a:p>
           <a:p>
             <a:pPr lvl="3"/>
             <a:r>
-              <a:rPr lang="en-US" altLang="zh-TW" smtClean="0"/>
+              <a:rPr lang="en-US" altLang="zh-TW"/>
               <a:t>Fourth level</a:t>
             </a:r>
           </a:p>
           <a:p>
             <a:pPr lvl="4"/>
             <a:r>
-              <a:rPr lang="en-US" altLang="zh-TW" smtClean="0"/>
+              <a:rPr lang="en-US" altLang="zh-TW"/>
               <a:t>Fifth level</a:t>
             </a:r>
             <a:endParaRPr lang="zh-TW" altLang="en-US"/>
@@ -1684,7 +1684,7 @@
           <a:p>
             <a:pPr lvl="0"/>
             <a:r>
-              <a:rPr lang="en-US" altLang="zh-TW" smtClean="0"/>
+              <a:rPr lang="en-US" altLang="zh-TW"/>
               <a:t>Edit Master text styles</a:t>
             </a:r>
           </a:p>
@@ -1740,35 +1740,35 @@
           <a:p>
             <a:pPr lvl="0"/>
             <a:r>
-              <a:rPr lang="en-US" altLang="zh-TW" smtClean="0"/>
+              <a:rPr lang="en-US" altLang="zh-TW"/>
               <a:t>Edit Master text styles</a:t>
             </a:r>
           </a:p>
           <a:p>
             <a:pPr lvl="1"/>
             <a:r>
-              <a:rPr lang="en-US" altLang="zh-TW" smtClean="0"/>
+              <a:rPr lang="en-US" altLang="zh-TW"/>
               <a:t>Second level</a:t>
             </a:r>
           </a:p>
           <a:p>
             <a:pPr lvl="2"/>
             <a:r>
-              <a:rPr lang="en-US" altLang="zh-TW" smtClean="0"/>
+              <a:rPr lang="en-US" altLang="zh-TW"/>
               <a:t>Third level</a:t>
             </a:r>
           </a:p>
           <a:p>
             <a:pPr lvl="3"/>
             <a:r>
-              <a:rPr lang="en-US" altLang="zh-TW" smtClean="0"/>
+              <a:rPr lang="en-US" altLang="zh-TW"/>
               <a:t>Fourth level</a:t>
             </a:r>
           </a:p>
           <a:p>
             <a:pPr lvl="4"/>
             <a:r>
-              <a:rPr lang="en-US" altLang="zh-TW" smtClean="0"/>
+              <a:rPr lang="en-US" altLang="zh-TW"/>
               <a:t>Fifth level</a:t>
             </a:r>
             <a:endParaRPr lang="zh-TW" altLang="en-US"/>
@@ -1792,7 +1792,7 @@
           <a:p>
             <a:fld id="{0C929668-19BB-4531-B921-24AC1C4F06E4}" type="datetimeFigureOut">
               <a:rPr lang="zh-TW" altLang="en-US" smtClean="0"/>
-              <a:t>2021/10/29</a:t>
+              <a:t>2024/3/7</a:t>
             </a:fld>
             <a:endParaRPr lang="zh-TW" altLang="en-US"/>
           </a:p>
@@ -1886,7 +1886,7 @@
           <a:lstStyle/>
           <a:p>
             <a:r>
-              <a:rPr lang="en-US" altLang="zh-TW" smtClean="0"/>
+              <a:rPr lang="en-US" altLang="zh-TW"/>
               <a:t>Click to edit Master title style</a:t>
             </a:r>
             <a:endParaRPr lang="zh-TW" altLang="en-US"/>
@@ -1910,7 +1910,7 @@
           <a:p>
             <a:fld id="{0C929668-19BB-4531-B921-24AC1C4F06E4}" type="datetimeFigureOut">
               <a:rPr lang="zh-TW" altLang="en-US" smtClean="0"/>
-              <a:t>2021/10/29</a:t>
+              <a:t>2024/3/7</a:t>
             </a:fld>
             <a:endParaRPr lang="zh-TW" altLang="en-US"/>
           </a:p>
@@ -2005,7 +2005,7 @@
           <a:p>
             <a:fld id="{0C929668-19BB-4531-B921-24AC1C4F06E4}" type="datetimeFigureOut">
               <a:rPr lang="zh-TW" altLang="en-US" smtClean="0"/>
-              <a:t>2021/10/29</a:t>
+              <a:t>2024/3/7</a:t>
             </a:fld>
             <a:endParaRPr lang="zh-TW" altLang="en-US"/>
           </a:p>
@@ -2108,7 +2108,7 @@
           </a:lstStyle>
           <a:p>
             <a:r>
-              <a:rPr lang="en-US" altLang="zh-TW" smtClean="0"/>
+              <a:rPr lang="en-US" altLang="zh-TW"/>
               <a:t>Click to edit Master title style</a:t>
             </a:r>
             <a:endParaRPr lang="zh-TW" altLang="en-US"/>
@@ -2165,35 +2165,35 @@
           <a:p>
             <a:pPr lvl="0"/>
             <a:r>
-              <a:rPr lang="en-US" altLang="zh-TW" smtClean="0"/>
+              <a:rPr lang="en-US" altLang="zh-TW"/>
               <a:t>Edit Master text styles</a:t>
             </a:r>
           </a:p>
           <a:p>
             <a:pPr lvl="1"/>
             <a:r>
-              <a:rPr lang="en-US" altLang="zh-TW" smtClean="0"/>
+              <a:rPr lang="en-US" altLang="zh-TW"/>
               <a:t>Second level</a:t>
             </a:r>
           </a:p>
           <a:p>
             <a:pPr lvl="2"/>
             <a:r>
-              <a:rPr lang="en-US" altLang="zh-TW" smtClean="0"/>
+              <a:rPr lang="en-US" altLang="zh-TW"/>
               <a:t>Third level</a:t>
             </a:r>
           </a:p>
           <a:p>
             <a:pPr lvl="3"/>
             <a:r>
-              <a:rPr lang="en-US" altLang="zh-TW" smtClean="0"/>
+              <a:rPr lang="en-US" altLang="zh-TW"/>
               <a:t>Fourth level</a:t>
             </a:r>
           </a:p>
           <a:p>
             <a:pPr lvl="4"/>
             <a:r>
-              <a:rPr lang="en-US" altLang="zh-TW" smtClean="0"/>
+              <a:rPr lang="en-US" altLang="zh-TW"/>
               <a:t>Fifth level</a:t>
             </a:r>
             <a:endParaRPr lang="zh-TW" altLang="en-US"/>
@@ -2259,7 +2259,7 @@
           <a:p>
             <a:pPr lvl="0"/>
             <a:r>
-              <a:rPr lang="en-US" altLang="zh-TW" smtClean="0"/>
+              <a:rPr lang="en-US" altLang="zh-TW"/>
               <a:t>Edit Master text styles</a:t>
             </a:r>
           </a:p>
@@ -2282,7 +2282,7 @@
           <a:p>
             <a:fld id="{0C929668-19BB-4531-B921-24AC1C4F06E4}" type="datetimeFigureOut">
               <a:rPr lang="zh-TW" altLang="en-US" smtClean="0"/>
-              <a:t>2021/10/29</a:t>
+              <a:t>2024/3/7</a:t>
             </a:fld>
             <a:endParaRPr lang="zh-TW" altLang="en-US"/>
           </a:p>
@@ -2385,7 +2385,7 @@
           </a:lstStyle>
           <a:p>
             <a:r>
-              <a:rPr lang="en-US" altLang="zh-TW" smtClean="0"/>
+              <a:rPr lang="en-US" altLang="zh-TW"/>
               <a:t>Click to edit Master title style</a:t>
             </a:r>
             <a:endParaRPr lang="zh-TW" altLang="en-US"/>
@@ -2450,7 +2450,7 @@
           </a:lstStyle>
           <a:p>
             <a:r>
-              <a:rPr lang="en-US" altLang="zh-TW" smtClean="0"/>
+              <a:rPr lang="en-US" altLang="zh-TW"/>
               <a:t>Click icon to add picture</a:t>
             </a:r>
             <a:endParaRPr lang="zh-TW" altLang="en-US"/>
@@ -2516,7 +2516,7 @@
           <a:p>
             <a:pPr lvl="0"/>
             <a:r>
-              <a:rPr lang="en-US" altLang="zh-TW" smtClean="0"/>
+              <a:rPr lang="en-US" altLang="zh-TW"/>
               <a:t>Edit Master text styles</a:t>
             </a:r>
           </a:p>
@@ -2539,7 +2539,7 @@
           <a:p>
             <a:fld id="{0C929668-19BB-4531-B921-24AC1C4F06E4}" type="datetimeFigureOut">
               <a:rPr lang="zh-TW" altLang="en-US" smtClean="0"/>
-              <a:t>2021/10/29</a:t>
+              <a:t>2024/3/7</a:t>
             </a:fld>
             <a:endParaRPr lang="zh-TW" altLang="en-US"/>
           </a:p>
@@ -2653,10 +2653,9 @@
           <a:lstStyle/>
           <a:p>
             <a:r>
-              <a:rPr lang="zh-TW" altLang="en-US" smtClean="0"/>
+              <a:rPr lang="zh-TW" altLang="en-US"/>
               <a:t>按一下以編輯母片標題樣式</a:t>
             </a:r>
-            <a:endParaRPr lang="zh-TW" altLang="en-US"/>
           </a:p>
         </p:txBody>
       </p:sp>
@@ -2687,38 +2686,37 @@
           <a:p>
             <a:pPr lvl="0"/>
             <a:r>
-              <a:rPr lang="zh-TW" altLang="en-US" smtClean="0"/>
+              <a:rPr lang="zh-TW" altLang="en-US"/>
               <a:t>按一下以編輯母片文字樣式</a:t>
             </a:r>
           </a:p>
           <a:p>
             <a:pPr lvl="1"/>
             <a:r>
-              <a:rPr lang="zh-TW" altLang="en-US" smtClean="0"/>
+              <a:rPr lang="zh-TW" altLang="en-US"/>
               <a:t>第二層</a:t>
             </a:r>
           </a:p>
           <a:p>
             <a:pPr lvl="2"/>
             <a:r>
-              <a:rPr lang="zh-TW" altLang="en-US" smtClean="0"/>
+              <a:rPr lang="zh-TW" altLang="en-US"/>
               <a:t>第三層</a:t>
             </a:r>
           </a:p>
           <a:p>
             <a:pPr lvl="3"/>
             <a:r>
-              <a:rPr lang="zh-TW" altLang="en-US" smtClean="0"/>
+              <a:rPr lang="zh-TW" altLang="en-US"/>
               <a:t>第四層</a:t>
             </a:r>
           </a:p>
           <a:p>
             <a:pPr lvl="4"/>
             <a:r>
-              <a:rPr lang="zh-TW" altLang="en-US" smtClean="0"/>
+              <a:rPr lang="zh-TW" altLang="en-US"/>
               <a:t>第五層</a:t>
             </a:r>
-            <a:endParaRPr lang="zh-TW" altLang="en-US"/>
           </a:p>
         </p:txBody>
       </p:sp>
@@ -2757,7 +2755,7 @@
           <a:p>
             <a:fld id="{0C929668-19BB-4531-B921-24AC1C4F06E4}" type="datetimeFigureOut">
               <a:rPr lang="zh-TW" altLang="en-US" smtClean="0"/>
-              <a:t>2021/10/29</a:t>
+              <a:t>2024/3/7</a:t>
             </a:fld>
             <a:endParaRPr lang="zh-TW" altLang="en-US"/>
           </a:p>
@@ -3169,24 +3167,7 @@
                 <a:latin typeface="微軟正黑體" pitchFamily="34" charset="-120"/>
                 <a:ea typeface="微軟正黑體" pitchFamily="34" charset="-120"/>
               </a:rPr>
-              <a:t>我</a:t>
-            </a:r>
-            <a:r>
-              <a:rPr lang="zh-TW" altLang="en-US" sz="7200" b="1" i="1" dirty="0">
-                <a:solidFill>
-                  <a:srgbClr val="000066"/>
-                </a:solidFill>
-                <a:effectLst>
-                  <a:outerShdw blurRad="38100" dist="38100" dir="2700000" algn="tl">
-                    <a:srgbClr val="000000">
-                      <a:alpha val="43137"/>
-                    </a:srgbClr>
-                  </a:outerShdw>
-                </a:effectLst>
-                <a:latin typeface="微軟正黑體" pitchFamily="34" charset="-120"/>
-                <a:ea typeface="微軟正黑體" pitchFamily="34" charset="-120"/>
-              </a:rPr>
-              <a:t>們呼求</a:t>
+              <a:t>我們呼求</a:t>
             </a:r>
           </a:p>
         </p:txBody>
@@ -3255,18 +3236,7 @@
                 <a:latin typeface="微軟正黑體" pitchFamily="34" charset="-120"/>
                 <a:ea typeface="微軟正黑體" pitchFamily="34" charset="-120"/>
               </a:rPr>
-              <a:t>主</a:t>
-            </a:r>
-            <a:r>
-              <a:rPr lang="zh-TW" altLang="en-US" sz="6400" b="1" dirty="0">
-                <a:solidFill>
-                  <a:srgbClr val="000066"/>
-                </a:solidFill>
-                <a:effectLst/>
-                <a:latin typeface="微軟正黑體" pitchFamily="34" charset="-120"/>
-                <a:ea typeface="微軟正黑體" pitchFamily="34" charset="-120"/>
-              </a:rPr>
-              <a:t>我們同心在祢面前 </a:t>
+              <a:t>主我們同心在祢面前 </a:t>
             </a:r>
             <a:endParaRPr lang="en-US" altLang="zh-TW" sz="6400" b="1" dirty="0">
               <a:solidFill>
@@ -3312,7 +3282,7 @@
         <p:spPr>
           <a:xfrm>
             <a:off x="0" y="5061182"/>
-            <a:ext cx="12192000" cy="830997"/>
+            <a:ext cx="12192000" cy="646331"/>
           </a:xfrm>
           <a:prstGeom prst="rect">
             <a:avLst/>
@@ -3327,66 +3297,59 @@
           <a:p>
             <a:pPr algn="ctr"/>
             <a:r>
-              <a:rPr lang="en-US" sz="4800" b="1" dirty="0">
-                <a:solidFill>
-                  <a:srgbClr val="000066"/>
-                </a:solidFill>
-                <a:effectLst/>
+              <a:rPr lang="en-US" sz="3600" b="1" dirty="0">
+                <a:solidFill>
+                  <a:srgbClr val="000066"/>
+                </a:solidFill>
                 <a:latin typeface="Microsoft JhengHei" panose="020B0604030504040204" pitchFamily="34" charset="-120"/>
                 <a:ea typeface="Microsoft JhengHei" panose="020B0604030504040204" pitchFamily="34" charset="-120"/>
               </a:rPr>
               <a:t>( </a:t>
             </a:r>
             <a:r>
-              <a:rPr lang="zh-CN" altLang="en-US" sz="4800" b="1" dirty="0">
-                <a:solidFill>
-                  <a:srgbClr val="000066"/>
-                </a:solidFill>
-                <a:effectLst/>
+              <a:rPr lang="zh-CN" altLang="en-US" sz="3600" b="1" dirty="0">
+                <a:solidFill>
+                  <a:srgbClr val="000066"/>
+                </a:solidFill>
                 <a:latin typeface="Microsoft JhengHei" panose="020B0604030504040204" pitchFamily="34" charset="-120"/>
                 <a:ea typeface="Microsoft JhengHei" panose="020B0604030504040204" pitchFamily="34" charset="-120"/>
               </a:rPr>
               <a:t>正</a:t>
             </a:r>
             <a:r>
-              <a:rPr lang="en-US" altLang="zh-CN" sz="4800" b="1" dirty="0">
-                <a:solidFill>
-                  <a:srgbClr val="000066"/>
-                </a:solidFill>
-                <a:effectLst/>
+              <a:rPr lang="en-US" altLang="zh-CN" sz="3600" b="1" dirty="0">
+                <a:solidFill>
+                  <a:srgbClr val="000066"/>
+                </a:solidFill>
                 <a:latin typeface="Microsoft JhengHei" panose="020B0604030504040204" pitchFamily="34" charset="-120"/>
                 <a:ea typeface="Microsoft JhengHei" panose="020B0604030504040204" pitchFamily="34" charset="-120"/>
               </a:rPr>
               <a:t> 2</a:t>
             </a:r>
             <a:r>
-              <a:rPr lang="zh-CN" altLang="en-US" sz="4800" b="1" dirty="0">
-                <a:solidFill>
-                  <a:srgbClr val="000066"/>
-                </a:solidFill>
-                <a:effectLst/>
+              <a:rPr lang="zh-CN" altLang="en-US" sz="3600" b="1" dirty="0">
+                <a:solidFill>
+                  <a:srgbClr val="000066"/>
+                </a:solidFill>
                 <a:latin typeface="Microsoft JhengHei" panose="020B0604030504040204" pitchFamily="34" charset="-120"/>
                 <a:ea typeface="Microsoft JhengHei" panose="020B0604030504040204" pitchFamily="34" charset="-120"/>
               </a:rPr>
               <a:t> </a:t>
             </a:r>
             <a:r>
-              <a:rPr lang="en-US" sz="4800" b="1" dirty="0">
-                <a:solidFill>
-                  <a:srgbClr val="000066"/>
-                </a:solidFill>
-                <a:effectLst/>
+              <a:rPr lang="en-US" sz="3600" b="1" dirty="0">
+                <a:solidFill>
+                  <a:srgbClr val="000066"/>
+                </a:solidFill>
                 <a:latin typeface="Microsoft JhengHei" panose="020B0604030504040204" pitchFamily="34" charset="-120"/>
                 <a:ea typeface="Microsoft JhengHei" panose="020B0604030504040204" pitchFamily="34" charset="-120"/>
               </a:rPr>
               <a:t>)</a:t>
             </a:r>
-            <a:endParaRPr lang="vi-VN" sz="4800" b="1" dirty="0">
+            <a:endParaRPr lang="vi-VN" sz="3600" b="1" dirty="0">
               <a:solidFill>
                 <a:srgbClr val="000066"/>
               </a:solidFill>
-              <a:effectLst/>
-              <a:latin typeface="Microsoft JhengHei" panose="020B0604030504040204" pitchFamily="34" charset="-120"/>
               <a:ea typeface="Microsoft JhengHei" panose="020B0604030504040204" pitchFamily="34" charset="-120"/>
             </a:endParaRPr>
           </a:p>
@@ -3499,7 +3462,7 @@
         <p:spPr>
           <a:xfrm>
             <a:off x="0" y="5061182"/>
-            <a:ext cx="12192000" cy="830997"/>
+            <a:ext cx="12192000" cy="646331"/>
           </a:xfrm>
           <a:prstGeom prst="rect">
             <a:avLst/>
@@ -3514,66 +3477,59 @@
           <a:p>
             <a:pPr algn="ctr"/>
             <a:r>
-              <a:rPr lang="en-US" sz="4800" b="1" dirty="0">
-                <a:solidFill>
-                  <a:srgbClr val="000066"/>
-                </a:solidFill>
-                <a:effectLst/>
+              <a:rPr lang="en-US" sz="3600" b="1" dirty="0">
+                <a:solidFill>
+                  <a:srgbClr val="000066"/>
+                </a:solidFill>
                 <a:latin typeface="Microsoft JhengHei" panose="020B0604030504040204" pitchFamily="34" charset="-120"/>
                 <a:ea typeface="Microsoft JhengHei" panose="020B0604030504040204" pitchFamily="34" charset="-120"/>
               </a:rPr>
               <a:t>( </a:t>
             </a:r>
             <a:r>
-              <a:rPr lang="zh-CN" altLang="en-US" sz="4800" b="1" dirty="0">
-                <a:solidFill>
-                  <a:srgbClr val="000066"/>
-                </a:solidFill>
-                <a:effectLst/>
+              <a:rPr lang="zh-CN" altLang="en-US" sz="3600" b="1" dirty="0">
+                <a:solidFill>
+                  <a:srgbClr val="000066"/>
+                </a:solidFill>
                 <a:latin typeface="Microsoft JhengHei" panose="020B0604030504040204" pitchFamily="34" charset="-120"/>
                 <a:ea typeface="Microsoft JhengHei" panose="020B0604030504040204" pitchFamily="34" charset="-120"/>
               </a:rPr>
               <a:t>正</a:t>
             </a:r>
             <a:r>
-              <a:rPr lang="en-US" altLang="zh-CN" sz="4800" b="1" dirty="0">
-                <a:solidFill>
-                  <a:srgbClr val="000066"/>
-                </a:solidFill>
-                <a:effectLst/>
+              <a:rPr lang="en-US" altLang="zh-CN" sz="3600" b="1" dirty="0">
+                <a:solidFill>
+                  <a:srgbClr val="000066"/>
+                </a:solidFill>
                 <a:latin typeface="Microsoft JhengHei" panose="020B0604030504040204" pitchFamily="34" charset="-120"/>
                 <a:ea typeface="Microsoft JhengHei" panose="020B0604030504040204" pitchFamily="34" charset="-120"/>
               </a:rPr>
               <a:t> 2</a:t>
             </a:r>
             <a:r>
-              <a:rPr lang="zh-CN" altLang="en-US" sz="4800" b="1" dirty="0">
-                <a:solidFill>
-                  <a:srgbClr val="000066"/>
-                </a:solidFill>
-                <a:effectLst/>
+              <a:rPr lang="zh-CN" altLang="en-US" sz="3600" b="1" dirty="0">
+                <a:solidFill>
+                  <a:srgbClr val="000066"/>
+                </a:solidFill>
                 <a:latin typeface="Microsoft JhengHei" panose="020B0604030504040204" pitchFamily="34" charset="-120"/>
                 <a:ea typeface="Microsoft JhengHei" panose="020B0604030504040204" pitchFamily="34" charset="-120"/>
               </a:rPr>
               <a:t> </a:t>
             </a:r>
             <a:r>
-              <a:rPr lang="en-US" sz="4800" b="1" dirty="0">
-                <a:solidFill>
-                  <a:srgbClr val="000066"/>
-                </a:solidFill>
-                <a:effectLst/>
+              <a:rPr lang="en-US" sz="3600" b="1" dirty="0">
+                <a:solidFill>
+                  <a:srgbClr val="000066"/>
+                </a:solidFill>
                 <a:latin typeface="Microsoft JhengHei" panose="020B0604030504040204" pitchFamily="34" charset="-120"/>
                 <a:ea typeface="Microsoft JhengHei" panose="020B0604030504040204" pitchFamily="34" charset="-120"/>
               </a:rPr>
               <a:t>)</a:t>
             </a:r>
-            <a:endParaRPr lang="vi-VN" sz="4800" b="1" dirty="0">
+            <a:endParaRPr lang="vi-VN" sz="3600" b="1" dirty="0">
               <a:solidFill>
                 <a:srgbClr val="000066"/>
               </a:solidFill>
-              <a:effectLst/>
-              <a:latin typeface="Microsoft JhengHei" panose="020B0604030504040204" pitchFamily="34" charset="-120"/>
               <a:ea typeface="Microsoft JhengHei" panose="020B0604030504040204" pitchFamily="34" charset="-120"/>
             </a:endParaRPr>
           </a:p>
@@ -3685,7 +3641,7 @@
         <p:spPr>
           <a:xfrm>
             <a:off x="0" y="5061182"/>
-            <a:ext cx="12192000" cy="830997"/>
+            <a:ext cx="12192000" cy="646331"/>
           </a:xfrm>
           <a:prstGeom prst="rect">
             <a:avLst/>
@@ -3700,66 +3656,59 @@
           <a:p>
             <a:pPr algn="ctr"/>
             <a:r>
-              <a:rPr lang="en-US" sz="4800" b="1" dirty="0">
-                <a:solidFill>
-                  <a:srgbClr val="000066"/>
-                </a:solidFill>
-                <a:effectLst/>
+              <a:rPr lang="en-US" sz="3600" b="1" dirty="0">
+                <a:solidFill>
+                  <a:srgbClr val="000066"/>
+                </a:solidFill>
                 <a:latin typeface="Microsoft JhengHei" panose="020B0604030504040204" pitchFamily="34" charset="-120"/>
                 <a:ea typeface="Microsoft JhengHei" panose="020B0604030504040204" pitchFamily="34" charset="-120"/>
               </a:rPr>
               <a:t>( </a:t>
             </a:r>
             <a:r>
-              <a:rPr lang="zh-CN" altLang="en-US" sz="4800" b="1" dirty="0">
-                <a:solidFill>
-                  <a:srgbClr val="000066"/>
-                </a:solidFill>
-                <a:effectLst/>
+              <a:rPr lang="zh-CN" altLang="en-US" sz="3600" b="1" dirty="0">
+                <a:solidFill>
+                  <a:srgbClr val="000066"/>
+                </a:solidFill>
                 <a:latin typeface="Microsoft JhengHei" panose="020B0604030504040204" pitchFamily="34" charset="-120"/>
                 <a:ea typeface="Microsoft JhengHei" panose="020B0604030504040204" pitchFamily="34" charset="-120"/>
               </a:rPr>
               <a:t>正</a:t>
             </a:r>
             <a:r>
-              <a:rPr lang="en-US" altLang="zh-CN" sz="4800" b="1" dirty="0">
-                <a:solidFill>
-                  <a:srgbClr val="000066"/>
-                </a:solidFill>
-                <a:effectLst/>
+              <a:rPr lang="en-US" altLang="zh-CN" sz="3600" b="1" dirty="0">
+                <a:solidFill>
+                  <a:srgbClr val="000066"/>
+                </a:solidFill>
                 <a:latin typeface="Microsoft JhengHei" panose="020B0604030504040204" pitchFamily="34" charset="-120"/>
                 <a:ea typeface="Microsoft JhengHei" panose="020B0604030504040204" pitchFamily="34" charset="-120"/>
               </a:rPr>
               <a:t> 2</a:t>
             </a:r>
             <a:r>
-              <a:rPr lang="zh-CN" altLang="en-US" sz="4800" b="1" dirty="0">
-                <a:solidFill>
-                  <a:srgbClr val="000066"/>
-                </a:solidFill>
-                <a:effectLst/>
+              <a:rPr lang="zh-CN" altLang="en-US" sz="3600" b="1" dirty="0">
+                <a:solidFill>
+                  <a:srgbClr val="000066"/>
+                </a:solidFill>
                 <a:latin typeface="Microsoft JhengHei" panose="020B0604030504040204" pitchFamily="34" charset="-120"/>
                 <a:ea typeface="Microsoft JhengHei" panose="020B0604030504040204" pitchFamily="34" charset="-120"/>
               </a:rPr>
               <a:t> </a:t>
             </a:r>
             <a:r>
-              <a:rPr lang="en-US" sz="4800" b="1" dirty="0">
-                <a:solidFill>
-                  <a:srgbClr val="000066"/>
-                </a:solidFill>
-                <a:effectLst/>
+              <a:rPr lang="en-US" sz="3600" b="1" dirty="0">
+                <a:solidFill>
+                  <a:srgbClr val="000066"/>
+                </a:solidFill>
                 <a:latin typeface="Microsoft JhengHei" panose="020B0604030504040204" pitchFamily="34" charset="-120"/>
                 <a:ea typeface="Microsoft JhengHei" panose="020B0604030504040204" pitchFamily="34" charset="-120"/>
               </a:rPr>
               <a:t>)</a:t>
             </a:r>
-            <a:endParaRPr lang="vi-VN" sz="4800" b="1" dirty="0">
+            <a:endParaRPr lang="vi-VN" sz="3600" b="1" dirty="0">
               <a:solidFill>
                 <a:srgbClr val="000066"/>
               </a:solidFill>
-              <a:effectLst/>
-              <a:latin typeface="Microsoft JhengHei" panose="020B0604030504040204" pitchFamily="34" charset="-120"/>
               <a:ea typeface="Microsoft JhengHei" panose="020B0604030504040204" pitchFamily="34" charset="-120"/>
             </a:endParaRPr>
           </a:p>
@@ -3852,13 +3801,6 @@
               </a:rPr>
               <a:t>榮耀再次降臨</a:t>
             </a:r>
-            <a:endParaRPr lang="zh-TW" altLang="en-US" sz="6400" b="1" dirty="0">
-              <a:solidFill>
-                <a:srgbClr val="000066"/>
-              </a:solidFill>
-              <a:latin typeface="微軟正黑體" pitchFamily="34" charset="-120"/>
-              <a:ea typeface="微軟正黑體" pitchFamily="34" charset="-120"/>
-            </a:endParaRPr>
           </a:p>
         </p:txBody>
       </p:sp>
@@ -3871,7 +3813,7 @@
         <p:spPr>
           <a:xfrm>
             <a:off x="0" y="5061182"/>
-            <a:ext cx="12192000" cy="830997"/>
+            <a:ext cx="12192000" cy="646331"/>
           </a:xfrm>
           <a:prstGeom prst="rect">
             <a:avLst/>
@@ -3886,66 +3828,59 @@
           <a:p>
             <a:pPr algn="ctr"/>
             <a:r>
-              <a:rPr lang="en-US" sz="4800" b="1" dirty="0">
-                <a:solidFill>
-                  <a:srgbClr val="000066"/>
-                </a:solidFill>
-                <a:effectLst/>
+              <a:rPr lang="en-US" sz="3600" b="1" dirty="0">
+                <a:solidFill>
+                  <a:srgbClr val="000066"/>
+                </a:solidFill>
                 <a:latin typeface="Microsoft JhengHei" panose="020B0604030504040204" pitchFamily="34" charset="-120"/>
                 <a:ea typeface="Microsoft JhengHei" panose="020B0604030504040204" pitchFamily="34" charset="-120"/>
               </a:rPr>
               <a:t>( </a:t>
             </a:r>
             <a:r>
-              <a:rPr lang="zh-CN" altLang="en-US" sz="4800" b="1" dirty="0">
-                <a:solidFill>
-                  <a:srgbClr val="000066"/>
-                </a:solidFill>
-                <a:effectLst/>
+              <a:rPr lang="zh-CN" altLang="en-US" sz="3600" b="1" dirty="0">
+                <a:solidFill>
+                  <a:srgbClr val="000066"/>
+                </a:solidFill>
                 <a:latin typeface="Microsoft JhengHei" panose="020B0604030504040204" pitchFamily="34" charset="-120"/>
                 <a:ea typeface="Microsoft JhengHei" panose="020B0604030504040204" pitchFamily="34" charset="-120"/>
               </a:rPr>
               <a:t>正</a:t>
             </a:r>
             <a:r>
-              <a:rPr lang="en-US" altLang="zh-CN" sz="4800" b="1" dirty="0">
-                <a:solidFill>
-                  <a:srgbClr val="000066"/>
-                </a:solidFill>
-                <a:effectLst/>
+              <a:rPr lang="en-US" altLang="zh-CN" sz="3600" b="1" dirty="0">
+                <a:solidFill>
+                  <a:srgbClr val="000066"/>
+                </a:solidFill>
                 <a:latin typeface="Microsoft JhengHei" panose="020B0604030504040204" pitchFamily="34" charset="-120"/>
                 <a:ea typeface="Microsoft JhengHei" panose="020B0604030504040204" pitchFamily="34" charset="-120"/>
               </a:rPr>
               <a:t> 2</a:t>
             </a:r>
             <a:r>
-              <a:rPr lang="zh-CN" altLang="en-US" sz="4800" b="1" dirty="0">
-                <a:solidFill>
-                  <a:srgbClr val="000066"/>
-                </a:solidFill>
-                <a:effectLst/>
+              <a:rPr lang="zh-CN" altLang="en-US" sz="3600" b="1" dirty="0">
+                <a:solidFill>
+                  <a:srgbClr val="000066"/>
+                </a:solidFill>
                 <a:latin typeface="Microsoft JhengHei" panose="020B0604030504040204" pitchFamily="34" charset="-120"/>
                 <a:ea typeface="Microsoft JhengHei" panose="020B0604030504040204" pitchFamily="34" charset="-120"/>
               </a:rPr>
               <a:t> </a:t>
             </a:r>
             <a:r>
-              <a:rPr lang="en-US" sz="4800" b="1" dirty="0">
-                <a:solidFill>
-                  <a:srgbClr val="000066"/>
-                </a:solidFill>
-                <a:effectLst/>
+              <a:rPr lang="en-US" sz="3600" b="1" dirty="0">
+                <a:solidFill>
+                  <a:srgbClr val="000066"/>
+                </a:solidFill>
                 <a:latin typeface="Microsoft JhengHei" panose="020B0604030504040204" pitchFamily="34" charset="-120"/>
                 <a:ea typeface="Microsoft JhengHei" panose="020B0604030504040204" pitchFamily="34" charset="-120"/>
               </a:rPr>
               <a:t>)</a:t>
             </a:r>
-            <a:endParaRPr lang="vi-VN" sz="4800" b="1" dirty="0">
+            <a:endParaRPr lang="vi-VN" sz="3600" b="1" dirty="0">
               <a:solidFill>
                 <a:srgbClr val="000066"/>
               </a:solidFill>
-              <a:effectLst/>
-              <a:latin typeface="Microsoft JhengHei" panose="020B0604030504040204" pitchFamily="34" charset="-120"/>
               <a:ea typeface="Microsoft JhengHei" panose="020B0604030504040204" pitchFamily="34" charset="-120"/>
             </a:endParaRPr>
           </a:p>
@@ -4015,18 +3950,7 @@
                 <a:latin typeface="微軟正黑體" pitchFamily="34" charset="-120"/>
                 <a:ea typeface="微軟正黑體" pitchFamily="34" charset="-120"/>
               </a:rPr>
-              <a:t>主</a:t>
-            </a:r>
-            <a:r>
-              <a:rPr lang="zh-TW" altLang="en-US" sz="6400" b="1" dirty="0">
-                <a:solidFill>
-                  <a:srgbClr val="000066"/>
-                </a:solidFill>
-                <a:effectLst/>
-                <a:latin typeface="微軟正黑體" pitchFamily="34" charset="-120"/>
-                <a:ea typeface="微軟正黑體" pitchFamily="34" charset="-120"/>
-              </a:rPr>
-              <a:t>我們同心在祢面前 </a:t>
+              <a:t>主我們同心在祢面前 </a:t>
             </a:r>
             <a:endParaRPr lang="en-US" altLang="zh-TW" sz="6400" b="1" dirty="0">
               <a:solidFill>
@@ -4072,7 +3996,7 @@
         <p:spPr>
           <a:xfrm>
             <a:off x="0" y="5061182"/>
-            <a:ext cx="12192000" cy="830997"/>
+            <a:ext cx="12192000" cy="646331"/>
           </a:xfrm>
           <a:prstGeom prst="rect">
             <a:avLst/>
@@ -4087,7 +4011,7 @@
           <a:p>
             <a:pPr algn="ctr"/>
             <a:r>
-              <a:rPr lang="en-US" sz="4800" b="1" dirty="0">
+              <a:rPr lang="en-US" sz="3600" b="1" dirty="0">
                 <a:solidFill>
                   <a:srgbClr val="000066"/>
                 </a:solidFill>
@@ -4098,7 +4022,7 @@
               <a:t>( </a:t>
             </a:r>
             <a:r>
-              <a:rPr lang="zh-CN" altLang="en-US" sz="4800" b="1" dirty="0">
+              <a:rPr lang="zh-CN" altLang="en-US" sz="3600" b="1" dirty="0">
                 <a:solidFill>
                   <a:srgbClr val="000066"/>
                 </a:solidFill>
@@ -4109,7 +4033,7 @@
               <a:t>正</a:t>
             </a:r>
             <a:r>
-              <a:rPr lang="en-US" altLang="zh-CN" sz="4800" b="1" dirty="0">
+              <a:rPr lang="en-US" altLang="zh-CN" sz="3600" b="1" dirty="0">
                 <a:solidFill>
                   <a:srgbClr val="000066"/>
                 </a:solidFill>
@@ -4120,7 +4044,7 @@
               <a:t> 1</a:t>
             </a:r>
             <a:r>
-              <a:rPr lang="zh-CN" altLang="en-US" sz="4800" b="1" dirty="0">
+              <a:rPr lang="zh-CN" altLang="en-US" sz="3600" b="1" dirty="0">
                 <a:solidFill>
                   <a:srgbClr val="000066"/>
                 </a:solidFill>
@@ -4131,7 +4055,7 @@
               <a:t> </a:t>
             </a:r>
             <a:r>
-              <a:rPr lang="en-US" sz="4800" b="1" dirty="0">
+              <a:rPr lang="en-US" sz="3600" b="1" dirty="0">
                 <a:solidFill>
                   <a:srgbClr val="000066"/>
                 </a:solidFill>
@@ -4141,7 +4065,7 @@
               </a:rPr>
               <a:t>)</a:t>
             </a:r>
-            <a:endParaRPr lang="vi-VN" sz="4800" b="1" dirty="0">
+            <a:endParaRPr lang="vi-VN" sz="3600" b="1" dirty="0">
               <a:solidFill>
                 <a:srgbClr val="000066"/>
               </a:solidFill>
@@ -4259,7 +4183,7 @@
         <p:spPr>
           <a:xfrm>
             <a:off x="0" y="5061182"/>
-            <a:ext cx="12192000" cy="830997"/>
+            <a:ext cx="12192000" cy="646331"/>
           </a:xfrm>
           <a:prstGeom prst="rect">
             <a:avLst/>
@@ -4274,66 +4198,59 @@
           <a:p>
             <a:pPr algn="ctr"/>
             <a:r>
-              <a:rPr lang="en-US" sz="4800" b="1" dirty="0">
-                <a:solidFill>
-                  <a:srgbClr val="000066"/>
-                </a:solidFill>
-                <a:effectLst/>
+              <a:rPr lang="en-US" sz="3600" b="1" dirty="0">
+                <a:solidFill>
+                  <a:srgbClr val="000066"/>
+                </a:solidFill>
                 <a:latin typeface="Microsoft JhengHei" panose="020B0604030504040204" pitchFamily="34" charset="-120"/>
                 <a:ea typeface="Microsoft JhengHei" panose="020B0604030504040204" pitchFamily="34" charset="-120"/>
               </a:rPr>
               <a:t>( </a:t>
             </a:r>
             <a:r>
-              <a:rPr lang="zh-CN" altLang="en-US" sz="4800" b="1" dirty="0">
-                <a:solidFill>
-                  <a:srgbClr val="000066"/>
-                </a:solidFill>
-                <a:effectLst/>
+              <a:rPr lang="zh-CN" altLang="en-US" sz="3600" b="1" dirty="0">
+                <a:solidFill>
+                  <a:srgbClr val="000066"/>
+                </a:solidFill>
                 <a:latin typeface="Microsoft JhengHei" panose="020B0604030504040204" pitchFamily="34" charset="-120"/>
                 <a:ea typeface="Microsoft JhengHei" panose="020B0604030504040204" pitchFamily="34" charset="-120"/>
               </a:rPr>
               <a:t>正</a:t>
             </a:r>
             <a:r>
-              <a:rPr lang="en-US" altLang="zh-CN" sz="4800" b="1" dirty="0">
-                <a:solidFill>
-                  <a:srgbClr val="000066"/>
-                </a:solidFill>
-                <a:effectLst/>
+              <a:rPr lang="en-US" altLang="zh-CN" sz="3600" b="1" dirty="0">
+                <a:solidFill>
+                  <a:srgbClr val="000066"/>
+                </a:solidFill>
                 <a:latin typeface="Microsoft JhengHei" panose="020B0604030504040204" pitchFamily="34" charset="-120"/>
                 <a:ea typeface="Microsoft JhengHei" panose="020B0604030504040204" pitchFamily="34" charset="-120"/>
               </a:rPr>
               <a:t> 1</a:t>
             </a:r>
             <a:r>
-              <a:rPr lang="zh-CN" altLang="en-US" sz="4800" b="1" dirty="0">
-                <a:solidFill>
-                  <a:srgbClr val="000066"/>
-                </a:solidFill>
-                <a:effectLst/>
+              <a:rPr lang="zh-CN" altLang="en-US" sz="3600" b="1" dirty="0">
+                <a:solidFill>
+                  <a:srgbClr val="000066"/>
+                </a:solidFill>
                 <a:latin typeface="Microsoft JhengHei" panose="020B0604030504040204" pitchFamily="34" charset="-120"/>
                 <a:ea typeface="Microsoft JhengHei" panose="020B0604030504040204" pitchFamily="34" charset="-120"/>
               </a:rPr>
               <a:t> </a:t>
             </a:r>
             <a:r>
-              <a:rPr lang="en-US" sz="4800" b="1" dirty="0">
-                <a:solidFill>
-                  <a:srgbClr val="000066"/>
-                </a:solidFill>
-                <a:effectLst/>
+              <a:rPr lang="en-US" sz="3600" b="1" dirty="0">
+                <a:solidFill>
+                  <a:srgbClr val="000066"/>
+                </a:solidFill>
                 <a:latin typeface="Microsoft JhengHei" panose="020B0604030504040204" pitchFamily="34" charset="-120"/>
                 <a:ea typeface="Microsoft JhengHei" panose="020B0604030504040204" pitchFamily="34" charset="-120"/>
               </a:rPr>
               <a:t>)</a:t>
             </a:r>
-            <a:endParaRPr lang="vi-VN" sz="4800" b="1" dirty="0">
+            <a:endParaRPr lang="vi-VN" sz="3600" b="1" dirty="0">
               <a:solidFill>
                 <a:srgbClr val="000066"/>
               </a:solidFill>
-              <a:effectLst/>
-              <a:latin typeface="Microsoft JhengHei" panose="020B0604030504040204" pitchFamily="34" charset="-120"/>
               <a:ea typeface="Microsoft JhengHei" panose="020B0604030504040204" pitchFamily="34" charset="-120"/>
             </a:endParaRPr>
           </a:p>
@@ -4445,7 +4362,7 @@
         <p:spPr>
           <a:xfrm>
             <a:off x="0" y="5061182"/>
-            <a:ext cx="12192000" cy="830997"/>
+            <a:ext cx="12192000" cy="646331"/>
           </a:xfrm>
           <a:prstGeom prst="rect">
             <a:avLst/>
@@ -4460,66 +4377,59 @@
           <a:p>
             <a:pPr algn="ctr"/>
             <a:r>
-              <a:rPr lang="en-US" sz="4800" b="1" dirty="0">
-                <a:solidFill>
-                  <a:srgbClr val="000066"/>
-                </a:solidFill>
-                <a:effectLst/>
+              <a:rPr lang="en-US" sz="3600" b="1" dirty="0">
+                <a:solidFill>
+                  <a:srgbClr val="000066"/>
+                </a:solidFill>
                 <a:latin typeface="Microsoft JhengHei" panose="020B0604030504040204" pitchFamily="34" charset="-120"/>
                 <a:ea typeface="Microsoft JhengHei" panose="020B0604030504040204" pitchFamily="34" charset="-120"/>
               </a:rPr>
               <a:t>( </a:t>
             </a:r>
             <a:r>
-              <a:rPr lang="zh-CN" altLang="en-US" sz="4800" b="1" dirty="0">
-                <a:solidFill>
-                  <a:srgbClr val="000066"/>
-                </a:solidFill>
-                <a:effectLst/>
+              <a:rPr lang="zh-CN" altLang="en-US" sz="3600" b="1" dirty="0">
+                <a:solidFill>
+                  <a:srgbClr val="000066"/>
+                </a:solidFill>
                 <a:latin typeface="Microsoft JhengHei" panose="020B0604030504040204" pitchFamily="34" charset="-120"/>
                 <a:ea typeface="Microsoft JhengHei" panose="020B0604030504040204" pitchFamily="34" charset="-120"/>
               </a:rPr>
               <a:t>正</a:t>
             </a:r>
             <a:r>
-              <a:rPr lang="en-US" altLang="zh-CN" sz="4800" b="1" dirty="0">
-                <a:solidFill>
-                  <a:srgbClr val="000066"/>
-                </a:solidFill>
-                <a:effectLst/>
+              <a:rPr lang="en-US" altLang="zh-CN" sz="3600" b="1" dirty="0">
+                <a:solidFill>
+                  <a:srgbClr val="000066"/>
+                </a:solidFill>
                 <a:latin typeface="Microsoft JhengHei" panose="020B0604030504040204" pitchFamily="34" charset="-120"/>
                 <a:ea typeface="Microsoft JhengHei" panose="020B0604030504040204" pitchFamily="34" charset="-120"/>
               </a:rPr>
               <a:t> 1</a:t>
             </a:r>
             <a:r>
-              <a:rPr lang="zh-CN" altLang="en-US" sz="4800" b="1" dirty="0">
-                <a:solidFill>
-                  <a:srgbClr val="000066"/>
-                </a:solidFill>
-                <a:effectLst/>
+              <a:rPr lang="zh-CN" altLang="en-US" sz="3600" b="1" dirty="0">
+                <a:solidFill>
+                  <a:srgbClr val="000066"/>
+                </a:solidFill>
                 <a:latin typeface="Microsoft JhengHei" panose="020B0604030504040204" pitchFamily="34" charset="-120"/>
                 <a:ea typeface="Microsoft JhengHei" panose="020B0604030504040204" pitchFamily="34" charset="-120"/>
               </a:rPr>
               <a:t> </a:t>
             </a:r>
             <a:r>
-              <a:rPr lang="en-US" sz="4800" b="1" dirty="0">
-                <a:solidFill>
-                  <a:srgbClr val="000066"/>
-                </a:solidFill>
-                <a:effectLst/>
+              <a:rPr lang="en-US" sz="3600" b="1" dirty="0">
+                <a:solidFill>
+                  <a:srgbClr val="000066"/>
+                </a:solidFill>
                 <a:latin typeface="Microsoft JhengHei" panose="020B0604030504040204" pitchFamily="34" charset="-120"/>
                 <a:ea typeface="Microsoft JhengHei" panose="020B0604030504040204" pitchFamily="34" charset="-120"/>
               </a:rPr>
               <a:t>)</a:t>
             </a:r>
-            <a:endParaRPr lang="vi-VN" sz="4800" b="1" dirty="0">
+            <a:endParaRPr lang="vi-VN" sz="3600" b="1" dirty="0">
               <a:solidFill>
                 <a:srgbClr val="000066"/>
               </a:solidFill>
-              <a:effectLst/>
-              <a:latin typeface="Microsoft JhengHei" panose="020B0604030504040204" pitchFamily="34" charset="-120"/>
               <a:ea typeface="Microsoft JhengHei" panose="020B0604030504040204" pitchFamily="34" charset="-120"/>
             </a:endParaRPr>
           </a:p>
@@ -4612,13 +4522,6 @@
               </a:rPr>
               <a:t>也要看見復興</a:t>
             </a:r>
-            <a:endParaRPr lang="zh-TW" altLang="en-US" sz="6400" b="1" dirty="0">
-              <a:solidFill>
-                <a:srgbClr val="000066"/>
-              </a:solidFill>
-              <a:latin typeface="微軟正黑體" pitchFamily="34" charset="-120"/>
-              <a:ea typeface="微軟正黑體" pitchFamily="34" charset="-120"/>
-            </a:endParaRPr>
           </a:p>
         </p:txBody>
       </p:sp>
@@ -4631,7 +4534,7 @@
         <p:spPr>
           <a:xfrm>
             <a:off x="0" y="5061182"/>
-            <a:ext cx="12192000" cy="830997"/>
+            <a:ext cx="12192000" cy="646331"/>
           </a:xfrm>
           <a:prstGeom prst="rect">
             <a:avLst/>
@@ -4646,66 +4549,59 @@
           <a:p>
             <a:pPr algn="ctr"/>
             <a:r>
-              <a:rPr lang="en-US" sz="4800" b="1" dirty="0">
-                <a:solidFill>
-                  <a:srgbClr val="000066"/>
-                </a:solidFill>
-                <a:effectLst/>
+              <a:rPr lang="en-US" sz="3600" b="1" dirty="0">
+                <a:solidFill>
+                  <a:srgbClr val="000066"/>
+                </a:solidFill>
                 <a:latin typeface="Microsoft JhengHei" panose="020B0604030504040204" pitchFamily="34" charset="-120"/>
                 <a:ea typeface="Microsoft JhengHei" panose="020B0604030504040204" pitchFamily="34" charset="-120"/>
               </a:rPr>
               <a:t>( </a:t>
             </a:r>
             <a:r>
-              <a:rPr lang="zh-CN" altLang="en-US" sz="4800" b="1" dirty="0">
-                <a:solidFill>
-                  <a:srgbClr val="000066"/>
-                </a:solidFill>
-                <a:effectLst/>
+              <a:rPr lang="zh-CN" altLang="en-US" sz="3600" b="1" dirty="0">
+                <a:solidFill>
+                  <a:srgbClr val="000066"/>
+                </a:solidFill>
                 <a:latin typeface="Microsoft JhengHei" panose="020B0604030504040204" pitchFamily="34" charset="-120"/>
                 <a:ea typeface="Microsoft JhengHei" panose="020B0604030504040204" pitchFamily="34" charset="-120"/>
               </a:rPr>
               <a:t>正</a:t>
             </a:r>
             <a:r>
-              <a:rPr lang="en-US" altLang="zh-CN" sz="4800" b="1" dirty="0">
-                <a:solidFill>
-                  <a:srgbClr val="000066"/>
-                </a:solidFill>
-                <a:effectLst/>
+              <a:rPr lang="en-US" altLang="zh-CN" sz="3600" b="1" dirty="0">
+                <a:solidFill>
+                  <a:srgbClr val="000066"/>
+                </a:solidFill>
                 <a:latin typeface="Microsoft JhengHei" panose="020B0604030504040204" pitchFamily="34" charset="-120"/>
                 <a:ea typeface="Microsoft JhengHei" panose="020B0604030504040204" pitchFamily="34" charset="-120"/>
               </a:rPr>
               <a:t> 1</a:t>
             </a:r>
             <a:r>
-              <a:rPr lang="zh-CN" altLang="en-US" sz="4800" b="1" dirty="0">
-                <a:solidFill>
-                  <a:srgbClr val="000066"/>
-                </a:solidFill>
-                <a:effectLst/>
+              <a:rPr lang="zh-CN" altLang="en-US" sz="3600" b="1" dirty="0">
+                <a:solidFill>
+                  <a:srgbClr val="000066"/>
+                </a:solidFill>
                 <a:latin typeface="Microsoft JhengHei" panose="020B0604030504040204" pitchFamily="34" charset="-120"/>
                 <a:ea typeface="Microsoft JhengHei" panose="020B0604030504040204" pitchFamily="34" charset="-120"/>
               </a:rPr>
               <a:t> </a:t>
             </a:r>
             <a:r>
-              <a:rPr lang="en-US" sz="4800" b="1" dirty="0">
-                <a:solidFill>
-                  <a:srgbClr val="000066"/>
-                </a:solidFill>
-                <a:effectLst/>
+              <a:rPr lang="en-US" sz="3600" b="1" dirty="0">
+                <a:solidFill>
+                  <a:srgbClr val="000066"/>
+                </a:solidFill>
                 <a:latin typeface="Microsoft JhengHei" panose="020B0604030504040204" pitchFamily="34" charset="-120"/>
                 <a:ea typeface="Microsoft JhengHei" panose="020B0604030504040204" pitchFamily="34" charset="-120"/>
               </a:rPr>
               <a:t>)</a:t>
             </a:r>
-            <a:endParaRPr lang="vi-VN" sz="4800" b="1" dirty="0">
+            <a:endParaRPr lang="vi-VN" sz="3600" b="1" dirty="0">
               <a:solidFill>
                 <a:srgbClr val="000066"/>
               </a:solidFill>
-              <a:effectLst/>
-              <a:latin typeface="Microsoft JhengHei" panose="020B0604030504040204" pitchFamily="34" charset="-120"/>
               <a:ea typeface="Microsoft JhengHei" panose="020B0604030504040204" pitchFamily="34" charset="-120"/>
             </a:endParaRPr>
           </a:p>
@@ -4817,7 +4713,7 @@
         <p:spPr>
           <a:xfrm>
             <a:off x="0" y="5061182"/>
-            <a:ext cx="12192000" cy="830997"/>
+            <a:ext cx="12192000" cy="646331"/>
           </a:xfrm>
           <a:prstGeom prst="rect">
             <a:avLst/>
@@ -4832,44 +4728,39 @@
           <a:p>
             <a:pPr algn="ctr"/>
             <a:r>
-              <a:rPr lang="en-US" sz="4800" b="1" dirty="0">
-                <a:solidFill>
-                  <a:srgbClr val="000066"/>
-                </a:solidFill>
-                <a:effectLst/>
+              <a:rPr lang="en-US" sz="3600" b="1" dirty="0">
+                <a:solidFill>
+                  <a:srgbClr val="000066"/>
+                </a:solidFill>
                 <a:latin typeface="Microsoft JhengHei" panose="020B0604030504040204" pitchFamily="34" charset="-120"/>
                 <a:ea typeface="Microsoft JhengHei" panose="020B0604030504040204" pitchFamily="34" charset="-120"/>
               </a:rPr>
               <a:t>( </a:t>
             </a:r>
             <a:r>
-              <a:rPr lang="zh-CN" altLang="en-US" sz="4800" b="1" dirty="0">
-                <a:solidFill>
-                  <a:srgbClr val="000066"/>
-                </a:solidFill>
-                <a:effectLst/>
+              <a:rPr lang="zh-CN" altLang="en-US" sz="3600" b="1" dirty="0">
+                <a:solidFill>
+                  <a:srgbClr val="000066"/>
+                </a:solidFill>
                 <a:latin typeface="Microsoft JhengHei" panose="020B0604030504040204" pitchFamily="34" charset="-120"/>
                 <a:ea typeface="Microsoft JhengHei" panose="020B0604030504040204" pitchFamily="34" charset="-120"/>
               </a:rPr>
               <a:t>副 </a:t>
             </a:r>
             <a:r>
-              <a:rPr lang="en-US" sz="4800" b="1" dirty="0">
-                <a:solidFill>
-                  <a:srgbClr val="000066"/>
-                </a:solidFill>
-                <a:effectLst/>
+              <a:rPr lang="en-US" sz="3600" b="1" dirty="0">
+                <a:solidFill>
+                  <a:srgbClr val="000066"/>
+                </a:solidFill>
                 <a:latin typeface="Microsoft JhengHei" panose="020B0604030504040204" pitchFamily="34" charset="-120"/>
                 <a:ea typeface="Microsoft JhengHei" panose="020B0604030504040204" pitchFamily="34" charset="-120"/>
               </a:rPr>
               <a:t>)</a:t>
             </a:r>
-            <a:endParaRPr lang="vi-VN" sz="4800" b="1" dirty="0">
+            <a:endParaRPr lang="vi-VN" sz="3600" b="1" dirty="0">
               <a:solidFill>
                 <a:srgbClr val="000066"/>
               </a:solidFill>
-              <a:effectLst/>
-              <a:latin typeface="Microsoft JhengHei" panose="020B0604030504040204" pitchFamily="34" charset="-120"/>
               <a:ea typeface="Microsoft JhengHei" panose="020B0604030504040204" pitchFamily="34" charset="-120"/>
             </a:endParaRPr>
           </a:p>
@@ -4962,13 +4853,6 @@
               </a:rPr>
               <a:t>奉主名的呼求</a:t>
             </a:r>
-            <a:endParaRPr lang="zh-TW" altLang="en-US" sz="6400" b="1" dirty="0">
-              <a:solidFill>
-                <a:srgbClr val="000066"/>
-              </a:solidFill>
-              <a:latin typeface="微軟正黑體" pitchFamily="34" charset="-120"/>
-              <a:ea typeface="微軟正黑體" pitchFamily="34" charset="-120"/>
-            </a:endParaRPr>
           </a:p>
         </p:txBody>
       </p:sp>
@@ -4981,7 +4865,7 @@
         <p:spPr>
           <a:xfrm>
             <a:off x="0" y="5061182"/>
-            <a:ext cx="12192000" cy="830997"/>
+            <a:ext cx="12192000" cy="646331"/>
           </a:xfrm>
           <a:prstGeom prst="rect">
             <a:avLst/>
@@ -4996,44 +4880,39 @@
           <a:p>
             <a:pPr algn="ctr"/>
             <a:r>
-              <a:rPr lang="en-US" sz="4800" b="1" dirty="0">
-                <a:solidFill>
-                  <a:srgbClr val="000066"/>
-                </a:solidFill>
-                <a:effectLst/>
+              <a:rPr lang="en-US" sz="3600" b="1" dirty="0">
+                <a:solidFill>
+                  <a:srgbClr val="000066"/>
+                </a:solidFill>
                 <a:latin typeface="Microsoft JhengHei" panose="020B0604030504040204" pitchFamily="34" charset="-120"/>
                 <a:ea typeface="Microsoft JhengHei" panose="020B0604030504040204" pitchFamily="34" charset="-120"/>
               </a:rPr>
               <a:t>( </a:t>
             </a:r>
             <a:r>
-              <a:rPr lang="zh-CN" altLang="en-US" sz="4800" b="1" dirty="0">
-                <a:solidFill>
-                  <a:srgbClr val="000066"/>
-                </a:solidFill>
-                <a:effectLst/>
+              <a:rPr lang="zh-CN" altLang="en-US" sz="3600" b="1" dirty="0">
+                <a:solidFill>
+                  <a:srgbClr val="000066"/>
+                </a:solidFill>
                 <a:latin typeface="Microsoft JhengHei" panose="020B0604030504040204" pitchFamily="34" charset="-120"/>
                 <a:ea typeface="Microsoft JhengHei" panose="020B0604030504040204" pitchFamily="34" charset="-120"/>
               </a:rPr>
               <a:t>副 </a:t>
             </a:r>
             <a:r>
-              <a:rPr lang="en-US" sz="4800" b="1" dirty="0">
-                <a:solidFill>
-                  <a:srgbClr val="000066"/>
-                </a:solidFill>
-                <a:effectLst/>
+              <a:rPr lang="en-US" sz="3600" b="1" dirty="0">
+                <a:solidFill>
+                  <a:srgbClr val="000066"/>
+                </a:solidFill>
                 <a:latin typeface="Microsoft JhengHei" panose="020B0604030504040204" pitchFamily="34" charset="-120"/>
                 <a:ea typeface="Microsoft JhengHei" panose="020B0604030504040204" pitchFamily="34" charset="-120"/>
               </a:rPr>
               <a:t>)</a:t>
             </a:r>
-            <a:endParaRPr lang="vi-VN" sz="4800" b="1" dirty="0">
+            <a:endParaRPr lang="vi-VN" sz="3600" b="1" dirty="0">
               <a:solidFill>
                 <a:srgbClr val="000066"/>
               </a:solidFill>
-              <a:effectLst/>
-              <a:latin typeface="Microsoft JhengHei" panose="020B0604030504040204" pitchFamily="34" charset="-120"/>
               <a:ea typeface="Microsoft JhengHei" panose="020B0604030504040204" pitchFamily="34" charset="-120"/>
             </a:endParaRPr>
           </a:p>
@@ -5145,7 +5024,7 @@
         <p:spPr>
           <a:xfrm>
             <a:off x="0" y="5061182"/>
-            <a:ext cx="12192000" cy="830997"/>
+            <a:ext cx="12192000" cy="646331"/>
           </a:xfrm>
           <a:prstGeom prst="rect">
             <a:avLst/>
@@ -5160,44 +5039,39 @@
           <a:p>
             <a:pPr algn="ctr"/>
             <a:r>
-              <a:rPr lang="en-US" sz="4800" b="1" dirty="0">
-                <a:solidFill>
-                  <a:srgbClr val="000066"/>
-                </a:solidFill>
-                <a:effectLst/>
+              <a:rPr lang="en-US" sz="3600" b="1" dirty="0">
+                <a:solidFill>
+                  <a:srgbClr val="000066"/>
+                </a:solidFill>
                 <a:latin typeface="Microsoft JhengHei" panose="020B0604030504040204" pitchFamily="34" charset="-120"/>
                 <a:ea typeface="Microsoft JhengHei" panose="020B0604030504040204" pitchFamily="34" charset="-120"/>
               </a:rPr>
               <a:t>( </a:t>
             </a:r>
             <a:r>
-              <a:rPr lang="zh-CN" altLang="en-US" sz="4800" b="1" dirty="0">
-                <a:solidFill>
-                  <a:srgbClr val="000066"/>
-                </a:solidFill>
-                <a:effectLst/>
+              <a:rPr lang="zh-CN" altLang="en-US" sz="3600" b="1" dirty="0">
+                <a:solidFill>
+                  <a:srgbClr val="000066"/>
+                </a:solidFill>
                 <a:latin typeface="Microsoft JhengHei" panose="020B0604030504040204" pitchFamily="34" charset="-120"/>
                 <a:ea typeface="Microsoft JhengHei" panose="020B0604030504040204" pitchFamily="34" charset="-120"/>
               </a:rPr>
               <a:t>副 </a:t>
             </a:r>
             <a:r>
-              <a:rPr lang="en-US" sz="4800" b="1" dirty="0">
-                <a:solidFill>
-                  <a:srgbClr val="000066"/>
-                </a:solidFill>
-                <a:effectLst/>
+              <a:rPr lang="en-US" sz="3600" b="1" dirty="0">
+                <a:solidFill>
+                  <a:srgbClr val="000066"/>
+                </a:solidFill>
                 <a:latin typeface="Microsoft JhengHei" panose="020B0604030504040204" pitchFamily="34" charset="-120"/>
                 <a:ea typeface="Microsoft JhengHei" panose="020B0604030504040204" pitchFamily="34" charset="-120"/>
               </a:rPr>
               <a:t>)</a:t>
             </a:r>
-            <a:endParaRPr lang="vi-VN" sz="4800" b="1" dirty="0">
+            <a:endParaRPr lang="vi-VN" sz="3600" b="1" dirty="0">
               <a:solidFill>
                 <a:srgbClr val="000066"/>
               </a:solidFill>
-              <a:effectLst/>
-              <a:latin typeface="Microsoft JhengHei" panose="020B0604030504040204" pitchFamily="34" charset="-120"/>
               <a:ea typeface="Microsoft JhengHei" panose="020B0604030504040204" pitchFamily="34" charset="-120"/>
             </a:endParaRPr>
           </a:p>
@@ -5290,13 +5164,6 @@
               </a:rPr>
               <a:t>我們歡迎祢</a:t>
             </a:r>
-            <a:endParaRPr lang="zh-TW" altLang="en-US" sz="6400" b="1" dirty="0">
-              <a:solidFill>
-                <a:srgbClr val="000066"/>
-              </a:solidFill>
-              <a:latin typeface="微軟正黑體" pitchFamily="34" charset="-120"/>
-              <a:ea typeface="微軟正黑體" pitchFamily="34" charset="-120"/>
-            </a:endParaRPr>
           </a:p>
         </p:txBody>
       </p:sp>
@@ -5309,7 +5176,7 @@
         <p:spPr>
           <a:xfrm>
             <a:off x="0" y="5061182"/>
-            <a:ext cx="12192000" cy="830997"/>
+            <a:ext cx="12192000" cy="646331"/>
           </a:xfrm>
           <a:prstGeom prst="rect">
             <a:avLst/>
@@ -5324,44 +5191,39 @@
           <a:p>
             <a:pPr algn="ctr"/>
             <a:r>
-              <a:rPr lang="en-US" sz="4800" b="1" dirty="0">
-                <a:solidFill>
-                  <a:srgbClr val="000066"/>
-                </a:solidFill>
-                <a:effectLst/>
+              <a:rPr lang="en-US" sz="3600" b="1" dirty="0">
+                <a:solidFill>
+                  <a:srgbClr val="000066"/>
+                </a:solidFill>
                 <a:latin typeface="Microsoft JhengHei" panose="020B0604030504040204" pitchFamily="34" charset="-120"/>
                 <a:ea typeface="Microsoft JhengHei" panose="020B0604030504040204" pitchFamily="34" charset="-120"/>
               </a:rPr>
               <a:t>( </a:t>
             </a:r>
             <a:r>
-              <a:rPr lang="zh-CN" altLang="en-US" sz="4800" b="1" dirty="0">
-                <a:solidFill>
-                  <a:srgbClr val="000066"/>
-                </a:solidFill>
-                <a:effectLst/>
+              <a:rPr lang="zh-CN" altLang="en-US" sz="3600" b="1" dirty="0">
+                <a:solidFill>
+                  <a:srgbClr val="000066"/>
+                </a:solidFill>
                 <a:latin typeface="Microsoft JhengHei" panose="020B0604030504040204" pitchFamily="34" charset="-120"/>
                 <a:ea typeface="Microsoft JhengHei" panose="020B0604030504040204" pitchFamily="34" charset="-120"/>
               </a:rPr>
               <a:t>副 </a:t>
             </a:r>
             <a:r>
-              <a:rPr lang="en-US" sz="4800" b="1" dirty="0">
-                <a:solidFill>
-                  <a:srgbClr val="000066"/>
-                </a:solidFill>
-                <a:effectLst/>
+              <a:rPr lang="en-US" sz="3600" b="1" dirty="0">
+                <a:solidFill>
+                  <a:srgbClr val="000066"/>
+                </a:solidFill>
                 <a:latin typeface="Microsoft JhengHei" panose="020B0604030504040204" pitchFamily="34" charset="-120"/>
                 <a:ea typeface="Microsoft JhengHei" panose="020B0604030504040204" pitchFamily="34" charset="-120"/>
               </a:rPr>
               <a:t>)</a:t>
             </a:r>
-            <a:endParaRPr lang="vi-VN" sz="4800" b="1" dirty="0">
+            <a:endParaRPr lang="vi-VN" sz="3600" b="1" dirty="0">
               <a:solidFill>
                 <a:srgbClr val="000066"/>
               </a:solidFill>
-              <a:effectLst/>
-              <a:latin typeface="Microsoft JhengHei" panose="020B0604030504040204" pitchFamily="34" charset="-120"/>
               <a:ea typeface="Microsoft JhengHei" panose="020B0604030504040204" pitchFamily="34" charset="-120"/>
             </a:endParaRPr>
           </a:p>
